--- a/Final Presentation Slides/team48finalpresentation.pptx
+++ b/Final Presentation Slides/team48finalpresentation.pptx
@@ -18,7 +18,7 @@
     <p:sldId id="267" r:id="rId9"/>
     <p:sldId id="279" r:id="rId10"/>
     <p:sldId id="276" r:id="rId11"/>
-    <p:sldId id="277" r:id="rId12"/>
+    <p:sldId id="282" r:id="rId12"/>
     <p:sldId id="269" r:id="rId13"/>
     <p:sldId id="280" r:id="rId14"/>
     <p:sldId id="281" r:id="rId15"/>
@@ -214,7 +214,7 @@
           <a:p>
             <a:fld id="{D854E5A2-560F-5042-B033-2870576C7FEE}" type="datetimeFigureOut">
               <a:rPr lang="en-US" smtClean="0"/>
-              <a:t>11/10/22</a:t>
+              <a:t>11/13/22</a:t>
             </a:fld>
             <a:endParaRPr lang="en-US"/>
           </a:p>
@@ -796,7 +796,7 @@
           <a:p>
             <a:fld id="{9893EBB2-0F16-174A-81ED-0C7E96A52E91}" type="datetimeFigureOut">
               <a:rPr lang="en-US" smtClean="0"/>
-              <a:t>11/10/22</a:t>
+              <a:t>11/13/22</a:t>
             </a:fld>
             <a:endParaRPr lang="en-US"/>
           </a:p>
@@ -994,7 +994,7 @@
           <a:p>
             <a:fld id="{9893EBB2-0F16-174A-81ED-0C7E96A52E91}" type="datetimeFigureOut">
               <a:rPr lang="en-US" smtClean="0"/>
-              <a:t>11/10/22</a:t>
+              <a:t>11/13/22</a:t>
             </a:fld>
             <a:endParaRPr lang="en-US"/>
           </a:p>
@@ -1202,7 +1202,7 @@
           <a:p>
             <a:fld id="{9893EBB2-0F16-174A-81ED-0C7E96A52E91}" type="datetimeFigureOut">
               <a:rPr lang="en-US" smtClean="0"/>
-              <a:t>11/10/22</a:t>
+              <a:t>11/13/22</a:t>
             </a:fld>
             <a:endParaRPr lang="en-US"/>
           </a:p>
@@ -1455,7 +1455,7 @@
           <a:p>
             <a:fld id="{9893EBB2-0F16-174A-81ED-0C7E96A52E91}" type="datetimeFigureOut">
               <a:rPr lang="en-US" smtClean="0"/>
-              <a:t>11/10/22</a:t>
+              <a:t>11/13/22</a:t>
             </a:fld>
             <a:endParaRPr lang="en-US"/>
           </a:p>
@@ -1730,7 +1730,7 @@
           <a:p>
             <a:fld id="{9893EBB2-0F16-174A-81ED-0C7E96A52E91}" type="datetimeFigureOut">
               <a:rPr lang="en-US" smtClean="0"/>
-              <a:t>11/10/22</a:t>
+              <a:t>11/13/22</a:t>
             </a:fld>
             <a:endParaRPr lang="en-US"/>
           </a:p>
@@ -2050,7 +2050,7 @@
           <a:p>
             <a:fld id="{9893EBB2-0F16-174A-81ED-0C7E96A52E91}" type="datetimeFigureOut">
               <a:rPr lang="en-US" smtClean="0"/>
-              <a:t>11/10/22</a:t>
+              <a:t>11/13/22</a:t>
             </a:fld>
             <a:endParaRPr lang="en-US"/>
           </a:p>
@@ -2462,7 +2462,7 @@
           <a:p>
             <a:fld id="{9893EBB2-0F16-174A-81ED-0C7E96A52E91}" type="datetimeFigureOut">
               <a:rPr lang="en-US" smtClean="0"/>
-              <a:t>11/10/22</a:t>
+              <a:t>11/13/22</a:t>
             </a:fld>
             <a:endParaRPr lang="en-US"/>
           </a:p>
@@ -2603,7 +2603,7 @@
           <a:p>
             <a:fld id="{9893EBB2-0F16-174A-81ED-0C7E96A52E91}" type="datetimeFigureOut">
               <a:rPr lang="en-US" smtClean="0"/>
-              <a:t>11/10/22</a:t>
+              <a:t>11/13/22</a:t>
             </a:fld>
             <a:endParaRPr lang="en-US"/>
           </a:p>
@@ -2716,7 +2716,7 @@
           <a:p>
             <a:fld id="{9893EBB2-0F16-174A-81ED-0C7E96A52E91}" type="datetimeFigureOut">
               <a:rPr lang="en-US" smtClean="0"/>
-              <a:t>11/10/22</a:t>
+              <a:t>11/13/22</a:t>
             </a:fld>
             <a:endParaRPr lang="en-US"/>
           </a:p>
@@ -3027,7 +3027,7 @@
           <a:p>
             <a:fld id="{9893EBB2-0F16-174A-81ED-0C7E96A52E91}" type="datetimeFigureOut">
               <a:rPr lang="en-US" smtClean="0"/>
-              <a:t>11/10/22</a:t>
+              <a:t>11/13/22</a:t>
             </a:fld>
             <a:endParaRPr lang="en-US"/>
           </a:p>
@@ -3315,7 +3315,7 @@
           <a:p>
             <a:fld id="{9893EBB2-0F16-174A-81ED-0C7E96A52E91}" type="datetimeFigureOut">
               <a:rPr lang="en-US" smtClean="0"/>
-              <a:t>11/10/22</a:t>
+              <a:t>11/13/22</a:t>
             </a:fld>
             <a:endParaRPr lang="en-US"/>
           </a:p>
@@ -3556,7 +3556,7 @@
           <a:p>
             <a:fld id="{9893EBB2-0F16-174A-81ED-0C7E96A52E91}" type="datetimeFigureOut">
               <a:rPr lang="en-US" smtClean="0"/>
-              <a:t>11/10/22</a:t>
+              <a:t>11/13/22</a:t>
             </a:fld>
             <a:endParaRPr lang="en-US"/>
           </a:p>
@@ -4117,55 +4117,6 @@
                 <a:cs typeface="Times New Roman" panose="02020603050405020304" pitchFamily="18" charset="0"/>
               </a:rPr>
               <a:t>, Ashwin Spencer, Andrew Taylor</a:t>
-            </a:r>
-          </a:p>
-        </p:txBody>
-      </p:sp>
-      <p:sp>
-        <p:nvSpPr>
-          <p:cNvPr id="4" name="Rectangle 3">
-            <a:extLst>
-              <a:ext uri="{FF2B5EF4-FFF2-40B4-BE49-F238E27FC236}">
-                <a16:creationId xmlns:a16="http://schemas.microsoft.com/office/drawing/2014/main" id="{3B19A899-A0BC-0941-1B59-30E736E7D688}"/>
-              </a:ext>
-            </a:extLst>
-          </p:cNvPr>
-          <p:cNvSpPr/>
-          <p:nvPr/>
-        </p:nvSpPr>
-        <p:spPr>
-          <a:xfrm>
-            <a:off x="10072688" y="114300"/>
-            <a:ext cx="2021681" cy="642938"/>
-          </a:xfrm>
-          <a:prstGeom prst="rect">
-            <a:avLst/>
-          </a:prstGeom>
-        </p:spPr>
-        <p:style>
-          <a:lnRef idx="2">
-            <a:schemeClr val="accent1">
-              <a:shade val="50000"/>
-            </a:schemeClr>
-          </a:lnRef>
-          <a:fillRef idx="1">
-            <a:schemeClr val="accent1"/>
-          </a:fillRef>
-          <a:effectRef idx="0">
-            <a:schemeClr val="accent1"/>
-          </a:effectRef>
-          <a:fontRef idx="minor">
-            <a:schemeClr val="lt1"/>
-          </a:fontRef>
-        </p:style>
-        <p:txBody>
-          <a:bodyPr rtlCol="0" anchor="ctr"/>
-          <a:lstStyle/>
-          <a:p>
-            <a:pPr algn="ctr"/>
-            <a:r>
-              <a:rPr lang="en-US" dirty="0"/>
-              <a:t>Andrew</a:t>
             </a:r>
           </a:p>
         </p:txBody>
@@ -4888,55 +4839,6 @@
           </p:txBody>
         </p:sp>
       </p:grpSp>
-      <p:sp>
-        <p:nvSpPr>
-          <p:cNvPr id="14" name="Rectangle 13">
-            <a:extLst>
-              <a:ext uri="{FF2B5EF4-FFF2-40B4-BE49-F238E27FC236}">
-                <a16:creationId xmlns:a16="http://schemas.microsoft.com/office/drawing/2014/main" id="{9579EDD4-758C-4C5E-02EC-5E734E01BEA7}"/>
-              </a:ext>
-            </a:extLst>
-          </p:cNvPr>
-          <p:cNvSpPr/>
-          <p:nvPr/>
-        </p:nvSpPr>
-        <p:spPr>
-          <a:xfrm>
-            <a:off x="10072688" y="114300"/>
-            <a:ext cx="2021681" cy="642938"/>
-          </a:xfrm>
-          <a:prstGeom prst="rect">
-            <a:avLst/>
-          </a:prstGeom>
-        </p:spPr>
-        <p:style>
-          <a:lnRef idx="2">
-            <a:schemeClr val="accent1">
-              <a:shade val="50000"/>
-            </a:schemeClr>
-          </a:lnRef>
-          <a:fillRef idx="1">
-            <a:schemeClr val="accent1"/>
-          </a:fillRef>
-          <a:effectRef idx="0">
-            <a:schemeClr val="accent1"/>
-          </a:effectRef>
-          <a:fontRef idx="minor">
-            <a:schemeClr val="lt1"/>
-          </a:fontRef>
-        </p:style>
-        <p:txBody>
-          <a:bodyPr rtlCol="0" anchor="ctr"/>
-          <a:lstStyle/>
-          <a:p>
-            <a:pPr algn="ctr"/>
-            <a:r>
-              <a:rPr lang="en-US" dirty="0"/>
-              <a:t>Ashwin</a:t>
-            </a:r>
-          </a:p>
-        </p:txBody>
-      </p:sp>
       <p:grpSp>
         <p:nvGrpSpPr>
           <p:cNvPr id="25" name="Group 24">
@@ -6440,13 +6342,7 @@
           <p:cNvGraphicFramePr>
             <a:graphicFrameLocks noGrp="1"/>
           </p:cNvGraphicFramePr>
-          <p:nvPr>
-            <p:extLst>
-              <p:ext uri="{D42A27DB-BD31-4B8C-83A1-F6EECF244321}">
-                <p14:modId xmlns:p14="http://schemas.microsoft.com/office/powerpoint/2010/main" val="3121977674"/>
-              </p:ext>
-            </p:extLst>
-          </p:nvPr>
+          <p:nvPr/>
         </p:nvGraphicFramePr>
         <p:xfrm>
           <a:off x="4674114" y="1842555"/>
@@ -8493,7 +8389,7 @@
         </p:nvGrpSpPr>
         <p:grpSpPr>
           <a:xfrm>
-            <a:off x="10172512" y="546035"/>
+            <a:off x="10172512" y="555366"/>
             <a:ext cx="1627602" cy="150318"/>
             <a:chOff x="462455" y="1486923"/>
             <a:chExt cx="11098924" cy="1025050"/>
@@ -9281,55 +9177,6 @@
       </p:sp>
       <p:sp>
         <p:nvSpPr>
-          <p:cNvPr id="17" name="Rectangle 16">
-            <a:extLst>
-              <a:ext uri="{FF2B5EF4-FFF2-40B4-BE49-F238E27FC236}">
-                <a16:creationId xmlns:a16="http://schemas.microsoft.com/office/drawing/2014/main" id="{5E7213FF-0975-C7B5-4F26-64B2BECA25F7}"/>
-              </a:ext>
-            </a:extLst>
-          </p:cNvPr>
-          <p:cNvSpPr/>
-          <p:nvPr/>
-        </p:nvSpPr>
-        <p:spPr>
-          <a:xfrm>
-            <a:off x="10072688" y="114300"/>
-            <a:ext cx="2021681" cy="642938"/>
-          </a:xfrm>
-          <a:prstGeom prst="rect">
-            <a:avLst/>
-          </a:prstGeom>
-        </p:spPr>
-        <p:style>
-          <a:lnRef idx="2">
-            <a:schemeClr val="accent1">
-              <a:shade val="50000"/>
-            </a:schemeClr>
-          </a:lnRef>
-          <a:fillRef idx="1">
-            <a:schemeClr val="accent1"/>
-          </a:fillRef>
-          <a:effectRef idx="0">
-            <a:schemeClr val="accent1"/>
-          </a:effectRef>
-          <a:fontRef idx="minor">
-            <a:schemeClr val="lt1"/>
-          </a:fontRef>
-        </p:style>
-        <p:txBody>
-          <a:bodyPr rtlCol="0" anchor="ctr"/>
-          <a:lstStyle/>
-          <a:p>
-            <a:pPr algn="ctr"/>
-            <a:r>
-              <a:rPr lang="en-US" dirty="0"/>
-              <a:t>Ashwin</a:t>
-            </a:r>
-          </a:p>
-        </p:txBody>
-      </p:sp>
-      <p:sp>
-        <p:nvSpPr>
           <p:cNvPr id="20" name="Content Placeholder 2">
             <a:extLst>
               <a:ext uri="{FF2B5EF4-FFF2-40B4-BE49-F238E27FC236}">
@@ -9542,10 +9389,10 @@
       </p:sp>
       <p:sp>
         <p:nvSpPr>
-          <p:cNvPr id="21" name="Rectangle 20">
+          <p:cNvPr id="18" name="Rectangle 17">
             <a:extLst>
               <a:ext uri="{FF2B5EF4-FFF2-40B4-BE49-F238E27FC236}">
-                <a16:creationId xmlns:a16="http://schemas.microsoft.com/office/drawing/2014/main" id="{3A6013BD-3A5D-A618-D694-5BE363893495}"/>
+                <a16:creationId xmlns:a16="http://schemas.microsoft.com/office/drawing/2014/main" id="{7D78AFA8-BBD0-F351-7F62-D20C6C4C57F4}"/>
               </a:ext>
             </a:extLst>
           </p:cNvPr>
@@ -9554,8 +9401,8 @@
         </p:nvSpPr>
         <p:spPr>
           <a:xfrm>
-            <a:off x="12192000" y="0"/>
-            <a:ext cx="2995613" cy="5100950"/>
+            <a:off x="4828223" y="2149464"/>
+            <a:ext cx="2656115" cy="1760616"/>
           </a:xfrm>
           <a:prstGeom prst="rect">
             <a:avLst/>
@@ -9578,32 +9425,62 @@
           </a:fontRef>
         </p:style>
         <p:txBody>
-          <a:bodyPr rtlCol="0" anchor="t"/>
+          <a:bodyPr rtlCol="0" anchor="ctr"/>
           <a:lstStyle/>
           <a:p>
-            <a:r>
-              <a:rPr lang="en-US" sz="1200" b="1" dirty="0"/>
-              <a:t>To Do </a:t>
+            <a:pPr algn="ctr"/>
+            <a:r>
+              <a:rPr lang="en-US" dirty="0"/>
+              <a:t>Need to update with full EDA</a:t>
             </a:r>
           </a:p>
+        </p:txBody>
+      </p:sp>
+      <p:sp>
+        <p:nvSpPr>
+          <p:cNvPr id="19" name="Rectangle 18">
+            <a:extLst>
+              <a:ext uri="{FF2B5EF4-FFF2-40B4-BE49-F238E27FC236}">
+                <a16:creationId xmlns:a16="http://schemas.microsoft.com/office/drawing/2014/main" id="{92E08F16-3A5D-3E72-62A5-C01221667805}"/>
+              </a:ext>
+            </a:extLst>
+          </p:cNvPr>
+          <p:cNvSpPr/>
+          <p:nvPr/>
+        </p:nvSpPr>
+        <p:spPr>
+          <a:xfrm>
+            <a:off x="8971659" y="2149464"/>
+            <a:ext cx="2656115" cy="1760616"/>
+          </a:xfrm>
+          <a:prstGeom prst="rect">
+            <a:avLst/>
+          </a:prstGeom>
+        </p:spPr>
+        <p:style>
+          <a:lnRef idx="2">
+            <a:schemeClr val="accent1">
+              <a:shade val="50000"/>
+            </a:schemeClr>
+          </a:lnRef>
+          <a:fillRef idx="1">
+            <a:schemeClr val="accent1"/>
+          </a:fillRef>
+          <a:effectRef idx="0">
+            <a:schemeClr val="accent1"/>
+          </a:effectRef>
+          <a:fontRef idx="minor">
+            <a:schemeClr val="lt1"/>
+          </a:fontRef>
+        </p:style>
+        <p:txBody>
+          <a:bodyPr rtlCol="0" anchor="ctr"/>
+          <a:lstStyle/>
           <a:p>
-            <a:pPr marL="285750" indent="-285750">
-              <a:buFont typeface="Arial" panose="020B0604020202020204" pitchFamily="34" charset="0"/>
-              <a:buChar char="•"/>
-            </a:pPr>
-            <a:r>
-              <a:rPr lang="en-US" sz="1200" dirty="0"/>
-              <a:t>Ashwin – Perform EDA with real estate data and push notebook back to the cloud </a:t>
-            </a:r>
-          </a:p>
-          <a:p>
-            <a:pPr marL="285750" indent="-285750">
-              <a:buFont typeface="Arial" panose="020B0604020202020204" pitchFamily="34" charset="0"/>
-              <a:buChar char="•"/>
-            </a:pPr>
-            <a:r>
-              <a:rPr lang="en-US" sz="1200" dirty="0"/>
-              <a:t>Andrew – update visuals once Ashwin pushes update</a:t>
+            <a:pPr algn="ctr"/>
+            <a:r>
+              <a:rPr lang="en-US" dirty="0"/>
+              <a:t>Need to update with full EDA</a:t>
             </a:r>
           </a:p>
         </p:txBody>
@@ -9611,7 +9488,7 @@
     </p:spTree>
     <p:extLst>
       <p:ext uri="{BB962C8B-B14F-4D97-AF65-F5344CB8AC3E}">
-        <p14:creationId xmlns:p14="http://schemas.microsoft.com/office/powerpoint/2010/main" val="1096723522"/>
+        <p14:creationId xmlns:p14="http://schemas.microsoft.com/office/powerpoint/2010/main" val="210063243"/>
       </p:ext>
     </p:extLst>
   </p:cSld>
@@ -10374,55 +10251,6 @@
       </p:grpSp>
       <p:sp>
         <p:nvSpPr>
-          <p:cNvPr id="15" name="Rectangle 14">
-            <a:extLst>
-              <a:ext uri="{FF2B5EF4-FFF2-40B4-BE49-F238E27FC236}">
-                <a16:creationId xmlns:a16="http://schemas.microsoft.com/office/drawing/2014/main" id="{15D6852F-6F10-F0AE-CFF4-EF4B7120DBF3}"/>
-              </a:ext>
-            </a:extLst>
-          </p:cNvPr>
-          <p:cNvSpPr/>
-          <p:nvPr/>
-        </p:nvSpPr>
-        <p:spPr>
-          <a:xfrm>
-            <a:off x="10072688" y="121444"/>
-            <a:ext cx="2021681" cy="642938"/>
-          </a:xfrm>
-          <a:prstGeom prst="rect">
-            <a:avLst/>
-          </a:prstGeom>
-        </p:spPr>
-        <p:style>
-          <a:lnRef idx="2">
-            <a:schemeClr val="accent1">
-              <a:shade val="50000"/>
-            </a:schemeClr>
-          </a:lnRef>
-          <a:fillRef idx="1">
-            <a:schemeClr val="accent1"/>
-          </a:fillRef>
-          <a:effectRef idx="0">
-            <a:schemeClr val="accent1"/>
-          </a:effectRef>
-          <a:fontRef idx="minor">
-            <a:schemeClr val="lt1"/>
-          </a:fontRef>
-        </p:style>
-        <p:txBody>
-          <a:bodyPr rtlCol="0" anchor="ctr"/>
-          <a:lstStyle/>
-          <a:p>
-            <a:pPr algn="ctr"/>
-            <a:r>
-              <a:rPr lang="en-US" dirty="0"/>
-              <a:t>David</a:t>
-            </a:r>
-          </a:p>
-        </p:txBody>
-      </p:sp>
-      <p:sp>
-        <p:nvSpPr>
           <p:cNvPr id="20" name="Chevron 19">
             <a:extLst>
               <a:ext uri="{FF2B5EF4-FFF2-40B4-BE49-F238E27FC236}">
@@ -11663,55 +11491,6 @@
       </p:grpSp>
       <p:sp>
         <p:nvSpPr>
-          <p:cNvPr id="15" name="Rectangle 14">
-            <a:extLst>
-              <a:ext uri="{FF2B5EF4-FFF2-40B4-BE49-F238E27FC236}">
-                <a16:creationId xmlns:a16="http://schemas.microsoft.com/office/drawing/2014/main" id="{15D6852F-6F10-F0AE-CFF4-EF4B7120DBF3}"/>
-              </a:ext>
-            </a:extLst>
-          </p:cNvPr>
-          <p:cNvSpPr/>
-          <p:nvPr/>
-        </p:nvSpPr>
-        <p:spPr>
-          <a:xfrm>
-            <a:off x="10072688" y="114300"/>
-            <a:ext cx="2021681" cy="642938"/>
-          </a:xfrm>
-          <a:prstGeom prst="rect">
-            <a:avLst/>
-          </a:prstGeom>
-        </p:spPr>
-        <p:style>
-          <a:lnRef idx="2">
-            <a:schemeClr val="accent1">
-              <a:shade val="50000"/>
-            </a:schemeClr>
-          </a:lnRef>
-          <a:fillRef idx="1">
-            <a:schemeClr val="accent1"/>
-          </a:fillRef>
-          <a:effectRef idx="0">
-            <a:schemeClr val="accent1"/>
-          </a:effectRef>
-          <a:fontRef idx="minor">
-            <a:schemeClr val="lt1"/>
-          </a:fontRef>
-        </p:style>
-        <p:txBody>
-          <a:bodyPr rtlCol="0" anchor="ctr"/>
-          <a:lstStyle/>
-          <a:p>
-            <a:pPr algn="ctr"/>
-            <a:r>
-              <a:rPr lang="en-US" dirty="0"/>
-              <a:t>David</a:t>
-            </a:r>
-          </a:p>
-        </p:txBody>
-      </p:sp>
-      <p:sp>
-        <p:nvSpPr>
           <p:cNvPr id="16" name="Content Placeholder 2">
             <a:extLst>
               <a:ext uri="{FF2B5EF4-FFF2-40B4-BE49-F238E27FC236}">
@@ -14142,55 +13921,6 @@
       </p:grpSp>
       <p:sp>
         <p:nvSpPr>
-          <p:cNvPr id="15" name="Rectangle 14">
-            <a:extLst>
-              <a:ext uri="{FF2B5EF4-FFF2-40B4-BE49-F238E27FC236}">
-                <a16:creationId xmlns:a16="http://schemas.microsoft.com/office/drawing/2014/main" id="{15D6852F-6F10-F0AE-CFF4-EF4B7120DBF3}"/>
-              </a:ext>
-            </a:extLst>
-          </p:cNvPr>
-          <p:cNvSpPr/>
-          <p:nvPr/>
-        </p:nvSpPr>
-        <p:spPr>
-          <a:xfrm>
-            <a:off x="10072688" y="114300"/>
-            <a:ext cx="2021681" cy="642938"/>
-          </a:xfrm>
-          <a:prstGeom prst="rect">
-            <a:avLst/>
-          </a:prstGeom>
-        </p:spPr>
-        <p:style>
-          <a:lnRef idx="2">
-            <a:schemeClr val="accent1">
-              <a:shade val="50000"/>
-            </a:schemeClr>
-          </a:lnRef>
-          <a:fillRef idx="1">
-            <a:schemeClr val="accent1"/>
-          </a:fillRef>
-          <a:effectRef idx="0">
-            <a:schemeClr val="accent1"/>
-          </a:effectRef>
-          <a:fontRef idx="minor">
-            <a:schemeClr val="lt1"/>
-          </a:fontRef>
-        </p:style>
-        <p:txBody>
-          <a:bodyPr rtlCol="0" anchor="ctr"/>
-          <a:lstStyle/>
-          <a:p>
-            <a:pPr algn="ctr"/>
-            <a:r>
-              <a:rPr lang="en-US" dirty="0"/>
-              <a:t>David</a:t>
-            </a:r>
-          </a:p>
-        </p:txBody>
-      </p:sp>
-      <p:sp>
-        <p:nvSpPr>
           <p:cNvPr id="5" name="Content Placeholder 2">
             <a:extLst>
               <a:ext uri="{FF2B5EF4-FFF2-40B4-BE49-F238E27FC236}">
@@ -18719,55 +18449,6 @@
           </a:p>
         </p:txBody>
       </p:sp>
-      <p:sp>
-        <p:nvSpPr>
-          <p:cNvPr id="4" name="Rectangle 3">
-            <a:extLst>
-              <a:ext uri="{FF2B5EF4-FFF2-40B4-BE49-F238E27FC236}">
-                <a16:creationId xmlns:a16="http://schemas.microsoft.com/office/drawing/2014/main" id="{E7DB5FFB-EED5-B8C9-6A12-ABAE9B4E4034}"/>
-              </a:ext>
-            </a:extLst>
-          </p:cNvPr>
-          <p:cNvSpPr/>
-          <p:nvPr/>
-        </p:nvSpPr>
-        <p:spPr>
-          <a:xfrm>
-            <a:off x="10072688" y="114300"/>
-            <a:ext cx="2021681" cy="642938"/>
-          </a:xfrm>
-          <a:prstGeom prst="rect">
-            <a:avLst/>
-          </a:prstGeom>
-        </p:spPr>
-        <p:style>
-          <a:lnRef idx="2">
-            <a:schemeClr val="accent1">
-              <a:shade val="50000"/>
-            </a:schemeClr>
-          </a:lnRef>
-          <a:fillRef idx="1">
-            <a:schemeClr val="accent1"/>
-          </a:fillRef>
-          <a:effectRef idx="0">
-            <a:schemeClr val="accent1"/>
-          </a:effectRef>
-          <a:fontRef idx="minor">
-            <a:schemeClr val="lt1"/>
-          </a:fontRef>
-        </p:style>
-        <p:txBody>
-          <a:bodyPr rtlCol="0" anchor="ctr"/>
-          <a:lstStyle/>
-          <a:p>
-            <a:pPr algn="ctr"/>
-            <a:r>
-              <a:rPr lang="en-US" dirty="0"/>
-              <a:t>Andrew</a:t>
-            </a:r>
-          </a:p>
-        </p:txBody>
-      </p:sp>
     </p:spTree>
     <p:extLst>
       <p:ext uri="{BB962C8B-B14F-4D97-AF65-F5344CB8AC3E}">
@@ -18822,55 +18503,6 @@
             <a:r>
               <a:rPr lang="en-US" dirty="0"/>
               <a:t>Problem and Approach Overview</a:t>
-            </a:r>
-          </a:p>
-        </p:txBody>
-      </p:sp>
-      <p:sp>
-        <p:nvSpPr>
-          <p:cNvPr id="3" name="Rectangle 2">
-            <a:extLst>
-              <a:ext uri="{FF2B5EF4-FFF2-40B4-BE49-F238E27FC236}">
-                <a16:creationId xmlns:a16="http://schemas.microsoft.com/office/drawing/2014/main" id="{D490F599-5D88-481A-FEBA-DB64FE5F97FE}"/>
-              </a:ext>
-            </a:extLst>
-          </p:cNvPr>
-          <p:cNvSpPr/>
-          <p:nvPr/>
-        </p:nvSpPr>
-        <p:spPr>
-          <a:xfrm>
-            <a:off x="10072688" y="114300"/>
-            <a:ext cx="2021681" cy="642938"/>
-          </a:xfrm>
-          <a:prstGeom prst="rect">
-            <a:avLst/>
-          </a:prstGeom>
-        </p:spPr>
-        <p:style>
-          <a:lnRef idx="2">
-            <a:schemeClr val="accent1">
-              <a:shade val="50000"/>
-            </a:schemeClr>
-          </a:lnRef>
-          <a:fillRef idx="1">
-            <a:schemeClr val="accent1"/>
-          </a:fillRef>
-          <a:effectRef idx="0">
-            <a:schemeClr val="accent1"/>
-          </a:effectRef>
-          <a:fontRef idx="minor">
-            <a:schemeClr val="lt1"/>
-          </a:fontRef>
-        </p:style>
-        <p:txBody>
-          <a:bodyPr rtlCol="0" anchor="ctr"/>
-          <a:lstStyle/>
-          <a:p>
-            <a:pPr algn="ctr"/>
-            <a:r>
-              <a:rPr lang="en-US" dirty="0"/>
-              <a:t>Andrew</a:t>
             </a:r>
           </a:p>
         </p:txBody>
@@ -19575,55 +19207,6 @@
               <a:t>Existing attempts to incorporate zip code or location primarily focus on directly encoding the spatial data, but don’t account for affluency or income tax features</a:t>
             </a:r>
             <a:endParaRPr lang="en-US" sz="2000" dirty="0"/>
-          </a:p>
-        </p:txBody>
-      </p:sp>
-      <p:sp>
-        <p:nvSpPr>
-          <p:cNvPr id="9" name="Rectangle 8">
-            <a:extLst>
-              <a:ext uri="{FF2B5EF4-FFF2-40B4-BE49-F238E27FC236}">
-                <a16:creationId xmlns:a16="http://schemas.microsoft.com/office/drawing/2014/main" id="{0B86B0BD-F83B-0842-C636-0A36EB05E9F0}"/>
-              </a:ext>
-            </a:extLst>
-          </p:cNvPr>
-          <p:cNvSpPr/>
-          <p:nvPr/>
-        </p:nvSpPr>
-        <p:spPr>
-          <a:xfrm>
-            <a:off x="10072688" y="114300"/>
-            <a:ext cx="2021681" cy="642938"/>
-          </a:xfrm>
-          <a:prstGeom prst="rect">
-            <a:avLst/>
-          </a:prstGeom>
-        </p:spPr>
-        <p:style>
-          <a:lnRef idx="2">
-            <a:schemeClr val="accent1">
-              <a:shade val="50000"/>
-            </a:schemeClr>
-          </a:lnRef>
-          <a:fillRef idx="1">
-            <a:schemeClr val="accent1"/>
-          </a:fillRef>
-          <a:effectRef idx="0">
-            <a:schemeClr val="accent1"/>
-          </a:effectRef>
-          <a:fontRef idx="minor">
-            <a:schemeClr val="lt1"/>
-          </a:fontRef>
-        </p:style>
-        <p:txBody>
-          <a:bodyPr rtlCol="0" anchor="ctr"/>
-          <a:lstStyle/>
-          <a:p>
-            <a:pPr algn="ctr"/>
-            <a:r>
-              <a:rPr lang="en-US" dirty="0"/>
-              <a:t>Andrew</a:t>
-            </a:r>
           </a:p>
         </p:txBody>
       </p:sp>
@@ -20184,55 +19767,6 @@
       </p:sp>
       <p:sp>
         <p:nvSpPr>
-          <p:cNvPr id="7" name="Rectangle 6">
-            <a:extLst>
-              <a:ext uri="{FF2B5EF4-FFF2-40B4-BE49-F238E27FC236}">
-                <a16:creationId xmlns:a16="http://schemas.microsoft.com/office/drawing/2014/main" id="{FF0D0EA0-8449-8E06-3513-A07AD850FCCC}"/>
-              </a:ext>
-            </a:extLst>
-          </p:cNvPr>
-          <p:cNvSpPr/>
-          <p:nvPr/>
-        </p:nvSpPr>
-        <p:spPr>
-          <a:xfrm>
-            <a:off x="10072688" y="114300"/>
-            <a:ext cx="2021681" cy="642938"/>
-          </a:xfrm>
-          <a:prstGeom prst="rect">
-            <a:avLst/>
-          </a:prstGeom>
-        </p:spPr>
-        <p:style>
-          <a:lnRef idx="2">
-            <a:schemeClr val="accent1">
-              <a:shade val="50000"/>
-            </a:schemeClr>
-          </a:lnRef>
-          <a:fillRef idx="1">
-            <a:schemeClr val="accent1"/>
-          </a:fillRef>
-          <a:effectRef idx="0">
-            <a:schemeClr val="accent1"/>
-          </a:effectRef>
-          <a:fontRef idx="minor">
-            <a:schemeClr val="lt1"/>
-          </a:fontRef>
-        </p:style>
-        <p:txBody>
-          <a:bodyPr rtlCol="0" anchor="ctr"/>
-          <a:lstStyle/>
-          <a:p>
-            <a:pPr algn="ctr"/>
-            <a:r>
-              <a:rPr lang="en-US" dirty="0"/>
-              <a:t>Andrew</a:t>
-            </a:r>
-          </a:p>
-        </p:txBody>
-      </p:sp>
-      <p:sp>
-        <p:nvSpPr>
           <p:cNvPr id="8" name="Content Placeholder 2">
             <a:extLst>
               <a:ext uri="{FF2B5EF4-FFF2-40B4-BE49-F238E27FC236}">
@@ -21772,55 +21306,6 @@
       </p:sp>
       <p:sp>
         <p:nvSpPr>
-          <p:cNvPr id="3" name="Rectangle 2">
-            <a:extLst>
-              <a:ext uri="{FF2B5EF4-FFF2-40B4-BE49-F238E27FC236}">
-                <a16:creationId xmlns:a16="http://schemas.microsoft.com/office/drawing/2014/main" id="{3BC40AA7-AE08-00E3-CBB4-1BE22652D0FC}"/>
-              </a:ext>
-            </a:extLst>
-          </p:cNvPr>
-          <p:cNvSpPr/>
-          <p:nvPr/>
-        </p:nvSpPr>
-        <p:spPr>
-          <a:xfrm>
-            <a:off x="10072688" y="114300"/>
-            <a:ext cx="2021681" cy="642938"/>
-          </a:xfrm>
-          <a:prstGeom prst="rect">
-            <a:avLst/>
-          </a:prstGeom>
-        </p:spPr>
-        <p:style>
-          <a:lnRef idx="2">
-            <a:schemeClr val="accent1">
-              <a:shade val="50000"/>
-            </a:schemeClr>
-          </a:lnRef>
-          <a:fillRef idx="1">
-            <a:schemeClr val="accent1"/>
-          </a:fillRef>
-          <a:effectRef idx="0">
-            <a:schemeClr val="accent1"/>
-          </a:effectRef>
-          <a:fontRef idx="minor">
-            <a:schemeClr val="lt1"/>
-          </a:fontRef>
-        </p:style>
-        <p:txBody>
-          <a:bodyPr rtlCol="0" anchor="ctr"/>
-          <a:lstStyle/>
-          <a:p>
-            <a:pPr algn="ctr"/>
-            <a:r>
-              <a:rPr lang="en-US" dirty="0"/>
-              <a:t>Andrew</a:t>
-            </a:r>
-          </a:p>
-        </p:txBody>
-      </p:sp>
-      <p:sp>
-        <p:nvSpPr>
           <p:cNvPr id="5" name="Content Placeholder 2">
             <a:extLst>
               <a:ext uri="{FF2B5EF4-FFF2-40B4-BE49-F238E27FC236}">
@@ -21922,55 +21407,6 @@
             <a:r>
               <a:rPr lang="en-US" dirty="0"/>
               <a:t>Process &amp; Key Findings</a:t>
-            </a:r>
-          </a:p>
-        </p:txBody>
-      </p:sp>
-      <p:sp>
-        <p:nvSpPr>
-          <p:cNvPr id="4" name="Rectangle 3">
-            <a:extLst>
-              <a:ext uri="{FF2B5EF4-FFF2-40B4-BE49-F238E27FC236}">
-                <a16:creationId xmlns:a16="http://schemas.microsoft.com/office/drawing/2014/main" id="{746C1E56-6E59-6EF0-F7AB-24F6156E7D60}"/>
-              </a:ext>
-            </a:extLst>
-          </p:cNvPr>
-          <p:cNvSpPr/>
-          <p:nvPr/>
-        </p:nvSpPr>
-        <p:spPr>
-          <a:xfrm>
-            <a:off x="10072688" y="114300"/>
-            <a:ext cx="2021681" cy="642938"/>
-          </a:xfrm>
-          <a:prstGeom prst="rect">
-            <a:avLst/>
-          </a:prstGeom>
-        </p:spPr>
-        <p:style>
-          <a:lnRef idx="2">
-            <a:schemeClr val="accent1">
-              <a:shade val="50000"/>
-            </a:schemeClr>
-          </a:lnRef>
-          <a:fillRef idx="1">
-            <a:schemeClr val="accent1"/>
-          </a:fillRef>
-          <a:effectRef idx="0">
-            <a:schemeClr val="accent1"/>
-          </a:effectRef>
-          <a:fontRef idx="minor">
-            <a:schemeClr val="lt1"/>
-          </a:fontRef>
-        </p:style>
-        <p:txBody>
-          <a:bodyPr rtlCol="0" anchor="ctr"/>
-          <a:lstStyle/>
-          <a:p>
-            <a:pPr algn="ctr"/>
-            <a:r>
-              <a:rPr lang="en-US" dirty="0"/>
-              <a:t>Andrew</a:t>
             </a:r>
           </a:p>
         </p:txBody>
@@ -26063,55 +25499,6 @@
       </p:grpSp>
       <p:sp>
         <p:nvSpPr>
-          <p:cNvPr id="13" name="Rectangle 12">
-            <a:extLst>
-              <a:ext uri="{FF2B5EF4-FFF2-40B4-BE49-F238E27FC236}">
-                <a16:creationId xmlns:a16="http://schemas.microsoft.com/office/drawing/2014/main" id="{C8C93D4C-948C-C3F5-DB67-8AC96A76C29B}"/>
-              </a:ext>
-            </a:extLst>
-          </p:cNvPr>
-          <p:cNvSpPr/>
-          <p:nvPr/>
-        </p:nvSpPr>
-        <p:spPr>
-          <a:xfrm>
-            <a:off x="10072688" y="114300"/>
-            <a:ext cx="2021681" cy="642938"/>
-          </a:xfrm>
-          <a:prstGeom prst="rect">
-            <a:avLst/>
-          </a:prstGeom>
-        </p:spPr>
-        <p:style>
-          <a:lnRef idx="2">
-            <a:schemeClr val="accent1">
-              <a:shade val="50000"/>
-            </a:schemeClr>
-          </a:lnRef>
-          <a:fillRef idx="1">
-            <a:schemeClr val="accent1"/>
-          </a:fillRef>
-          <a:effectRef idx="0">
-            <a:schemeClr val="accent1"/>
-          </a:effectRef>
-          <a:fontRef idx="minor">
-            <a:schemeClr val="lt1"/>
-          </a:fontRef>
-        </p:style>
-        <p:txBody>
-          <a:bodyPr rtlCol="0" anchor="ctr"/>
-          <a:lstStyle/>
-          <a:p>
-            <a:pPr algn="ctr"/>
-            <a:r>
-              <a:rPr lang="en-US" dirty="0"/>
-              <a:t>Eric</a:t>
-            </a:r>
-          </a:p>
-        </p:txBody>
-      </p:sp>
-      <p:sp>
-        <p:nvSpPr>
           <p:cNvPr id="16" name="TextBox 15">
             <a:extLst>
               <a:ext uri="{FF2B5EF4-FFF2-40B4-BE49-F238E27FC236}">
@@ -27095,55 +26482,6 @@
       </p:grpSp>
       <p:sp>
         <p:nvSpPr>
-          <p:cNvPr id="10" name="Rectangle 9">
-            <a:extLst>
-              <a:ext uri="{FF2B5EF4-FFF2-40B4-BE49-F238E27FC236}">
-                <a16:creationId xmlns:a16="http://schemas.microsoft.com/office/drawing/2014/main" id="{D106D80C-0A97-852E-3FA8-A39CDE9279F8}"/>
-              </a:ext>
-            </a:extLst>
-          </p:cNvPr>
-          <p:cNvSpPr/>
-          <p:nvPr/>
-        </p:nvSpPr>
-        <p:spPr>
-          <a:xfrm>
-            <a:off x="10072688" y="114300"/>
-            <a:ext cx="2021681" cy="642938"/>
-          </a:xfrm>
-          <a:prstGeom prst="rect">
-            <a:avLst/>
-          </a:prstGeom>
-        </p:spPr>
-        <p:style>
-          <a:lnRef idx="2">
-            <a:schemeClr val="accent1">
-              <a:shade val="50000"/>
-            </a:schemeClr>
-          </a:lnRef>
-          <a:fillRef idx="1">
-            <a:schemeClr val="accent1"/>
-          </a:fillRef>
-          <a:effectRef idx="0">
-            <a:schemeClr val="accent1"/>
-          </a:effectRef>
-          <a:fontRef idx="minor">
-            <a:schemeClr val="lt1"/>
-          </a:fontRef>
-        </p:style>
-        <p:txBody>
-          <a:bodyPr rtlCol="0" anchor="ctr"/>
-          <a:lstStyle/>
-          <a:p>
-            <a:pPr algn="ctr"/>
-            <a:r>
-              <a:rPr lang="en-US" dirty="0"/>
-              <a:t>Eric</a:t>
-            </a:r>
-          </a:p>
-        </p:txBody>
-      </p:sp>
-      <p:sp>
-        <p:nvSpPr>
           <p:cNvPr id="16" name="Content Placeholder 2">
             <a:extLst>
               <a:ext uri="{FF2B5EF4-FFF2-40B4-BE49-F238E27FC236}">
@@ -27268,7 +26606,7 @@
         <p:spPr>
           <a:xfrm>
             <a:off x="838199" y="3164946"/>
-            <a:ext cx="4817533" cy="2046714"/>
+            <a:ext cx="4817533" cy="1985159"/>
           </a:xfrm>
           <a:prstGeom prst="rect">
             <a:avLst/>
@@ -27310,8 +26648,8 @@
               <a:buChar char="•"/>
             </a:pPr>
             <a:r>
-              <a:rPr lang="en-US" sz="1600" i="1" dirty="0"/>
-              <a:t>Note: We used regex to identify listings which included key words such as ‘apt’ and ‘unit’</a:t>
+              <a:rPr lang="en-US" sz="1400" i="1" dirty="0"/>
+              <a:t>Note: We used string matching to identify listings which included key words such as ‘apt’ and ‘unit’</a:t>
             </a:r>
           </a:p>
           <a:p>
@@ -27419,7 +26757,7 @@
             <a:pPr algn="ctr"/>
             <a:r>
               <a:rPr lang="en-US" dirty="0"/>
-              <a:t>XXXX (Y%) Records</a:t>
+              <a:t>104 (2%) Records</a:t>
             </a:r>
           </a:p>
           <a:p>
@@ -27508,7 +26846,7 @@
           <p:nvPr>
             <p:extLst>
               <p:ext uri="{D42A27DB-BD31-4B8C-83A1-F6EECF244321}">
-                <p14:modId xmlns:p14="http://schemas.microsoft.com/office/powerpoint/2010/main" val="512942361"/>
+                <p14:modId xmlns:p14="http://schemas.microsoft.com/office/powerpoint/2010/main" val="3313921841"/>
               </p:ext>
             </p:extLst>
           </p:nvPr>
@@ -27742,7 +27080,7 @@
                             <a:sysClr val="windowText" lastClr="000000"/>
                           </a:solidFill>
                         </a:rPr>
-                        <a:t>2,204 (29%)</a:t>
+                        <a:t>2,202 (29%)</a:t>
                       </a:r>
                     </a:p>
                   </a:txBody>
@@ -28302,7 +27640,7 @@
         <p:spPr>
           <a:xfrm>
             <a:off x="7930621" y="5548843"/>
-            <a:ext cx="2142067" cy="553998"/>
+            <a:ext cx="2142067" cy="538609"/>
           </a:xfrm>
           <a:prstGeom prst="rect">
             <a:avLst/>
@@ -28318,7 +27656,7 @@
             <a:pPr algn="ctr"/>
             <a:r>
               <a:rPr lang="en-US" dirty="0"/>
-              <a:t>2,565 (34%) Records</a:t>
+              <a:t>2,563 (33%) Records</a:t>
             </a:r>
           </a:p>
           <a:p>
@@ -28326,74 +27664,6 @@
             <a:r>
               <a:rPr lang="en-US" sz="1100" i="1" dirty="0"/>
               <a:t>Removed</a:t>
-            </a:r>
-          </a:p>
-        </p:txBody>
-      </p:sp>
-      <p:sp>
-        <p:nvSpPr>
-          <p:cNvPr id="3" name="Rectangle 2">
-            <a:extLst>
-              <a:ext uri="{FF2B5EF4-FFF2-40B4-BE49-F238E27FC236}">
-                <a16:creationId xmlns:a16="http://schemas.microsoft.com/office/drawing/2014/main" id="{8EC253A6-9F7E-959E-28E1-3831CF5C5D3C}"/>
-              </a:ext>
-            </a:extLst>
-          </p:cNvPr>
-          <p:cNvSpPr/>
-          <p:nvPr/>
-        </p:nvSpPr>
-        <p:spPr>
-          <a:xfrm>
-            <a:off x="12192000" y="0"/>
-            <a:ext cx="2995613" cy="5100950"/>
-          </a:xfrm>
-          <a:prstGeom prst="rect">
-            <a:avLst/>
-          </a:prstGeom>
-        </p:spPr>
-        <p:style>
-          <a:lnRef idx="2">
-            <a:schemeClr val="accent1">
-              <a:shade val="50000"/>
-            </a:schemeClr>
-          </a:lnRef>
-          <a:fillRef idx="1">
-            <a:schemeClr val="accent1"/>
-          </a:fillRef>
-          <a:effectRef idx="0">
-            <a:schemeClr val="accent1"/>
-          </a:effectRef>
-          <a:fontRef idx="minor">
-            <a:schemeClr val="lt1"/>
-          </a:fontRef>
-        </p:style>
-        <p:txBody>
-          <a:bodyPr rtlCol="0" anchor="t"/>
-          <a:lstStyle/>
-          <a:p>
-            <a:r>
-              <a:rPr lang="en-US" sz="1200" b="1" dirty="0"/>
-              <a:t>To Do </a:t>
-            </a:r>
-          </a:p>
-          <a:p>
-            <a:pPr marL="285750" indent="-285750">
-              <a:buFont typeface="Arial" panose="020B0604020202020204" pitchFamily="34" charset="0"/>
-              <a:buChar char="•"/>
-            </a:pPr>
-            <a:r>
-              <a:rPr lang="en-US" sz="1200" dirty="0"/>
-              <a:t>Eric - Provide missing stat on slide 9 to Andrew via Teams</a:t>
-            </a:r>
-          </a:p>
-          <a:p>
-            <a:pPr marL="285750" indent="-285750">
-              <a:buFont typeface="Arial" panose="020B0604020202020204" pitchFamily="34" charset="0"/>
-              <a:buChar char="•"/>
-            </a:pPr>
-            <a:r>
-              <a:rPr lang="en-US" sz="1200" dirty="0"/>
-              <a:t>Andrew – update visuals once Eric sends</a:t>
             </a:r>
           </a:p>
         </p:txBody>

--- a/Final Presentation Slides/team48finalpresentation.pptx
+++ b/Final Presentation Slides/team48finalpresentation.pptx
@@ -18,10 +18,10 @@
     <p:sldId id="267" r:id="rId9"/>
     <p:sldId id="279" r:id="rId10"/>
     <p:sldId id="276" r:id="rId11"/>
-    <p:sldId id="282" r:id="rId12"/>
-    <p:sldId id="269" r:id="rId13"/>
+    <p:sldId id="277" r:id="rId12"/>
+    <p:sldId id="282" r:id="rId13"/>
     <p:sldId id="280" r:id="rId14"/>
-    <p:sldId id="281" r:id="rId15"/>
+    <p:sldId id="283" r:id="rId15"/>
     <p:sldId id="274" r:id="rId16"/>
     <p:sldId id="272" r:id="rId17"/>
     <p:sldId id="275" r:id="rId18"/>
@@ -214,7 +214,7 @@
           <a:p>
             <a:fld id="{D854E5A2-560F-5042-B033-2870576C7FEE}" type="datetimeFigureOut">
               <a:rPr lang="en-US" smtClean="0"/>
-              <a:t>11/13/22</a:t>
+              <a:t>11/15/22</a:t>
             </a:fld>
             <a:endParaRPr lang="en-US"/>
           </a:p>
@@ -639,7 +639,7 @@
     </p:spTree>
     <p:extLst>
       <p:ext uri="{BB962C8B-B14F-4D97-AF65-F5344CB8AC3E}">
-        <p14:creationId xmlns:p14="http://schemas.microsoft.com/office/powerpoint/2010/main" val="1432359197"/>
+        <p14:creationId xmlns:p14="http://schemas.microsoft.com/office/powerpoint/2010/main" val="2893384146"/>
       </p:ext>
     </p:extLst>
   </p:cSld>
@@ -796,7 +796,7 @@
           <a:p>
             <a:fld id="{9893EBB2-0F16-174A-81ED-0C7E96A52E91}" type="datetimeFigureOut">
               <a:rPr lang="en-US" smtClean="0"/>
-              <a:t>11/13/22</a:t>
+              <a:t>11/15/22</a:t>
             </a:fld>
             <a:endParaRPr lang="en-US"/>
           </a:p>
@@ -994,7 +994,7 @@
           <a:p>
             <a:fld id="{9893EBB2-0F16-174A-81ED-0C7E96A52E91}" type="datetimeFigureOut">
               <a:rPr lang="en-US" smtClean="0"/>
-              <a:t>11/13/22</a:t>
+              <a:t>11/15/22</a:t>
             </a:fld>
             <a:endParaRPr lang="en-US"/>
           </a:p>
@@ -1202,7 +1202,7 @@
           <a:p>
             <a:fld id="{9893EBB2-0F16-174A-81ED-0C7E96A52E91}" type="datetimeFigureOut">
               <a:rPr lang="en-US" smtClean="0"/>
-              <a:t>11/13/22</a:t>
+              <a:t>11/15/22</a:t>
             </a:fld>
             <a:endParaRPr lang="en-US"/>
           </a:p>
@@ -1455,7 +1455,7 @@
           <a:p>
             <a:fld id="{9893EBB2-0F16-174A-81ED-0C7E96A52E91}" type="datetimeFigureOut">
               <a:rPr lang="en-US" smtClean="0"/>
-              <a:t>11/13/22</a:t>
+              <a:t>11/15/22</a:t>
             </a:fld>
             <a:endParaRPr lang="en-US"/>
           </a:p>
@@ -1730,7 +1730,7 @@
           <a:p>
             <a:fld id="{9893EBB2-0F16-174A-81ED-0C7E96A52E91}" type="datetimeFigureOut">
               <a:rPr lang="en-US" smtClean="0"/>
-              <a:t>11/13/22</a:t>
+              <a:t>11/15/22</a:t>
             </a:fld>
             <a:endParaRPr lang="en-US"/>
           </a:p>
@@ -2050,7 +2050,7 @@
           <a:p>
             <a:fld id="{9893EBB2-0F16-174A-81ED-0C7E96A52E91}" type="datetimeFigureOut">
               <a:rPr lang="en-US" smtClean="0"/>
-              <a:t>11/13/22</a:t>
+              <a:t>11/15/22</a:t>
             </a:fld>
             <a:endParaRPr lang="en-US"/>
           </a:p>
@@ -2462,7 +2462,7 @@
           <a:p>
             <a:fld id="{9893EBB2-0F16-174A-81ED-0C7E96A52E91}" type="datetimeFigureOut">
               <a:rPr lang="en-US" smtClean="0"/>
-              <a:t>11/13/22</a:t>
+              <a:t>11/15/22</a:t>
             </a:fld>
             <a:endParaRPr lang="en-US"/>
           </a:p>
@@ -2603,7 +2603,7 @@
           <a:p>
             <a:fld id="{9893EBB2-0F16-174A-81ED-0C7E96A52E91}" type="datetimeFigureOut">
               <a:rPr lang="en-US" smtClean="0"/>
-              <a:t>11/13/22</a:t>
+              <a:t>11/15/22</a:t>
             </a:fld>
             <a:endParaRPr lang="en-US"/>
           </a:p>
@@ -2716,7 +2716,7 @@
           <a:p>
             <a:fld id="{9893EBB2-0F16-174A-81ED-0C7E96A52E91}" type="datetimeFigureOut">
               <a:rPr lang="en-US" smtClean="0"/>
-              <a:t>11/13/22</a:t>
+              <a:t>11/15/22</a:t>
             </a:fld>
             <a:endParaRPr lang="en-US"/>
           </a:p>
@@ -3027,7 +3027,7 @@
           <a:p>
             <a:fld id="{9893EBB2-0F16-174A-81ED-0C7E96A52E91}" type="datetimeFigureOut">
               <a:rPr lang="en-US" smtClean="0"/>
-              <a:t>11/13/22</a:t>
+              <a:t>11/15/22</a:t>
             </a:fld>
             <a:endParaRPr lang="en-US"/>
           </a:p>
@@ -3315,7 +3315,7 @@
           <a:p>
             <a:fld id="{9893EBB2-0F16-174A-81ED-0C7E96A52E91}" type="datetimeFigureOut">
               <a:rPr lang="en-US" smtClean="0"/>
-              <a:t>11/13/22</a:t>
+              <a:t>11/15/22</a:t>
             </a:fld>
             <a:endParaRPr lang="en-US"/>
           </a:p>
@@ -3556,7 +3556,7 @@
           <a:p>
             <a:fld id="{9893EBB2-0F16-174A-81ED-0C7E96A52E91}" type="datetimeFigureOut">
               <a:rPr lang="en-US" smtClean="0"/>
-              <a:t>11/13/22</a:t>
+              <a:t>11/15/22</a:t>
             </a:fld>
             <a:endParaRPr lang="en-US"/>
           </a:p>
@@ -5523,25 +5523,7 @@
                   <a:ea typeface="MS Mincho" panose="02020609040205080304" pitchFamily="49" charset="-128"/>
                   <a:cs typeface="Times New Roman" panose="02020603050405020304" pitchFamily="18" charset="0"/>
                 </a:rPr>
-                <a:t>nvestigated feature/DV relationships using </a:t>
-              </a:r>
-              <a:r>
-                <a:rPr lang="en-US" sz="1800" kern="1200" dirty="0" err="1">
-                  <a:effectLst/>
-                  <a:latin typeface="Calibri" panose="020F0502020204030204" pitchFamily="34" charset="0"/>
-                  <a:ea typeface="MS Mincho" panose="02020609040205080304" pitchFamily="49" charset="-128"/>
-                  <a:cs typeface="Times New Roman" panose="02020603050405020304" pitchFamily="18" charset="0"/>
-                </a:rPr>
-                <a:t>pairplots</a:t>
-              </a:r>
-              <a:r>
-                <a:rPr lang="en-US" sz="1800" kern="1200" dirty="0">
-                  <a:effectLst/>
-                  <a:latin typeface="Calibri" panose="020F0502020204030204" pitchFamily="34" charset="0"/>
-                  <a:ea typeface="MS Mincho" panose="02020609040205080304" pitchFamily="49" charset="-128"/>
-                  <a:cs typeface="Times New Roman" panose="02020603050405020304" pitchFamily="18" charset="0"/>
-                </a:rPr>
-                <a:t> and correlation, forming hypotheses about which features would provide the most value to the model</a:t>
+                <a:t>nvestigated feature/DV relationships using pairplots and correlation, forming hypotheses about which features would provide the most value to the model</a:t>
               </a:r>
               <a:endParaRPr lang="en-US" sz="1800" kern="1200" dirty="0"/>
             </a:p>
@@ -6330,1985 +6312,6 @@
           </a:p>
         </p:txBody>
       </p:sp>
-      <p:graphicFrame>
-        <p:nvGraphicFramePr>
-          <p:cNvPr id="14" name="Table 13">
-            <a:extLst>
-              <a:ext uri="{FF2B5EF4-FFF2-40B4-BE49-F238E27FC236}">
-                <a16:creationId xmlns:a16="http://schemas.microsoft.com/office/drawing/2014/main" id="{0677A040-B0F2-9B5D-C80B-9545770760BC}"/>
-              </a:ext>
-            </a:extLst>
-          </p:cNvPr>
-          <p:cNvGraphicFramePr>
-            <a:graphicFrameLocks noGrp="1"/>
-          </p:cNvGraphicFramePr>
-          <p:nvPr/>
-        </p:nvGraphicFramePr>
-        <p:xfrm>
-          <a:off x="4674114" y="1842555"/>
-          <a:ext cx="2894330" cy="2235200"/>
-        </p:xfrm>
-        <a:graphic>
-          <a:graphicData uri="http://schemas.openxmlformats.org/drawingml/2006/table">
-            <a:tbl>
-              <a:tblPr firstRow="1" firstCol="1" bandRow="1">
-                <a:tableStyleId>{5C22544A-7EE6-4342-B048-85BDC9FD1C3A}</a:tableStyleId>
-              </a:tblPr>
-              <a:tblGrid>
-                <a:gridCol w="1446530">
-                  <a:extLst>
-                    <a:ext uri="{9D8B030D-6E8A-4147-A177-3AD203B41FA5}">
-                      <a16:colId xmlns:a16="http://schemas.microsoft.com/office/drawing/2014/main" val="1953781939"/>
-                    </a:ext>
-                  </a:extLst>
-                </a:gridCol>
-                <a:gridCol w="1447800">
-                  <a:extLst>
-                    <a:ext uri="{9D8B030D-6E8A-4147-A177-3AD203B41FA5}">
-                      <a16:colId xmlns:a16="http://schemas.microsoft.com/office/drawing/2014/main" val="181755273"/>
-                    </a:ext>
-                  </a:extLst>
-                </a:gridCol>
-              </a:tblGrid>
-              <a:tr h="203200">
-                <a:tc>
-                  <a:txBody>
-                    <a:bodyPr/>
-                    <a:lstStyle/>
-                    <a:p>
-                      <a:pPr marL="0" marR="0" algn="ctr">
-                        <a:lnSpc>
-                          <a:spcPct val="107000"/>
-                        </a:lnSpc>
-                        <a:spcBef>
-                          <a:spcPts val="0"/>
-                        </a:spcBef>
-                        <a:spcAft>
-                          <a:spcPts val="0"/>
-                        </a:spcAft>
-                      </a:pPr>
-                      <a:r>
-                        <a:rPr lang="en-US" sz="1100" dirty="0">
-                          <a:solidFill>
-                            <a:schemeClr val="tx1"/>
-                          </a:solidFill>
-                          <a:effectLst/>
-                        </a:rPr>
-                        <a:t>Feature</a:t>
-                      </a:r>
-                      <a:endParaRPr lang="en-US" sz="1100" dirty="0">
-                        <a:solidFill>
-                          <a:schemeClr val="tx1"/>
-                        </a:solidFill>
-                        <a:effectLst/>
-                        <a:latin typeface="Calibri" panose="020F0502020204030204" pitchFamily="34" charset="0"/>
-                        <a:ea typeface="Calibri" panose="020F0502020204030204" pitchFamily="34" charset="0"/>
-                        <a:cs typeface="Times New Roman" panose="02020603050405020304" pitchFamily="18" charset="0"/>
-                      </a:endParaRPr>
-                    </a:p>
-                  </a:txBody>
-                  <a:tcPr marL="68580" marR="68580" marT="0" marB="0" anchor="ctr">
-                    <a:lnL w="12700" cap="flat" cmpd="sng" algn="ctr">
-                      <a:solidFill>
-                        <a:schemeClr val="tx1"/>
-                      </a:solidFill>
-                      <a:prstDash val="solid"/>
-                      <a:round/>
-                      <a:headEnd type="none" w="med" len="med"/>
-                      <a:tailEnd type="none" w="med" len="med"/>
-                    </a:lnL>
-                    <a:lnR w="12700" cap="flat" cmpd="sng" algn="ctr">
-                      <a:solidFill>
-                        <a:schemeClr val="tx1"/>
-                      </a:solidFill>
-                      <a:prstDash val="solid"/>
-                      <a:round/>
-                      <a:headEnd type="none" w="med" len="med"/>
-                      <a:tailEnd type="none" w="med" len="med"/>
-                    </a:lnR>
-                    <a:lnT w="12700" cap="flat" cmpd="sng" algn="ctr">
-                      <a:solidFill>
-                        <a:schemeClr val="tx1"/>
-                      </a:solidFill>
-                      <a:prstDash val="solid"/>
-                      <a:round/>
-                      <a:headEnd type="none" w="med" len="med"/>
-                      <a:tailEnd type="none" w="med" len="med"/>
-                    </a:lnT>
-                    <a:lnB w="12700" cap="flat" cmpd="sng" algn="ctr">
-                      <a:solidFill>
-                        <a:schemeClr val="tx1"/>
-                      </a:solidFill>
-                      <a:prstDash val="solid"/>
-                      <a:round/>
-                      <a:headEnd type="none" w="med" len="med"/>
-                      <a:tailEnd type="none" w="med" len="med"/>
-                    </a:lnB>
-                    <a:lnTlToBr w="12700" cmpd="sng">
-                      <a:noFill/>
-                      <a:prstDash val="solid"/>
-                    </a:lnTlToBr>
-                    <a:lnBlToTr w="12700" cmpd="sng">
-                      <a:noFill/>
-                      <a:prstDash val="solid"/>
-                    </a:lnBlToTr>
-                    <a:solidFill>
-                      <a:schemeClr val="accent1">
-                        <a:lumMod val="20000"/>
-                        <a:lumOff val="80000"/>
-                      </a:schemeClr>
-                    </a:solidFill>
-                  </a:tcPr>
-                </a:tc>
-                <a:tc>
-                  <a:txBody>
-                    <a:bodyPr/>
-                    <a:lstStyle/>
-                    <a:p>
-                      <a:pPr marL="0" marR="0" algn="ctr">
-                        <a:lnSpc>
-                          <a:spcPct val="107000"/>
-                        </a:lnSpc>
-                        <a:spcBef>
-                          <a:spcPts val="0"/>
-                        </a:spcBef>
-                        <a:spcAft>
-                          <a:spcPts val="0"/>
-                        </a:spcAft>
-                      </a:pPr>
-                      <a:r>
-                        <a:rPr lang="en-US" sz="1100" dirty="0">
-                          <a:solidFill>
-                            <a:schemeClr val="tx1"/>
-                          </a:solidFill>
-                          <a:effectLst/>
-                        </a:rPr>
-                        <a:t>Correlation with Price</a:t>
-                      </a:r>
-                      <a:endParaRPr lang="en-US" sz="1100" dirty="0">
-                        <a:solidFill>
-                          <a:schemeClr val="tx1"/>
-                        </a:solidFill>
-                        <a:effectLst/>
-                        <a:latin typeface="Calibri" panose="020F0502020204030204" pitchFamily="34" charset="0"/>
-                        <a:ea typeface="Calibri" panose="020F0502020204030204" pitchFamily="34" charset="0"/>
-                        <a:cs typeface="Times New Roman" panose="02020603050405020304" pitchFamily="18" charset="0"/>
-                      </a:endParaRPr>
-                    </a:p>
-                  </a:txBody>
-                  <a:tcPr marL="68580" marR="68580" marT="0" marB="0" anchor="ctr">
-                    <a:lnL w="12700" cap="flat" cmpd="sng" algn="ctr">
-                      <a:solidFill>
-                        <a:schemeClr val="tx1"/>
-                      </a:solidFill>
-                      <a:prstDash val="solid"/>
-                      <a:round/>
-                      <a:headEnd type="none" w="med" len="med"/>
-                      <a:tailEnd type="none" w="med" len="med"/>
-                    </a:lnL>
-                    <a:lnR w="12700" cap="flat" cmpd="sng" algn="ctr">
-                      <a:solidFill>
-                        <a:schemeClr val="tx1"/>
-                      </a:solidFill>
-                      <a:prstDash val="solid"/>
-                      <a:round/>
-                      <a:headEnd type="none" w="med" len="med"/>
-                      <a:tailEnd type="none" w="med" len="med"/>
-                    </a:lnR>
-                    <a:lnT w="12700" cap="flat" cmpd="sng" algn="ctr">
-                      <a:solidFill>
-                        <a:schemeClr val="tx1"/>
-                      </a:solidFill>
-                      <a:prstDash val="solid"/>
-                      <a:round/>
-                      <a:headEnd type="none" w="med" len="med"/>
-                      <a:tailEnd type="none" w="med" len="med"/>
-                    </a:lnT>
-                    <a:lnB w="12700" cap="flat" cmpd="sng" algn="ctr">
-                      <a:solidFill>
-                        <a:schemeClr val="tx1"/>
-                      </a:solidFill>
-                      <a:prstDash val="solid"/>
-                      <a:round/>
-                      <a:headEnd type="none" w="med" len="med"/>
-                      <a:tailEnd type="none" w="med" len="med"/>
-                    </a:lnB>
-                    <a:lnTlToBr w="12700" cmpd="sng">
-                      <a:noFill/>
-                      <a:prstDash val="solid"/>
-                    </a:lnTlToBr>
-                    <a:lnBlToTr w="12700" cmpd="sng">
-                      <a:noFill/>
-                      <a:prstDash val="solid"/>
-                    </a:lnBlToTr>
-                    <a:solidFill>
-                      <a:schemeClr val="accent1">
-                        <a:lumMod val="20000"/>
-                        <a:lumOff val="80000"/>
-                      </a:schemeClr>
-                    </a:solidFill>
-                  </a:tcPr>
-                </a:tc>
-                <a:extLst>
-                  <a:ext uri="{0D108BD9-81ED-4DB2-BD59-A6C34878D82A}">
-                    <a16:rowId xmlns:a16="http://schemas.microsoft.com/office/drawing/2014/main" val="2514803954"/>
-                  </a:ext>
-                </a:extLst>
-              </a:tr>
-              <a:tr h="203200">
-                <a:tc>
-                  <a:txBody>
-                    <a:bodyPr/>
-                    <a:lstStyle/>
-                    <a:p>
-                      <a:pPr marL="0" marR="0">
-                        <a:lnSpc>
-                          <a:spcPct val="107000"/>
-                        </a:lnSpc>
-                        <a:spcBef>
-                          <a:spcPts val="0"/>
-                        </a:spcBef>
-                        <a:spcAft>
-                          <a:spcPts val="0"/>
-                        </a:spcAft>
-                      </a:pPr>
-                      <a:r>
-                        <a:rPr lang="en-US" sz="1100" dirty="0" err="1">
-                          <a:solidFill>
-                            <a:schemeClr val="tx1"/>
-                          </a:solidFill>
-                          <a:effectLst/>
-                        </a:rPr>
-                        <a:t>total_credit_amt</a:t>
-                      </a:r>
-                      <a:endParaRPr lang="en-US" sz="1100" dirty="0">
-                        <a:solidFill>
-                          <a:schemeClr val="tx1"/>
-                        </a:solidFill>
-                        <a:effectLst/>
-                        <a:latin typeface="Calibri" panose="020F0502020204030204" pitchFamily="34" charset="0"/>
-                        <a:ea typeface="Calibri" panose="020F0502020204030204" pitchFamily="34" charset="0"/>
-                        <a:cs typeface="Times New Roman" panose="02020603050405020304" pitchFamily="18" charset="0"/>
-                      </a:endParaRPr>
-                    </a:p>
-                  </a:txBody>
-                  <a:tcPr marL="68580" marR="68580" marT="0" marB="0" anchor="ctr">
-                    <a:lnL w="12700" cap="flat" cmpd="sng" algn="ctr">
-                      <a:solidFill>
-                        <a:schemeClr val="tx1"/>
-                      </a:solidFill>
-                      <a:prstDash val="solid"/>
-                      <a:round/>
-                      <a:headEnd type="none" w="med" len="med"/>
-                      <a:tailEnd type="none" w="med" len="med"/>
-                    </a:lnL>
-                    <a:lnR w="12700" cap="flat" cmpd="sng" algn="ctr">
-                      <a:solidFill>
-                        <a:schemeClr val="tx1"/>
-                      </a:solidFill>
-                      <a:prstDash val="solid"/>
-                      <a:round/>
-                      <a:headEnd type="none" w="med" len="med"/>
-                      <a:tailEnd type="none" w="med" len="med"/>
-                    </a:lnR>
-                    <a:lnT w="12700" cap="flat" cmpd="sng" algn="ctr">
-                      <a:solidFill>
-                        <a:schemeClr val="tx1"/>
-                      </a:solidFill>
-                      <a:prstDash val="solid"/>
-                      <a:round/>
-                      <a:headEnd type="none" w="med" len="med"/>
-                      <a:tailEnd type="none" w="med" len="med"/>
-                    </a:lnT>
-                    <a:lnB w="12700" cap="flat" cmpd="sng" algn="ctr">
-                      <a:solidFill>
-                        <a:schemeClr val="tx1"/>
-                      </a:solidFill>
-                      <a:prstDash val="sysDot"/>
-                      <a:round/>
-                      <a:headEnd type="none" w="med" len="med"/>
-                      <a:tailEnd type="none" w="med" len="med"/>
-                    </a:lnB>
-                    <a:lnTlToBr w="12700" cmpd="sng">
-                      <a:noFill/>
-                      <a:prstDash val="solid"/>
-                    </a:lnTlToBr>
-                    <a:lnBlToTr w="12700" cmpd="sng">
-                      <a:noFill/>
-                      <a:prstDash val="solid"/>
-                    </a:lnBlToTr>
-                    <a:noFill/>
-                  </a:tcPr>
-                </a:tc>
-                <a:tc>
-                  <a:txBody>
-                    <a:bodyPr/>
-                    <a:lstStyle/>
-                    <a:p>
-                      <a:pPr marL="0" marR="0">
-                        <a:lnSpc>
-                          <a:spcPct val="107000"/>
-                        </a:lnSpc>
-                        <a:spcBef>
-                          <a:spcPts val="0"/>
-                        </a:spcBef>
-                        <a:spcAft>
-                          <a:spcPts val="0"/>
-                        </a:spcAft>
-                      </a:pPr>
-                      <a:r>
-                        <a:rPr lang="en-US" sz="1100">
-                          <a:solidFill>
-                            <a:schemeClr val="tx1"/>
-                          </a:solidFill>
-                          <a:effectLst/>
-                        </a:rPr>
-                        <a:t>0.215</a:t>
-                      </a:r>
-                      <a:endParaRPr lang="en-US" sz="1100">
-                        <a:solidFill>
-                          <a:schemeClr val="tx1"/>
-                        </a:solidFill>
-                        <a:effectLst/>
-                        <a:latin typeface="Calibri" panose="020F0502020204030204" pitchFamily="34" charset="0"/>
-                        <a:ea typeface="Calibri" panose="020F0502020204030204" pitchFamily="34" charset="0"/>
-                        <a:cs typeface="Times New Roman" panose="02020603050405020304" pitchFamily="18" charset="0"/>
-                      </a:endParaRPr>
-                    </a:p>
-                  </a:txBody>
-                  <a:tcPr marL="68580" marR="68580" marT="0" marB="0" anchor="ctr">
-                    <a:lnL w="12700" cap="flat" cmpd="sng" algn="ctr">
-                      <a:solidFill>
-                        <a:schemeClr val="tx1"/>
-                      </a:solidFill>
-                      <a:prstDash val="solid"/>
-                      <a:round/>
-                      <a:headEnd type="none" w="med" len="med"/>
-                      <a:tailEnd type="none" w="med" len="med"/>
-                    </a:lnL>
-                    <a:lnR w="12700" cap="flat" cmpd="sng" algn="ctr">
-                      <a:solidFill>
-                        <a:schemeClr val="tx1"/>
-                      </a:solidFill>
-                      <a:prstDash val="solid"/>
-                      <a:round/>
-                      <a:headEnd type="none" w="med" len="med"/>
-                      <a:tailEnd type="none" w="med" len="med"/>
-                    </a:lnR>
-                    <a:lnT w="12700" cap="flat" cmpd="sng" algn="ctr">
-                      <a:solidFill>
-                        <a:schemeClr val="tx1"/>
-                      </a:solidFill>
-                      <a:prstDash val="solid"/>
-                      <a:round/>
-                      <a:headEnd type="none" w="med" len="med"/>
-                      <a:tailEnd type="none" w="med" len="med"/>
-                    </a:lnT>
-                    <a:lnB w="12700" cap="flat" cmpd="sng" algn="ctr">
-                      <a:solidFill>
-                        <a:schemeClr val="tx1"/>
-                      </a:solidFill>
-                      <a:prstDash val="sysDot"/>
-                      <a:round/>
-                      <a:headEnd type="none" w="med" len="med"/>
-                      <a:tailEnd type="none" w="med" len="med"/>
-                    </a:lnB>
-                    <a:lnTlToBr w="12700" cmpd="sng">
-                      <a:noFill/>
-                      <a:prstDash val="solid"/>
-                    </a:lnTlToBr>
-                    <a:lnBlToTr w="12700" cmpd="sng">
-                      <a:noFill/>
-                      <a:prstDash val="solid"/>
-                    </a:lnBlToTr>
-                    <a:noFill/>
-                  </a:tcPr>
-                </a:tc>
-                <a:extLst>
-                  <a:ext uri="{0D108BD9-81ED-4DB2-BD59-A6C34878D82A}">
-                    <a16:rowId xmlns:a16="http://schemas.microsoft.com/office/drawing/2014/main" val="3692465145"/>
-                  </a:ext>
-                </a:extLst>
-              </a:tr>
-              <a:tr h="203200">
-                <a:tc>
-                  <a:txBody>
-                    <a:bodyPr/>
-                    <a:lstStyle/>
-                    <a:p>
-                      <a:pPr marL="0" marR="0">
-                        <a:lnSpc>
-                          <a:spcPct val="107000"/>
-                        </a:lnSpc>
-                        <a:spcBef>
-                          <a:spcPts val="0"/>
-                        </a:spcBef>
-                        <a:spcAft>
-                          <a:spcPts val="0"/>
-                        </a:spcAft>
-                      </a:pPr>
-                      <a:r>
-                        <a:rPr lang="en-US" sz="1100" dirty="0" err="1">
-                          <a:solidFill>
-                            <a:schemeClr val="tx1"/>
-                          </a:solidFill>
-                          <a:effectLst/>
-                        </a:rPr>
-                        <a:t>taxable_income_amt</a:t>
-                      </a:r>
-                      <a:endParaRPr lang="en-US" sz="1100" dirty="0">
-                        <a:solidFill>
-                          <a:schemeClr val="tx1"/>
-                        </a:solidFill>
-                        <a:effectLst/>
-                        <a:latin typeface="Calibri" panose="020F0502020204030204" pitchFamily="34" charset="0"/>
-                        <a:ea typeface="Calibri" panose="020F0502020204030204" pitchFamily="34" charset="0"/>
-                        <a:cs typeface="Times New Roman" panose="02020603050405020304" pitchFamily="18" charset="0"/>
-                      </a:endParaRPr>
-                    </a:p>
-                  </a:txBody>
-                  <a:tcPr marL="68580" marR="68580" marT="0" marB="0" anchor="ctr">
-                    <a:lnL w="12700" cap="flat" cmpd="sng" algn="ctr">
-                      <a:solidFill>
-                        <a:schemeClr val="tx1"/>
-                      </a:solidFill>
-                      <a:prstDash val="solid"/>
-                      <a:round/>
-                      <a:headEnd type="none" w="med" len="med"/>
-                      <a:tailEnd type="none" w="med" len="med"/>
-                    </a:lnL>
-                    <a:lnR w="12700" cap="flat" cmpd="sng" algn="ctr">
-                      <a:solidFill>
-                        <a:schemeClr val="tx1"/>
-                      </a:solidFill>
-                      <a:prstDash val="solid"/>
-                      <a:round/>
-                      <a:headEnd type="none" w="med" len="med"/>
-                      <a:tailEnd type="none" w="med" len="med"/>
-                    </a:lnR>
-                    <a:lnT w="12700" cap="flat" cmpd="sng" algn="ctr">
-                      <a:solidFill>
-                        <a:schemeClr val="tx1"/>
-                      </a:solidFill>
-                      <a:prstDash val="sysDot"/>
-                      <a:round/>
-                      <a:headEnd type="none" w="med" len="med"/>
-                      <a:tailEnd type="none" w="med" len="med"/>
-                    </a:lnT>
-                    <a:lnB w="12700" cap="flat" cmpd="sng" algn="ctr">
-                      <a:solidFill>
-                        <a:schemeClr val="tx1"/>
-                      </a:solidFill>
-                      <a:prstDash val="sysDot"/>
-                      <a:round/>
-                      <a:headEnd type="none" w="med" len="med"/>
-                      <a:tailEnd type="none" w="med" len="med"/>
-                    </a:lnB>
-                    <a:lnTlToBr w="12700" cmpd="sng">
-                      <a:noFill/>
-                      <a:prstDash val="solid"/>
-                    </a:lnTlToBr>
-                    <a:lnBlToTr w="12700" cmpd="sng">
-                      <a:noFill/>
-                      <a:prstDash val="solid"/>
-                    </a:lnBlToTr>
-                    <a:noFill/>
-                  </a:tcPr>
-                </a:tc>
-                <a:tc>
-                  <a:txBody>
-                    <a:bodyPr/>
-                    <a:lstStyle/>
-                    <a:p>
-                      <a:pPr marL="0" marR="0">
-                        <a:lnSpc>
-                          <a:spcPct val="107000"/>
-                        </a:lnSpc>
-                        <a:spcBef>
-                          <a:spcPts val="0"/>
-                        </a:spcBef>
-                        <a:spcAft>
-                          <a:spcPts val="0"/>
-                        </a:spcAft>
-                      </a:pPr>
-                      <a:r>
-                        <a:rPr lang="en-US" sz="1100" dirty="0">
-                          <a:solidFill>
-                            <a:schemeClr val="tx1"/>
-                          </a:solidFill>
-                          <a:effectLst/>
-                        </a:rPr>
-                        <a:t>0.292</a:t>
-                      </a:r>
-                      <a:endParaRPr lang="en-US" sz="1100" dirty="0">
-                        <a:solidFill>
-                          <a:schemeClr val="tx1"/>
-                        </a:solidFill>
-                        <a:effectLst/>
-                        <a:latin typeface="Calibri" panose="020F0502020204030204" pitchFamily="34" charset="0"/>
-                        <a:ea typeface="Calibri" panose="020F0502020204030204" pitchFamily="34" charset="0"/>
-                        <a:cs typeface="Times New Roman" panose="02020603050405020304" pitchFamily="18" charset="0"/>
-                      </a:endParaRPr>
-                    </a:p>
-                  </a:txBody>
-                  <a:tcPr marL="68580" marR="68580" marT="0" marB="0" anchor="ctr">
-                    <a:lnL w="12700" cap="flat" cmpd="sng" algn="ctr">
-                      <a:solidFill>
-                        <a:schemeClr val="tx1"/>
-                      </a:solidFill>
-                      <a:prstDash val="solid"/>
-                      <a:round/>
-                      <a:headEnd type="none" w="med" len="med"/>
-                      <a:tailEnd type="none" w="med" len="med"/>
-                    </a:lnL>
-                    <a:lnR w="12700" cap="flat" cmpd="sng" algn="ctr">
-                      <a:solidFill>
-                        <a:schemeClr val="tx1"/>
-                      </a:solidFill>
-                      <a:prstDash val="solid"/>
-                      <a:round/>
-                      <a:headEnd type="none" w="med" len="med"/>
-                      <a:tailEnd type="none" w="med" len="med"/>
-                    </a:lnR>
-                    <a:lnT w="12700" cap="flat" cmpd="sng" algn="ctr">
-                      <a:solidFill>
-                        <a:schemeClr val="tx1"/>
-                      </a:solidFill>
-                      <a:prstDash val="sysDot"/>
-                      <a:round/>
-                      <a:headEnd type="none" w="med" len="med"/>
-                      <a:tailEnd type="none" w="med" len="med"/>
-                    </a:lnT>
-                    <a:lnB w="12700" cap="flat" cmpd="sng" algn="ctr">
-                      <a:solidFill>
-                        <a:schemeClr val="tx1"/>
-                      </a:solidFill>
-                      <a:prstDash val="sysDot"/>
-                      <a:round/>
-                      <a:headEnd type="none" w="med" len="med"/>
-                      <a:tailEnd type="none" w="med" len="med"/>
-                    </a:lnB>
-                    <a:lnTlToBr w="12700" cmpd="sng">
-                      <a:noFill/>
-                      <a:prstDash val="solid"/>
-                    </a:lnTlToBr>
-                    <a:lnBlToTr w="12700" cmpd="sng">
-                      <a:noFill/>
-                      <a:prstDash val="solid"/>
-                    </a:lnBlToTr>
-                    <a:noFill/>
-                  </a:tcPr>
-                </a:tc>
-                <a:extLst>
-                  <a:ext uri="{0D108BD9-81ED-4DB2-BD59-A6C34878D82A}">
-                    <a16:rowId xmlns:a16="http://schemas.microsoft.com/office/drawing/2014/main" val="350760248"/>
-                  </a:ext>
-                </a:extLst>
-              </a:tr>
-              <a:tr h="203200">
-                <a:tc>
-                  <a:txBody>
-                    <a:bodyPr/>
-                    <a:lstStyle/>
-                    <a:p>
-                      <a:pPr marL="0" marR="0">
-                        <a:lnSpc>
-                          <a:spcPct val="107000"/>
-                        </a:lnSpc>
-                        <a:spcBef>
-                          <a:spcPts val="0"/>
-                        </a:spcBef>
-                        <a:spcAft>
-                          <a:spcPts val="0"/>
-                        </a:spcAft>
-                      </a:pPr>
-                      <a:r>
-                        <a:rPr lang="en-US" sz="1100" dirty="0" err="1">
-                          <a:solidFill>
-                            <a:schemeClr val="tx1"/>
-                          </a:solidFill>
-                          <a:effectLst/>
-                        </a:rPr>
-                        <a:t>mortgageint_amt</a:t>
-                      </a:r>
-                      <a:endParaRPr lang="en-US" sz="1100" dirty="0">
-                        <a:solidFill>
-                          <a:schemeClr val="tx1"/>
-                        </a:solidFill>
-                        <a:effectLst/>
-                        <a:latin typeface="Calibri" panose="020F0502020204030204" pitchFamily="34" charset="0"/>
-                        <a:ea typeface="Calibri" panose="020F0502020204030204" pitchFamily="34" charset="0"/>
-                        <a:cs typeface="Times New Roman" panose="02020603050405020304" pitchFamily="18" charset="0"/>
-                      </a:endParaRPr>
-                    </a:p>
-                  </a:txBody>
-                  <a:tcPr marL="68580" marR="68580" marT="0" marB="0" anchor="ctr">
-                    <a:lnL w="12700" cap="flat" cmpd="sng" algn="ctr">
-                      <a:solidFill>
-                        <a:schemeClr val="tx1"/>
-                      </a:solidFill>
-                      <a:prstDash val="solid"/>
-                      <a:round/>
-                      <a:headEnd type="none" w="med" len="med"/>
-                      <a:tailEnd type="none" w="med" len="med"/>
-                    </a:lnL>
-                    <a:lnR w="12700" cap="flat" cmpd="sng" algn="ctr">
-                      <a:solidFill>
-                        <a:schemeClr val="tx1"/>
-                      </a:solidFill>
-                      <a:prstDash val="solid"/>
-                      <a:round/>
-                      <a:headEnd type="none" w="med" len="med"/>
-                      <a:tailEnd type="none" w="med" len="med"/>
-                    </a:lnR>
-                    <a:lnT w="12700" cap="flat" cmpd="sng" algn="ctr">
-                      <a:solidFill>
-                        <a:schemeClr val="tx1"/>
-                      </a:solidFill>
-                      <a:prstDash val="sysDot"/>
-                      <a:round/>
-                      <a:headEnd type="none" w="med" len="med"/>
-                      <a:tailEnd type="none" w="med" len="med"/>
-                    </a:lnT>
-                    <a:lnB w="12700" cap="flat" cmpd="sng" algn="ctr">
-                      <a:solidFill>
-                        <a:schemeClr val="tx1"/>
-                      </a:solidFill>
-                      <a:prstDash val="sysDot"/>
-                      <a:round/>
-                      <a:headEnd type="none" w="med" len="med"/>
-                      <a:tailEnd type="none" w="med" len="med"/>
-                    </a:lnB>
-                    <a:lnTlToBr w="12700" cmpd="sng">
-                      <a:noFill/>
-                      <a:prstDash val="solid"/>
-                    </a:lnTlToBr>
-                    <a:lnBlToTr w="12700" cmpd="sng">
-                      <a:noFill/>
-                      <a:prstDash val="solid"/>
-                    </a:lnBlToTr>
-                    <a:noFill/>
-                  </a:tcPr>
-                </a:tc>
-                <a:tc>
-                  <a:txBody>
-                    <a:bodyPr/>
-                    <a:lstStyle/>
-                    <a:p>
-                      <a:pPr marL="0" marR="0">
-                        <a:lnSpc>
-                          <a:spcPct val="107000"/>
-                        </a:lnSpc>
-                        <a:spcBef>
-                          <a:spcPts val="0"/>
-                        </a:spcBef>
-                        <a:spcAft>
-                          <a:spcPts val="0"/>
-                        </a:spcAft>
-                      </a:pPr>
-                      <a:r>
-                        <a:rPr lang="en-US" sz="1100" dirty="0">
-                          <a:solidFill>
-                            <a:schemeClr val="tx1"/>
-                          </a:solidFill>
-                          <a:effectLst/>
-                        </a:rPr>
-                        <a:t>0.174</a:t>
-                      </a:r>
-                      <a:endParaRPr lang="en-US" sz="1100" dirty="0">
-                        <a:solidFill>
-                          <a:schemeClr val="tx1"/>
-                        </a:solidFill>
-                        <a:effectLst/>
-                        <a:latin typeface="Calibri" panose="020F0502020204030204" pitchFamily="34" charset="0"/>
-                        <a:ea typeface="Calibri" panose="020F0502020204030204" pitchFamily="34" charset="0"/>
-                        <a:cs typeface="Times New Roman" panose="02020603050405020304" pitchFamily="18" charset="0"/>
-                      </a:endParaRPr>
-                    </a:p>
-                  </a:txBody>
-                  <a:tcPr marL="68580" marR="68580" marT="0" marB="0" anchor="ctr">
-                    <a:lnL w="12700" cap="flat" cmpd="sng" algn="ctr">
-                      <a:solidFill>
-                        <a:schemeClr val="tx1"/>
-                      </a:solidFill>
-                      <a:prstDash val="solid"/>
-                      <a:round/>
-                      <a:headEnd type="none" w="med" len="med"/>
-                      <a:tailEnd type="none" w="med" len="med"/>
-                    </a:lnL>
-                    <a:lnR w="12700" cap="flat" cmpd="sng" algn="ctr">
-                      <a:solidFill>
-                        <a:schemeClr val="tx1"/>
-                      </a:solidFill>
-                      <a:prstDash val="solid"/>
-                      <a:round/>
-                      <a:headEnd type="none" w="med" len="med"/>
-                      <a:tailEnd type="none" w="med" len="med"/>
-                    </a:lnR>
-                    <a:lnT w="12700" cap="flat" cmpd="sng" algn="ctr">
-                      <a:solidFill>
-                        <a:schemeClr val="tx1"/>
-                      </a:solidFill>
-                      <a:prstDash val="sysDot"/>
-                      <a:round/>
-                      <a:headEnd type="none" w="med" len="med"/>
-                      <a:tailEnd type="none" w="med" len="med"/>
-                    </a:lnT>
-                    <a:lnB w="12700" cap="flat" cmpd="sng" algn="ctr">
-                      <a:solidFill>
-                        <a:schemeClr val="tx1"/>
-                      </a:solidFill>
-                      <a:prstDash val="sysDot"/>
-                      <a:round/>
-                      <a:headEnd type="none" w="med" len="med"/>
-                      <a:tailEnd type="none" w="med" len="med"/>
-                    </a:lnB>
-                    <a:lnTlToBr w="12700" cmpd="sng">
-                      <a:noFill/>
-                      <a:prstDash val="solid"/>
-                    </a:lnTlToBr>
-                    <a:lnBlToTr w="12700" cmpd="sng">
-                      <a:noFill/>
-                      <a:prstDash val="solid"/>
-                    </a:lnBlToTr>
-                    <a:noFill/>
-                  </a:tcPr>
-                </a:tc>
-                <a:extLst>
-                  <a:ext uri="{0D108BD9-81ED-4DB2-BD59-A6C34878D82A}">
-                    <a16:rowId xmlns:a16="http://schemas.microsoft.com/office/drawing/2014/main" val="3866763595"/>
-                  </a:ext>
-                </a:extLst>
-              </a:tr>
-              <a:tr h="203200">
-                <a:tc>
-                  <a:txBody>
-                    <a:bodyPr/>
-                    <a:lstStyle/>
-                    <a:p>
-                      <a:pPr marL="0" marR="0">
-                        <a:lnSpc>
-                          <a:spcPct val="107000"/>
-                        </a:lnSpc>
-                        <a:spcBef>
-                          <a:spcPts val="0"/>
-                        </a:spcBef>
-                        <a:spcAft>
-                          <a:spcPts val="0"/>
-                        </a:spcAft>
-                      </a:pPr>
-                      <a:r>
-                        <a:rPr lang="en-US" sz="1100">
-                          <a:solidFill>
-                            <a:schemeClr val="tx1"/>
-                          </a:solidFill>
-                          <a:effectLst/>
-                        </a:rPr>
-                        <a:t>p_mortgageint_nr</a:t>
-                      </a:r>
-                      <a:endParaRPr lang="en-US" sz="1100">
-                        <a:solidFill>
-                          <a:schemeClr val="tx1"/>
-                        </a:solidFill>
-                        <a:effectLst/>
-                        <a:latin typeface="Calibri" panose="020F0502020204030204" pitchFamily="34" charset="0"/>
-                        <a:ea typeface="Calibri" panose="020F0502020204030204" pitchFamily="34" charset="0"/>
-                        <a:cs typeface="Times New Roman" panose="02020603050405020304" pitchFamily="18" charset="0"/>
-                      </a:endParaRPr>
-                    </a:p>
-                  </a:txBody>
-                  <a:tcPr marL="68580" marR="68580" marT="0" marB="0" anchor="ctr">
-                    <a:lnL w="12700" cap="flat" cmpd="sng" algn="ctr">
-                      <a:solidFill>
-                        <a:schemeClr val="tx1"/>
-                      </a:solidFill>
-                      <a:prstDash val="solid"/>
-                      <a:round/>
-                      <a:headEnd type="none" w="med" len="med"/>
-                      <a:tailEnd type="none" w="med" len="med"/>
-                    </a:lnL>
-                    <a:lnR w="12700" cap="flat" cmpd="sng" algn="ctr">
-                      <a:solidFill>
-                        <a:schemeClr val="tx1"/>
-                      </a:solidFill>
-                      <a:prstDash val="solid"/>
-                      <a:round/>
-                      <a:headEnd type="none" w="med" len="med"/>
-                      <a:tailEnd type="none" w="med" len="med"/>
-                    </a:lnR>
-                    <a:lnT w="12700" cap="flat" cmpd="sng" algn="ctr">
-                      <a:solidFill>
-                        <a:schemeClr val="tx1"/>
-                      </a:solidFill>
-                      <a:prstDash val="sysDot"/>
-                      <a:round/>
-                      <a:headEnd type="none" w="med" len="med"/>
-                      <a:tailEnd type="none" w="med" len="med"/>
-                    </a:lnT>
-                    <a:lnB w="12700" cap="flat" cmpd="sng" algn="ctr">
-                      <a:solidFill>
-                        <a:schemeClr val="tx1"/>
-                      </a:solidFill>
-                      <a:prstDash val="sysDot"/>
-                      <a:round/>
-                      <a:headEnd type="none" w="med" len="med"/>
-                      <a:tailEnd type="none" w="med" len="med"/>
-                    </a:lnB>
-                    <a:lnTlToBr w="12700" cmpd="sng">
-                      <a:noFill/>
-                      <a:prstDash val="solid"/>
-                    </a:lnTlToBr>
-                    <a:lnBlToTr w="12700" cmpd="sng">
-                      <a:noFill/>
-                      <a:prstDash val="solid"/>
-                    </a:lnBlToTr>
-                    <a:noFill/>
-                  </a:tcPr>
-                </a:tc>
-                <a:tc>
-                  <a:txBody>
-                    <a:bodyPr/>
-                    <a:lstStyle/>
-                    <a:p>
-                      <a:pPr marL="0" marR="0">
-                        <a:lnSpc>
-                          <a:spcPct val="107000"/>
-                        </a:lnSpc>
-                        <a:spcBef>
-                          <a:spcPts val="0"/>
-                        </a:spcBef>
-                        <a:spcAft>
-                          <a:spcPts val="0"/>
-                        </a:spcAft>
-                      </a:pPr>
-                      <a:r>
-                        <a:rPr lang="en-US" sz="1100">
-                          <a:solidFill>
-                            <a:schemeClr val="tx1"/>
-                          </a:solidFill>
-                          <a:effectLst/>
-                        </a:rPr>
-                        <a:t>0.020</a:t>
-                      </a:r>
-                      <a:endParaRPr lang="en-US" sz="1100">
-                        <a:solidFill>
-                          <a:schemeClr val="tx1"/>
-                        </a:solidFill>
-                        <a:effectLst/>
-                        <a:latin typeface="Calibri" panose="020F0502020204030204" pitchFamily="34" charset="0"/>
-                        <a:ea typeface="Calibri" panose="020F0502020204030204" pitchFamily="34" charset="0"/>
-                        <a:cs typeface="Times New Roman" panose="02020603050405020304" pitchFamily="18" charset="0"/>
-                      </a:endParaRPr>
-                    </a:p>
-                  </a:txBody>
-                  <a:tcPr marL="68580" marR="68580" marT="0" marB="0" anchor="ctr">
-                    <a:lnL w="12700" cap="flat" cmpd="sng" algn="ctr">
-                      <a:solidFill>
-                        <a:schemeClr val="tx1"/>
-                      </a:solidFill>
-                      <a:prstDash val="solid"/>
-                      <a:round/>
-                      <a:headEnd type="none" w="med" len="med"/>
-                      <a:tailEnd type="none" w="med" len="med"/>
-                    </a:lnL>
-                    <a:lnR w="12700" cap="flat" cmpd="sng" algn="ctr">
-                      <a:solidFill>
-                        <a:schemeClr val="tx1"/>
-                      </a:solidFill>
-                      <a:prstDash val="solid"/>
-                      <a:round/>
-                      <a:headEnd type="none" w="med" len="med"/>
-                      <a:tailEnd type="none" w="med" len="med"/>
-                    </a:lnR>
-                    <a:lnT w="12700" cap="flat" cmpd="sng" algn="ctr">
-                      <a:solidFill>
-                        <a:schemeClr val="tx1"/>
-                      </a:solidFill>
-                      <a:prstDash val="sysDot"/>
-                      <a:round/>
-                      <a:headEnd type="none" w="med" len="med"/>
-                      <a:tailEnd type="none" w="med" len="med"/>
-                    </a:lnT>
-                    <a:lnB w="12700" cap="flat" cmpd="sng" algn="ctr">
-                      <a:solidFill>
-                        <a:schemeClr val="tx1"/>
-                      </a:solidFill>
-                      <a:prstDash val="sysDot"/>
-                      <a:round/>
-                      <a:headEnd type="none" w="med" len="med"/>
-                      <a:tailEnd type="none" w="med" len="med"/>
-                    </a:lnB>
-                    <a:lnTlToBr w="12700" cmpd="sng">
-                      <a:noFill/>
-                      <a:prstDash val="solid"/>
-                    </a:lnTlToBr>
-                    <a:lnBlToTr w="12700" cmpd="sng">
-                      <a:noFill/>
-                      <a:prstDash val="solid"/>
-                    </a:lnBlToTr>
-                    <a:noFill/>
-                  </a:tcPr>
-                </a:tc>
-                <a:extLst>
-                  <a:ext uri="{0D108BD9-81ED-4DB2-BD59-A6C34878D82A}">
-                    <a16:rowId xmlns:a16="http://schemas.microsoft.com/office/drawing/2014/main" val="3620648936"/>
-                  </a:ext>
-                </a:extLst>
-              </a:tr>
-              <a:tr h="203200">
-                <a:tc>
-                  <a:txBody>
-                    <a:bodyPr/>
-                    <a:lstStyle/>
-                    <a:p>
-                      <a:pPr marL="0" marR="0">
-                        <a:lnSpc>
-                          <a:spcPct val="107000"/>
-                        </a:lnSpc>
-                        <a:spcBef>
-                          <a:spcPts val="0"/>
-                        </a:spcBef>
-                        <a:spcAft>
-                          <a:spcPts val="0"/>
-                        </a:spcAft>
-                      </a:pPr>
-                      <a:r>
-                        <a:rPr lang="en-US" sz="1100">
-                          <a:solidFill>
-                            <a:schemeClr val="tx1"/>
-                          </a:solidFill>
-                          <a:effectLst/>
-                        </a:rPr>
-                        <a:t>inctax_amt</a:t>
-                      </a:r>
-                      <a:endParaRPr lang="en-US" sz="1100">
-                        <a:solidFill>
-                          <a:schemeClr val="tx1"/>
-                        </a:solidFill>
-                        <a:effectLst/>
-                        <a:latin typeface="Calibri" panose="020F0502020204030204" pitchFamily="34" charset="0"/>
-                        <a:ea typeface="Calibri" panose="020F0502020204030204" pitchFamily="34" charset="0"/>
-                        <a:cs typeface="Times New Roman" panose="02020603050405020304" pitchFamily="18" charset="0"/>
-                      </a:endParaRPr>
-                    </a:p>
-                  </a:txBody>
-                  <a:tcPr marL="68580" marR="68580" marT="0" marB="0" anchor="ctr">
-                    <a:lnL w="12700" cap="flat" cmpd="sng" algn="ctr">
-                      <a:solidFill>
-                        <a:schemeClr val="tx1"/>
-                      </a:solidFill>
-                      <a:prstDash val="solid"/>
-                      <a:round/>
-                      <a:headEnd type="none" w="med" len="med"/>
-                      <a:tailEnd type="none" w="med" len="med"/>
-                    </a:lnL>
-                    <a:lnR w="12700" cap="flat" cmpd="sng" algn="ctr">
-                      <a:solidFill>
-                        <a:schemeClr val="tx1"/>
-                      </a:solidFill>
-                      <a:prstDash val="solid"/>
-                      <a:round/>
-                      <a:headEnd type="none" w="med" len="med"/>
-                      <a:tailEnd type="none" w="med" len="med"/>
-                    </a:lnR>
-                    <a:lnT w="12700" cap="flat" cmpd="sng" algn="ctr">
-                      <a:solidFill>
-                        <a:schemeClr val="tx1"/>
-                      </a:solidFill>
-                      <a:prstDash val="sysDot"/>
-                      <a:round/>
-                      <a:headEnd type="none" w="med" len="med"/>
-                      <a:tailEnd type="none" w="med" len="med"/>
-                    </a:lnT>
-                    <a:lnB w="12700" cap="flat" cmpd="sng" algn="ctr">
-                      <a:solidFill>
-                        <a:schemeClr val="tx1"/>
-                      </a:solidFill>
-                      <a:prstDash val="sysDot"/>
-                      <a:round/>
-                      <a:headEnd type="none" w="med" len="med"/>
-                      <a:tailEnd type="none" w="med" len="med"/>
-                    </a:lnB>
-                    <a:lnTlToBr w="12700" cmpd="sng">
-                      <a:noFill/>
-                      <a:prstDash val="solid"/>
-                    </a:lnTlToBr>
-                    <a:lnBlToTr w="12700" cmpd="sng">
-                      <a:noFill/>
-                      <a:prstDash val="solid"/>
-                    </a:lnBlToTr>
-                    <a:noFill/>
-                  </a:tcPr>
-                </a:tc>
-                <a:tc>
-                  <a:txBody>
-                    <a:bodyPr/>
-                    <a:lstStyle/>
-                    <a:p>
-                      <a:pPr marL="0" marR="0">
-                        <a:lnSpc>
-                          <a:spcPct val="107000"/>
-                        </a:lnSpc>
-                        <a:spcBef>
-                          <a:spcPts val="0"/>
-                        </a:spcBef>
-                        <a:spcAft>
-                          <a:spcPts val="0"/>
-                        </a:spcAft>
-                      </a:pPr>
-                      <a:r>
-                        <a:rPr lang="en-US" sz="1100" dirty="0">
-                          <a:solidFill>
-                            <a:schemeClr val="tx1"/>
-                          </a:solidFill>
-                          <a:effectLst/>
-                        </a:rPr>
-                        <a:t>0.292</a:t>
-                      </a:r>
-                      <a:endParaRPr lang="en-US" sz="1100" dirty="0">
-                        <a:solidFill>
-                          <a:schemeClr val="tx1"/>
-                        </a:solidFill>
-                        <a:effectLst/>
-                        <a:latin typeface="Calibri" panose="020F0502020204030204" pitchFamily="34" charset="0"/>
-                        <a:ea typeface="Calibri" panose="020F0502020204030204" pitchFamily="34" charset="0"/>
-                        <a:cs typeface="Times New Roman" panose="02020603050405020304" pitchFamily="18" charset="0"/>
-                      </a:endParaRPr>
-                    </a:p>
-                  </a:txBody>
-                  <a:tcPr marL="68580" marR="68580" marT="0" marB="0" anchor="ctr">
-                    <a:lnL w="12700" cap="flat" cmpd="sng" algn="ctr">
-                      <a:solidFill>
-                        <a:schemeClr val="tx1"/>
-                      </a:solidFill>
-                      <a:prstDash val="solid"/>
-                      <a:round/>
-                      <a:headEnd type="none" w="med" len="med"/>
-                      <a:tailEnd type="none" w="med" len="med"/>
-                    </a:lnL>
-                    <a:lnR w="12700" cap="flat" cmpd="sng" algn="ctr">
-                      <a:solidFill>
-                        <a:schemeClr val="tx1"/>
-                      </a:solidFill>
-                      <a:prstDash val="solid"/>
-                      <a:round/>
-                      <a:headEnd type="none" w="med" len="med"/>
-                      <a:tailEnd type="none" w="med" len="med"/>
-                    </a:lnR>
-                    <a:lnT w="12700" cap="flat" cmpd="sng" algn="ctr">
-                      <a:solidFill>
-                        <a:schemeClr val="tx1"/>
-                      </a:solidFill>
-                      <a:prstDash val="sysDot"/>
-                      <a:round/>
-                      <a:headEnd type="none" w="med" len="med"/>
-                      <a:tailEnd type="none" w="med" len="med"/>
-                    </a:lnT>
-                    <a:lnB w="12700" cap="flat" cmpd="sng" algn="ctr">
-                      <a:solidFill>
-                        <a:schemeClr val="tx1"/>
-                      </a:solidFill>
-                      <a:prstDash val="sysDot"/>
-                      <a:round/>
-                      <a:headEnd type="none" w="med" len="med"/>
-                      <a:tailEnd type="none" w="med" len="med"/>
-                    </a:lnB>
-                    <a:lnTlToBr w="12700" cmpd="sng">
-                      <a:noFill/>
-                      <a:prstDash val="solid"/>
-                    </a:lnTlToBr>
-                    <a:lnBlToTr w="12700" cmpd="sng">
-                      <a:noFill/>
-                      <a:prstDash val="solid"/>
-                    </a:lnBlToTr>
-                    <a:noFill/>
-                  </a:tcPr>
-                </a:tc>
-                <a:extLst>
-                  <a:ext uri="{0D108BD9-81ED-4DB2-BD59-A6C34878D82A}">
-                    <a16:rowId xmlns:a16="http://schemas.microsoft.com/office/drawing/2014/main" val="2250153953"/>
-                  </a:ext>
-                </a:extLst>
-              </a:tr>
-              <a:tr h="203200">
-                <a:tc>
-                  <a:txBody>
-                    <a:bodyPr/>
-                    <a:lstStyle/>
-                    <a:p>
-                      <a:pPr marL="0" marR="0">
-                        <a:lnSpc>
-                          <a:spcPct val="107000"/>
-                        </a:lnSpc>
-                        <a:spcBef>
-                          <a:spcPts val="0"/>
-                        </a:spcBef>
-                        <a:spcAft>
-                          <a:spcPts val="0"/>
-                        </a:spcAft>
-                      </a:pPr>
-                      <a:r>
-                        <a:rPr lang="en-US" sz="1100">
-                          <a:solidFill>
-                            <a:schemeClr val="tx1"/>
-                          </a:solidFill>
-                          <a:effectLst/>
-                        </a:rPr>
-                        <a:t>p_unemploy_nr</a:t>
-                      </a:r>
-                      <a:endParaRPr lang="en-US" sz="1100">
-                        <a:solidFill>
-                          <a:schemeClr val="tx1"/>
-                        </a:solidFill>
-                        <a:effectLst/>
-                        <a:latin typeface="Calibri" panose="020F0502020204030204" pitchFamily="34" charset="0"/>
-                        <a:ea typeface="Calibri" panose="020F0502020204030204" pitchFamily="34" charset="0"/>
-                        <a:cs typeface="Times New Roman" panose="02020603050405020304" pitchFamily="18" charset="0"/>
-                      </a:endParaRPr>
-                    </a:p>
-                  </a:txBody>
-                  <a:tcPr marL="68580" marR="68580" marT="0" marB="0" anchor="ctr">
-                    <a:lnL w="12700" cap="flat" cmpd="sng" algn="ctr">
-                      <a:solidFill>
-                        <a:schemeClr val="tx1"/>
-                      </a:solidFill>
-                      <a:prstDash val="solid"/>
-                      <a:round/>
-                      <a:headEnd type="none" w="med" len="med"/>
-                      <a:tailEnd type="none" w="med" len="med"/>
-                    </a:lnL>
-                    <a:lnR w="12700" cap="flat" cmpd="sng" algn="ctr">
-                      <a:solidFill>
-                        <a:schemeClr val="tx1"/>
-                      </a:solidFill>
-                      <a:prstDash val="solid"/>
-                      <a:round/>
-                      <a:headEnd type="none" w="med" len="med"/>
-                      <a:tailEnd type="none" w="med" len="med"/>
-                    </a:lnR>
-                    <a:lnT w="12700" cap="flat" cmpd="sng" algn="ctr">
-                      <a:solidFill>
-                        <a:schemeClr val="tx1"/>
-                      </a:solidFill>
-                      <a:prstDash val="sysDot"/>
-                      <a:round/>
-                      <a:headEnd type="none" w="med" len="med"/>
-                      <a:tailEnd type="none" w="med" len="med"/>
-                    </a:lnT>
-                    <a:lnB w="12700" cap="flat" cmpd="sng" algn="ctr">
-                      <a:solidFill>
-                        <a:schemeClr val="tx1"/>
-                      </a:solidFill>
-                      <a:prstDash val="sysDot"/>
-                      <a:round/>
-                      <a:headEnd type="none" w="med" len="med"/>
-                      <a:tailEnd type="none" w="med" len="med"/>
-                    </a:lnB>
-                    <a:lnTlToBr w="12700" cmpd="sng">
-                      <a:noFill/>
-                      <a:prstDash val="solid"/>
-                    </a:lnTlToBr>
-                    <a:lnBlToTr w="12700" cmpd="sng">
-                      <a:noFill/>
-                      <a:prstDash val="solid"/>
-                    </a:lnBlToTr>
-                    <a:noFill/>
-                  </a:tcPr>
-                </a:tc>
-                <a:tc>
-                  <a:txBody>
-                    <a:bodyPr/>
-                    <a:lstStyle/>
-                    <a:p>
-                      <a:pPr marL="0" marR="0">
-                        <a:lnSpc>
-                          <a:spcPct val="107000"/>
-                        </a:lnSpc>
-                        <a:spcBef>
-                          <a:spcPts val="0"/>
-                        </a:spcBef>
-                        <a:spcAft>
-                          <a:spcPts val="0"/>
-                        </a:spcAft>
-                      </a:pPr>
-                      <a:r>
-                        <a:rPr lang="en-US" sz="1100" dirty="0">
-                          <a:solidFill>
-                            <a:schemeClr val="tx1"/>
-                          </a:solidFill>
-                          <a:effectLst/>
-                        </a:rPr>
-                        <a:t>-0.176</a:t>
-                      </a:r>
-                      <a:endParaRPr lang="en-US" sz="1100" dirty="0">
-                        <a:solidFill>
-                          <a:schemeClr val="tx1"/>
-                        </a:solidFill>
-                        <a:effectLst/>
-                        <a:latin typeface="Calibri" panose="020F0502020204030204" pitchFamily="34" charset="0"/>
-                        <a:ea typeface="Calibri" panose="020F0502020204030204" pitchFamily="34" charset="0"/>
-                        <a:cs typeface="Times New Roman" panose="02020603050405020304" pitchFamily="18" charset="0"/>
-                      </a:endParaRPr>
-                    </a:p>
-                  </a:txBody>
-                  <a:tcPr marL="68580" marR="68580" marT="0" marB="0" anchor="ctr">
-                    <a:lnL w="12700" cap="flat" cmpd="sng" algn="ctr">
-                      <a:solidFill>
-                        <a:schemeClr val="tx1"/>
-                      </a:solidFill>
-                      <a:prstDash val="solid"/>
-                      <a:round/>
-                      <a:headEnd type="none" w="med" len="med"/>
-                      <a:tailEnd type="none" w="med" len="med"/>
-                    </a:lnL>
-                    <a:lnR w="12700" cap="flat" cmpd="sng" algn="ctr">
-                      <a:solidFill>
-                        <a:schemeClr val="tx1"/>
-                      </a:solidFill>
-                      <a:prstDash val="solid"/>
-                      <a:round/>
-                      <a:headEnd type="none" w="med" len="med"/>
-                      <a:tailEnd type="none" w="med" len="med"/>
-                    </a:lnR>
-                    <a:lnT w="12700" cap="flat" cmpd="sng" algn="ctr">
-                      <a:solidFill>
-                        <a:schemeClr val="tx1"/>
-                      </a:solidFill>
-                      <a:prstDash val="sysDot"/>
-                      <a:round/>
-                      <a:headEnd type="none" w="med" len="med"/>
-                      <a:tailEnd type="none" w="med" len="med"/>
-                    </a:lnT>
-                    <a:lnB w="12700" cap="flat" cmpd="sng" algn="ctr">
-                      <a:solidFill>
-                        <a:schemeClr val="tx1"/>
-                      </a:solidFill>
-                      <a:prstDash val="sysDot"/>
-                      <a:round/>
-                      <a:headEnd type="none" w="med" len="med"/>
-                      <a:tailEnd type="none" w="med" len="med"/>
-                    </a:lnB>
-                    <a:lnTlToBr w="12700" cmpd="sng">
-                      <a:noFill/>
-                      <a:prstDash val="solid"/>
-                    </a:lnTlToBr>
-                    <a:lnBlToTr w="12700" cmpd="sng">
-                      <a:noFill/>
-                      <a:prstDash val="solid"/>
-                    </a:lnBlToTr>
-                    <a:noFill/>
-                  </a:tcPr>
-                </a:tc>
-                <a:extLst>
-                  <a:ext uri="{0D108BD9-81ED-4DB2-BD59-A6C34878D82A}">
-                    <a16:rowId xmlns:a16="http://schemas.microsoft.com/office/drawing/2014/main" val="2355892082"/>
-                  </a:ext>
-                </a:extLst>
-              </a:tr>
-              <a:tr h="203200">
-                <a:tc>
-                  <a:txBody>
-                    <a:bodyPr/>
-                    <a:lstStyle/>
-                    <a:p>
-                      <a:pPr marL="0" marR="0">
-                        <a:lnSpc>
-                          <a:spcPct val="107000"/>
-                        </a:lnSpc>
-                        <a:spcBef>
-                          <a:spcPts val="0"/>
-                        </a:spcBef>
-                        <a:spcAft>
-                          <a:spcPts val="0"/>
-                        </a:spcAft>
-                      </a:pPr>
-                      <a:r>
-                        <a:rPr lang="en-US" sz="1100">
-                          <a:solidFill>
-                            <a:schemeClr val="tx1"/>
-                          </a:solidFill>
-                          <a:effectLst/>
-                        </a:rPr>
-                        <a:t>agi_amt</a:t>
-                      </a:r>
-                      <a:endParaRPr lang="en-US" sz="1100">
-                        <a:solidFill>
-                          <a:schemeClr val="tx1"/>
-                        </a:solidFill>
-                        <a:effectLst/>
-                        <a:latin typeface="Calibri" panose="020F0502020204030204" pitchFamily="34" charset="0"/>
-                        <a:ea typeface="Calibri" panose="020F0502020204030204" pitchFamily="34" charset="0"/>
-                        <a:cs typeface="Times New Roman" panose="02020603050405020304" pitchFamily="18" charset="0"/>
-                      </a:endParaRPr>
-                    </a:p>
-                  </a:txBody>
-                  <a:tcPr marL="68580" marR="68580" marT="0" marB="0" anchor="ctr">
-                    <a:lnL w="12700" cap="flat" cmpd="sng" algn="ctr">
-                      <a:solidFill>
-                        <a:schemeClr val="tx1"/>
-                      </a:solidFill>
-                      <a:prstDash val="solid"/>
-                      <a:round/>
-                      <a:headEnd type="none" w="med" len="med"/>
-                      <a:tailEnd type="none" w="med" len="med"/>
-                    </a:lnL>
-                    <a:lnR w="12700" cap="flat" cmpd="sng" algn="ctr">
-                      <a:solidFill>
-                        <a:schemeClr val="tx1"/>
-                      </a:solidFill>
-                      <a:prstDash val="solid"/>
-                      <a:round/>
-                      <a:headEnd type="none" w="med" len="med"/>
-                      <a:tailEnd type="none" w="med" len="med"/>
-                    </a:lnR>
-                    <a:lnT w="12700" cap="flat" cmpd="sng" algn="ctr">
-                      <a:solidFill>
-                        <a:schemeClr val="tx1"/>
-                      </a:solidFill>
-                      <a:prstDash val="sysDot"/>
-                      <a:round/>
-                      <a:headEnd type="none" w="med" len="med"/>
-                      <a:tailEnd type="none" w="med" len="med"/>
-                    </a:lnT>
-                    <a:lnB w="12700" cap="flat" cmpd="sng" algn="ctr">
-                      <a:solidFill>
-                        <a:schemeClr val="tx1"/>
-                      </a:solidFill>
-                      <a:prstDash val="sysDot"/>
-                      <a:round/>
-                      <a:headEnd type="none" w="med" len="med"/>
-                      <a:tailEnd type="none" w="med" len="med"/>
-                    </a:lnB>
-                    <a:lnTlToBr w="12700" cmpd="sng">
-                      <a:noFill/>
-                      <a:prstDash val="solid"/>
-                    </a:lnTlToBr>
-                    <a:lnBlToTr w="12700" cmpd="sng">
-                      <a:noFill/>
-                      <a:prstDash val="solid"/>
-                    </a:lnBlToTr>
-                    <a:noFill/>
-                  </a:tcPr>
-                </a:tc>
-                <a:tc>
-                  <a:txBody>
-                    <a:bodyPr/>
-                    <a:lstStyle/>
-                    <a:p>
-                      <a:pPr marL="0" marR="0">
-                        <a:lnSpc>
-                          <a:spcPct val="107000"/>
-                        </a:lnSpc>
-                        <a:spcBef>
-                          <a:spcPts val="0"/>
-                        </a:spcBef>
-                        <a:spcAft>
-                          <a:spcPts val="0"/>
-                        </a:spcAft>
-                      </a:pPr>
-                      <a:r>
-                        <a:rPr lang="en-US" sz="1100" dirty="0">
-                          <a:solidFill>
-                            <a:schemeClr val="tx1"/>
-                          </a:solidFill>
-                          <a:effectLst/>
-                        </a:rPr>
-                        <a:t>0.288</a:t>
-                      </a:r>
-                      <a:endParaRPr lang="en-US" sz="1100" dirty="0">
-                        <a:solidFill>
-                          <a:schemeClr val="tx1"/>
-                        </a:solidFill>
-                        <a:effectLst/>
-                        <a:latin typeface="Calibri" panose="020F0502020204030204" pitchFamily="34" charset="0"/>
-                        <a:ea typeface="Calibri" panose="020F0502020204030204" pitchFamily="34" charset="0"/>
-                        <a:cs typeface="Times New Roman" panose="02020603050405020304" pitchFamily="18" charset="0"/>
-                      </a:endParaRPr>
-                    </a:p>
-                  </a:txBody>
-                  <a:tcPr marL="68580" marR="68580" marT="0" marB="0" anchor="ctr">
-                    <a:lnL w="12700" cap="flat" cmpd="sng" algn="ctr">
-                      <a:solidFill>
-                        <a:schemeClr val="tx1"/>
-                      </a:solidFill>
-                      <a:prstDash val="solid"/>
-                      <a:round/>
-                      <a:headEnd type="none" w="med" len="med"/>
-                      <a:tailEnd type="none" w="med" len="med"/>
-                    </a:lnL>
-                    <a:lnR w="12700" cap="flat" cmpd="sng" algn="ctr">
-                      <a:solidFill>
-                        <a:schemeClr val="tx1"/>
-                      </a:solidFill>
-                      <a:prstDash val="solid"/>
-                      <a:round/>
-                      <a:headEnd type="none" w="med" len="med"/>
-                      <a:tailEnd type="none" w="med" len="med"/>
-                    </a:lnR>
-                    <a:lnT w="12700" cap="flat" cmpd="sng" algn="ctr">
-                      <a:solidFill>
-                        <a:schemeClr val="tx1"/>
-                      </a:solidFill>
-                      <a:prstDash val="sysDot"/>
-                      <a:round/>
-                      <a:headEnd type="none" w="med" len="med"/>
-                      <a:tailEnd type="none" w="med" len="med"/>
-                    </a:lnT>
-                    <a:lnB w="12700" cap="flat" cmpd="sng" algn="ctr">
-                      <a:solidFill>
-                        <a:schemeClr val="tx1"/>
-                      </a:solidFill>
-                      <a:prstDash val="sysDot"/>
-                      <a:round/>
-                      <a:headEnd type="none" w="med" len="med"/>
-                      <a:tailEnd type="none" w="med" len="med"/>
-                    </a:lnB>
-                    <a:lnTlToBr w="12700" cmpd="sng">
-                      <a:noFill/>
-                      <a:prstDash val="solid"/>
-                    </a:lnTlToBr>
-                    <a:lnBlToTr w="12700" cmpd="sng">
-                      <a:noFill/>
-                      <a:prstDash val="solid"/>
-                    </a:lnBlToTr>
-                    <a:noFill/>
-                  </a:tcPr>
-                </a:tc>
-                <a:extLst>
-                  <a:ext uri="{0D108BD9-81ED-4DB2-BD59-A6C34878D82A}">
-                    <a16:rowId xmlns:a16="http://schemas.microsoft.com/office/drawing/2014/main" val="2563439791"/>
-                  </a:ext>
-                </a:extLst>
-              </a:tr>
-              <a:tr h="203200">
-                <a:tc>
-                  <a:txBody>
-                    <a:bodyPr/>
-                    <a:lstStyle/>
-                    <a:p>
-                      <a:pPr marL="0" marR="0">
-                        <a:lnSpc>
-                          <a:spcPct val="107000"/>
-                        </a:lnSpc>
-                        <a:spcBef>
-                          <a:spcPts val="0"/>
-                        </a:spcBef>
-                        <a:spcAft>
-                          <a:spcPts val="0"/>
-                        </a:spcAft>
-                      </a:pPr>
-                      <a:r>
-                        <a:rPr lang="en-US" sz="1100">
-                          <a:solidFill>
-                            <a:schemeClr val="tx1"/>
-                          </a:solidFill>
-                          <a:effectLst/>
-                        </a:rPr>
-                        <a:t>num_dependents</a:t>
-                      </a:r>
-                      <a:endParaRPr lang="en-US" sz="1100">
-                        <a:solidFill>
-                          <a:schemeClr val="tx1"/>
-                        </a:solidFill>
-                        <a:effectLst/>
-                        <a:latin typeface="Calibri" panose="020F0502020204030204" pitchFamily="34" charset="0"/>
-                        <a:ea typeface="Calibri" panose="020F0502020204030204" pitchFamily="34" charset="0"/>
-                        <a:cs typeface="Times New Roman" panose="02020603050405020304" pitchFamily="18" charset="0"/>
-                      </a:endParaRPr>
-                    </a:p>
-                  </a:txBody>
-                  <a:tcPr marL="68580" marR="68580" marT="0" marB="0" anchor="ctr">
-                    <a:lnL w="12700" cap="flat" cmpd="sng" algn="ctr">
-                      <a:solidFill>
-                        <a:schemeClr val="tx1"/>
-                      </a:solidFill>
-                      <a:prstDash val="solid"/>
-                      <a:round/>
-                      <a:headEnd type="none" w="med" len="med"/>
-                      <a:tailEnd type="none" w="med" len="med"/>
-                    </a:lnL>
-                    <a:lnR w="12700" cap="flat" cmpd="sng" algn="ctr">
-                      <a:solidFill>
-                        <a:schemeClr val="tx1"/>
-                      </a:solidFill>
-                      <a:prstDash val="solid"/>
-                      <a:round/>
-                      <a:headEnd type="none" w="med" len="med"/>
-                      <a:tailEnd type="none" w="med" len="med"/>
-                    </a:lnR>
-                    <a:lnT w="12700" cap="flat" cmpd="sng" algn="ctr">
-                      <a:solidFill>
-                        <a:schemeClr val="tx1"/>
-                      </a:solidFill>
-                      <a:prstDash val="sysDot"/>
-                      <a:round/>
-                      <a:headEnd type="none" w="med" len="med"/>
-                      <a:tailEnd type="none" w="med" len="med"/>
-                    </a:lnT>
-                    <a:lnB w="12700" cap="flat" cmpd="sng" algn="ctr">
-                      <a:solidFill>
-                        <a:schemeClr val="tx1"/>
-                      </a:solidFill>
-                      <a:prstDash val="sysDot"/>
-                      <a:round/>
-                      <a:headEnd type="none" w="med" len="med"/>
-                      <a:tailEnd type="none" w="med" len="med"/>
-                    </a:lnB>
-                    <a:lnTlToBr w="12700" cmpd="sng">
-                      <a:noFill/>
-                      <a:prstDash val="solid"/>
-                    </a:lnTlToBr>
-                    <a:lnBlToTr w="12700" cmpd="sng">
-                      <a:noFill/>
-                      <a:prstDash val="solid"/>
-                    </a:lnBlToTr>
-                    <a:noFill/>
-                  </a:tcPr>
-                </a:tc>
-                <a:tc>
-                  <a:txBody>
-                    <a:bodyPr/>
-                    <a:lstStyle/>
-                    <a:p>
-                      <a:pPr marL="0" marR="0">
-                        <a:lnSpc>
-                          <a:spcPct val="107000"/>
-                        </a:lnSpc>
-                        <a:spcBef>
-                          <a:spcPts val="0"/>
-                        </a:spcBef>
-                        <a:spcAft>
-                          <a:spcPts val="0"/>
-                        </a:spcAft>
-                      </a:pPr>
-                      <a:r>
-                        <a:rPr lang="en-US" sz="1100" dirty="0">
-                          <a:solidFill>
-                            <a:schemeClr val="tx1"/>
-                          </a:solidFill>
-                          <a:effectLst/>
-                        </a:rPr>
-                        <a:t>-0.144</a:t>
-                      </a:r>
-                      <a:endParaRPr lang="en-US" sz="1100" dirty="0">
-                        <a:solidFill>
-                          <a:schemeClr val="tx1"/>
-                        </a:solidFill>
-                        <a:effectLst/>
-                        <a:latin typeface="Calibri" panose="020F0502020204030204" pitchFamily="34" charset="0"/>
-                        <a:ea typeface="Calibri" panose="020F0502020204030204" pitchFamily="34" charset="0"/>
-                        <a:cs typeface="Times New Roman" panose="02020603050405020304" pitchFamily="18" charset="0"/>
-                      </a:endParaRPr>
-                    </a:p>
-                  </a:txBody>
-                  <a:tcPr marL="68580" marR="68580" marT="0" marB="0" anchor="ctr">
-                    <a:lnL w="12700" cap="flat" cmpd="sng" algn="ctr">
-                      <a:solidFill>
-                        <a:schemeClr val="tx1"/>
-                      </a:solidFill>
-                      <a:prstDash val="solid"/>
-                      <a:round/>
-                      <a:headEnd type="none" w="med" len="med"/>
-                      <a:tailEnd type="none" w="med" len="med"/>
-                    </a:lnL>
-                    <a:lnR w="12700" cap="flat" cmpd="sng" algn="ctr">
-                      <a:solidFill>
-                        <a:schemeClr val="tx1"/>
-                      </a:solidFill>
-                      <a:prstDash val="solid"/>
-                      <a:round/>
-                      <a:headEnd type="none" w="med" len="med"/>
-                      <a:tailEnd type="none" w="med" len="med"/>
-                    </a:lnR>
-                    <a:lnT w="12700" cap="flat" cmpd="sng" algn="ctr">
-                      <a:solidFill>
-                        <a:schemeClr val="tx1"/>
-                      </a:solidFill>
-                      <a:prstDash val="sysDot"/>
-                      <a:round/>
-                      <a:headEnd type="none" w="med" len="med"/>
-                      <a:tailEnd type="none" w="med" len="med"/>
-                    </a:lnT>
-                    <a:lnB w="12700" cap="flat" cmpd="sng" algn="ctr">
-                      <a:solidFill>
-                        <a:schemeClr val="tx1"/>
-                      </a:solidFill>
-                      <a:prstDash val="sysDot"/>
-                      <a:round/>
-                      <a:headEnd type="none" w="med" len="med"/>
-                      <a:tailEnd type="none" w="med" len="med"/>
-                    </a:lnB>
-                    <a:lnTlToBr w="12700" cmpd="sng">
-                      <a:noFill/>
-                      <a:prstDash val="solid"/>
-                    </a:lnTlToBr>
-                    <a:lnBlToTr w="12700" cmpd="sng">
-                      <a:noFill/>
-                      <a:prstDash val="solid"/>
-                    </a:lnBlToTr>
-                    <a:noFill/>
-                  </a:tcPr>
-                </a:tc>
-                <a:extLst>
-                  <a:ext uri="{0D108BD9-81ED-4DB2-BD59-A6C34878D82A}">
-                    <a16:rowId xmlns:a16="http://schemas.microsoft.com/office/drawing/2014/main" val="2581359321"/>
-                  </a:ext>
-                </a:extLst>
-              </a:tr>
-              <a:tr h="203200">
-                <a:tc>
-                  <a:txBody>
-                    <a:bodyPr/>
-                    <a:lstStyle/>
-                    <a:p>
-                      <a:pPr marL="0" marR="0">
-                        <a:lnSpc>
-                          <a:spcPct val="107000"/>
-                        </a:lnSpc>
-                        <a:spcBef>
-                          <a:spcPts val="0"/>
-                        </a:spcBef>
-                        <a:spcAft>
-                          <a:spcPts val="0"/>
-                        </a:spcAft>
-                      </a:pPr>
-                      <a:r>
-                        <a:rPr lang="en-US" sz="1100">
-                          <a:solidFill>
-                            <a:schemeClr val="tx1"/>
-                          </a:solidFill>
-                          <a:effectLst/>
-                        </a:rPr>
-                        <a:t>p_re_taxes_nr</a:t>
-                      </a:r>
-                      <a:endParaRPr lang="en-US" sz="1100">
-                        <a:solidFill>
-                          <a:schemeClr val="tx1"/>
-                        </a:solidFill>
-                        <a:effectLst/>
-                        <a:latin typeface="Calibri" panose="020F0502020204030204" pitchFamily="34" charset="0"/>
-                        <a:ea typeface="Calibri" panose="020F0502020204030204" pitchFamily="34" charset="0"/>
-                        <a:cs typeface="Times New Roman" panose="02020603050405020304" pitchFamily="18" charset="0"/>
-                      </a:endParaRPr>
-                    </a:p>
-                  </a:txBody>
-                  <a:tcPr marL="68580" marR="68580" marT="0" marB="0" anchor="ctr">
-                    <a:lnL w="12700" cap="flat" cmpd="sng" algn="ctr">
-                      <a:solidFill>
-                        <a:schemeClr val="tx1"/>
-                      </a:solidFill>
-                      <a:prstDash val="solid"/>
-                      <a:round/>
-                      <a:headEnd type="none" w="med" len="med"/>
-                      <a:tailEnd type="none" w="med" len="med"/>
-                    </a:lnL>
-                    <a:lnR w="12700" cap="flat" cmpd="sng" algn="ctr">
-                      <a:solidFill>
-                        <a:schemeClr val="tx1"/>
-                      </a:solidFill>
-                      <a:prstDash val="solid"/>
-                      <a:round/>
-                      <a:headEnd type="none" w="med" len="med"/>
-                      <a:tailEnd type="none" w="med" len="med"/>
-                    </a:lnR>
-                    <a:lnT w="12700" cap="flat" cmpd="sng" algn="ctr">
-                      <a:solidFill>
-                        <a:schemeClr val="tx1"/>
-                      </a:solidFill>
-                      <a:prstDash val="sysDot"/>
-                      <a:round/>
-                      <a:headEnd type="none" w="med" len="med"/>
-                      <a:tailEnd type="none" w="med" len="med"/>
-                    </a:lnT>
-                    <a:lnB w="12700" cap="flat" cmpd="sng" algn="ctr">
-                      <a:solidFill>
-                        <a:schemeClr val="tx1"/>
-                      </a:solidFill>
-                      <a:prstDash val="sysDot"/>
-                      <a:round/>
-                      <a:headEnd type="none" w="med" len="med"/>
-                      <a:tailEnd type="none" w="med" len="med"/>
-                    </a:lnB>
-                    <a:lnTlToBr w="12700" cmpd="sng">
-                      <a:noFill/>
-                      <a:prstDash val="solid"/>
-                    </a:lnTlToBr>
-                    <a:lnBlToTr w="12700" cmpd="sng">
-                      <a:noFill/>
-                      <a:prstDash val="solid"/>
-                    </a:lnBlToTr>
-                    <a:noFill/>
-                  </a:tcPr>
-                </a:tc>
-                <a:tc>
-                  <a:txBody>
-                    <a:bodyPr/>
-                    <a:lstStyle/>
-                    <a:p>
-                      <a:pPr marL="0" marR="0">
-                        <a:lnSpc>
-                          <a:spcPct val="107000"/>
-                        </a:lnSpc>
-                        <a:spcBef>
-                          <a:spcPts val="0"/>
-                        </a:spcBef>
-                        <a:spcAft>
-                          <a:spcPts val="0"/>
-                        </a:spcAft>
-                      </a:pPr>
-                      <a:r>
-                        <a:rPr lang="en-US" sz="1100" dirty="0">
-                          <a:solidFill>
-                            <a:schemeClr val="tx1"/>
-                          </a:solidFill>
-                          <a:effectLst/>
-                        </a:rPr>
-                        <a:t>0.032</a:t>
-                      </a:r>
-                      <a:endParaRPr lang="en-US" sz="1100" dirty="0">
-                        <a:solidFill>
-                          <a:schemeClr val="tx1"/>
-                        </a:solidFill>
-                        <a:effectLst/>
-                        <a:latin typeface="Calibri" panose="020F0502020204030204" pitchFamily="34" charset="0"/>
-                        <a:ea typeface="Calibri" panose="020F0502020204030204" pitchFamily="34" charset="0"/>
-                        <a:cs typeface="Times New Roman" panose="02020603050405020304" pitchFamily="18" charset="0"/>
-                      </a:endParaRPr>
-                    </a:p>
-                  </a:txBody>
-                  <a:tcPr marL="68580" marR="68580" marT="0" marB="0" anchor="ctr">
-                    <a:lnL w="12700" cap="flat" cmpd="sng" algn="ctr">
-                      <a:solidFill>
-                        <a:schemeClr val="tx1"/>
-                      </a:solidFill>
-                      <a:prstDash val="solid"/>
-                      <a:round/>
-                      <a:headEnd type="none" w="med" len="med"/>
-                      <a:tailEnd type="none" w="med" len="med"/>
-                    </a:lnL>
-                    <a:lnR w="12700" cap="flat" cmpd="sng" algn="ctr">
-                      <a:solidFill>
-                        <a:schemeClr val="tx1"/>
-                      </a:solidFill>
-                      <a:prstDash val="solid"/>
-                      <a:round/>
-                      <a:headEnd type="none" w="med" len="med"/>
-                      <a:tailEnd type="none" w="med" len="med"/>
-                    </a:lnR>
-                    <a:lnT w="12700" cap="flat" cmpd="sng" algn="ctr">
-                      <a:solidFill>
-                        <a:schemeClr val="tx1"/>
-                      </a:solidFill>
-                      <a:prstDash val="sysDot"/>
-                      <a:round/>
-                      <a:headEnd type="none" w="med" len="med"/>
-                      <a:tailEnd type="none" w="med" len="med"/>
-                    </a:lnT>
-                    <a:lnB w="12700" cap="flat" cmpd="sng" algn="ctr">
-                      <a:solidFill>
-                        <a:schemeClr val="tx1"/>
-                      </a:solidFill>
-                      <a:prstDash val="sysDot"/>
-                      <a:round/>
-                      <a:headEnd type="none" w="med" len="med"/>
-                      <a:tailEnd type="none" w="med" len="med"/>
-                    </a:lnB>
-                    <a:lnTlToBr w="12700" cmpd="sng">
-                      <a:noFill/>
-                      <a:prstDash val="solid"/>
-                    </a:lnTlToBr>
-                    <a:lnBlToTr w="12700" cmpd="sng">
-                      <a:noFill/>
-                      <a:prstDash val="solid"/>
-                    </a:lnBlToTr>
-                    <a:noFill/>
-                  </a:tcPr>
-                </a:tc>
-                <a:extLst>
-                  <a:ext uri="{0D108BD9-81ED-4DB2-BD59-A6C34878D82A}">
-                    <a16:rowId xmlns:a16="http://schemas.microsoft.com/office/drawing/2014/main" val="2880447647"/>
-                  </a:ext>
-                </a:extLst>
-              </a:tr>
-              <a:tr h="203200">
-                <a:tc>
-                  <a:txBody>
-                    <a:bodyPr/>
-                    <a:lstStyle/>
-                    <a:p>
-                      <a:pPr marL="0" marR="0">
-                        <a:lnSpc>
-                          <a:spcPct val="107000"/>
-                        </a:lnSpc>
-                        <a:spcBef>
-                          <a:spcPts val="0"/>
-                        </a:spcBef>
-                        <a:spcAft>
-                          <a:spcPts val="0"/>
-                        </a:spcAft>
-                      </a:pPr>
-                      <a:r>
-                        <a:rPr lang="en-US" sz="1100">
-                          <a:solidFill>
-                            <a:schemeClr val="tx1"/>
-                          </a:solidFill>
-                          <a:effectLst/>
-                        </a:rPr>
-                        <a:t>agi_bucket</a:t>
-                      </a:r>
-                      <a:endParaRPr lang="en-US" sz="1100">
-                        <a:solidFill>
-                          <a:schemeClr val="tx1"/>
-                        </a:solidFill>
-                        <a:effectLst/>
-                        <a:latin typeface="Calibri" panose="020F0502020204030204" pitchFamily="34" charset="0"/>
-                        <a:ea typeface="Calibri" panose="020F0502020204030204" pitchFamily="34" charset="0"/>
-                        <a:cs typeface="Times New Roman" panose="02020603050405020304" pitchFamily="18" charset="0"/>
-                      </a:endParaRPr>
-                    </a:p>
-                  </a:txBody>
-                  <a:tcPr marL="68580" marR="68580" marT="0" marB="0" anchor="ctr">
-                    <a:lnL w="12700" cap="flat" cmpd="sng" algn="ctr">
-                      <a:solidFill>
-                        <a:schemeClr val="tx1"/>
-                      </a:solidFill>
-                      <a:prstDash val="solid"/>
-                      <a:round/>
-                      <a:headEnd type="none" w="med" len="med"/>
-                      <a:tailEnd type="none" w="med" len="med"/>
-                    </a:lnL>
-                    <a:lnR w="12700" cap="flat" cmpd="sng" algn="ctr">
-                      <a:solidFill>
-                        <a:schemeClr val="tx1"/>
-                      </a:solidFill>
-                      <a:prstDash val="solid"/>
-                      <a:round/>
-                      <a:headEnd type="none" w="med" len="med"/>
-                      <a:tailEnd type="none" w="med" len="med"/>
-                    </a:lnR>
-                    <a:lnT w="12700" cap="flat" cmpd="sng" algn="ctr">
-                      <a:solidFill>
-                        <a:schemeClr val="tx1"/>
-                      </a:solidFill>
-                      <a:prstDash val="sysDot"/>
-                      <a:round/>
-                      <a:headEnd type="none" w="med" len="med"/>
-                      <a:tailEnd type="none" w="med" len="med"/>
-                    </a:lnT>
-                    <a:lnB w="12700" cap="flat" cmpd="sng" algn="ctr">
-                      <a:solidFill>
-                        <a:schemeClr val="tx1"/>
-                      </a:solidFill>
-                      <a:prstDash val="solid"/>
-                      <a:round/>
-                      <a:headEnd type="none" w="med" len="med"/>
-                      <a:tailEnd type="none" w="med" len="med"/>
-                    </a:lnB>
-                    <a:lnTlToBr w="12700" cmpd="sng">
-                      <a:noFill/>
-                      <a:prstDash val="solid"/>
-                    </a:lnTlToBr>
-                    <a:lnBlToTr w="12700" cmpd="sng">
-                      <a:noFill/>
-                      <a:prstDash val="solid"/>
-                    </a:lnBlToTr>
-                    <a:noFill/>
-                  </a:tcPr>
-                </a:tc>
-                <a:tc>
-                  <a:txBody>
-                    <a:bodyPr/>
-                    <a:lstStyle/>
-                    <a:p>
-                      <a:pPr marL="0" marR="0">
-                        <a:lnSpc>
-                          <a:spcPct val="107000"/>
-                        </a:lnSpc>
-                        <a:spcBef>
-                          <a:spcPts val="0"/>
-                        </a:spcBef>
-                        <a:spcAft>
-                          <a:spcPts val="0"/>
-                        </a:spcAft>
-                      </a:pPr>
-                      <a:r>
-                        <a:rPr lang="en-US" sz="1100" dirty="0">
-                          <a:solidFill>
-                            <a:schemeClr val="tx1"/>
-                          </a:solidFill>
-                          <a:effectLst/>
-                        </a:rPr>
-                        <a:t>0.219</a:t>
-                      </a:r>
-                      <a:endParaRPr lang="en-US" sz="1100" dirty="0">
-                        <a:solidFill>
-                          <a:schemeClr val="tx1"/>
-                        </a:solidFill>
-                        <a:effectLst/>
-                        <a:latin typeface="Calibri" panose="020F0502020204030204" pitchFamily="34" charset="0"/>
-                        <a:ea typeface="Calibri" panose="020F0502020204030204" pitchFamily="34" charset="0"/>
-                        <a:cs typeface="Times New Roman" panose="02020603050405020304" pitchFamily="18" charset="0"/>
-                      </a:endParaRPr>
-                    </a:p>
-                  </a:txBody>
-                  <a:tcPr marL="68580" marR="68580" marT="0" marB="0" anchor="ctr">
-                    <a:lnL w="12700" cap="flat" cmpd="sng" algn="ctr">
-                      <a:solidFill>
-                        <a:schemeClr val="tx1"/>
-                      </a:solidFill>
-                      <a:prstDash val="solid"/>
-                      <a:round/>
-                      <a:headEnd type="none" w="med" len="med"/>
-                      <a:tailEnd type="none" w="med" len="med"/>
-                    </a:lnL>
-                    <a:lnR w="12700" cap="flat" cmpd="sng" algn="ctr">
-                      <a:solidFill>
-                        <a:schemeClr val="tx1"/>
-                      </a:solidFill>
-                      <a:prstDash val="solid"/>
-                      <a:round/>
-                      <a:headEnd type="none" w="med" len="med"/>
-                      <a:tailEnd type="none" w="med" len="med"/>
-                    </a:lnR>
-                    <a:lnT w="12700" cap="flat" cmpd="sng" algn="ctr">
-                      <a:solidFill>
-                        <a:schemeClr val="tx1"/>
-                      </a:solidFill>
-                      <a:prstDash val="sysDot"/>
-                      <a:round/>
-                      <a:headEnd type="none" w="med" len="med"/>
-                      <a:tailEnd type="none" w="med" len="med"/>
-                    </a:lnT>
-                    <a:lnB w="12700" cap="flat" cmpd="sng" algn="ctr">
-                      <a:solidFill>
-                        <a:schemeClr val="tx1"/>
-                      </a:solidFill>
-                      <a:prstDash val="solid"/>
-                      <a:round/>
-                      <a:headEnd type="none" w="med" len="med"/>
-                      <a:tailEnd type="none" w="med" len="med"/>
-                    </a:lnB>
-                    <a:lnTlToBr w="12700" cmpd="sng">
-                      <a:noFill/>
-                      <a:prstDash val="solid"/>
-                    </a:lnTlToBr>
-                    <a:lnBlToTr w="12700" cmpd="sng">
-                      <a:noFill/>
-                      <a:prstDash val="solid"/>
-                    </a:lnBlToTr>
-                    <a:noFill/>
-                  </a:tcPr>
-                </a:tc>
-                <a:extLst>
-                  <a:ext uri="{0D108BD9-81ED-4DB2-BD59-A6C34878D82A}">
-                    <a16:rowId xmlns:a16="http://schemas.microsoft.com/office/drawing/2014/main" val="3838127293"/>
-                  </a:ext>
-                </a:extLst>
-              </a:tr>
-            </a:tbl>
-          </a:graphicData>
-        </a:graphic>
-      </p:graphicFrame>
       <p:pic>
         <p:nvPicPr>
           <p:cNvPr id="15" name="Picture 14" descr="Chart&#10;&#10;Description automatically generated">
@@ -8345,36 +6348,6 @@
           </a:prstGeom>
         </p:spPr>
       </p:pic>
-      <p:pic>
-        <p:nvPicPr>
-          <p:cNvPr id="16" name="Picture 15" descr="A picture containing background pattern&#10;&#10;Description automatically generated">
-            <a:extLst>
-              <a:ext uri="{FF2B5EF4-FFF2-40B4-BE49-F238E27FC236}">
-                <a16:creationId xmlns:a16="http://schemas.microsoft.com/office/drawing/2014/main" id="{D1E4C429-2031-B990-5FFD-3A4996551404}"/>
-              </a:ext>
-            </a:extLst>
-          </p:cNvPr>
-          <p:cNvPicPr>
-            <a:picLocks noChangeAspect="1"/>
-          </p:cNvPicPr>
-          <p:nvPr/>
-        </p:nvPicPr>
-        <p:blipFill>
-          <a:blip r:embed="rId3"/>
-          <a:stretch>
-            <a:fillRect/>
-          </a:stretch>
-        </p:blipFill>
-        <p:spPr>
-          <a:xfrm>
-            <a:off x="7838230" y="1981789"/>
-            <a:ext cx="4086113" cy="2478190"/>
-          </a:xfrm>
-          <a:prstGeom prst="rect">
-            <a:avLst/>
-          </a:prstGeom>
-        </p:spPr>
-      </p:pic>
       <p:grpSp>
         <p:nvGrpSpPr>
           <p:cNvPr id="3" name="Group 2">
@@ -8389,7 +6362,7 @@
         </p:nvGrpSpPr>
         <p:grpSpPr>
           <a:xfrm>
-            <a:off x="10172512" y="555366"/>
+            <a:off x="10172512" y="546035"/>
             <a:ext cx="1627602" cy="150318"/>
             <a:chOff x="462455" y="1486923"/>
             <a:chExt cx="11098924" cy="1025050"/>
@@ -9387,108 +7360,1149 @@
           </a:p>
         </p:txBody>
       </p:sp>
-      <p:sp>
-        <p:nvSpPr>
-          <p:cNvPr id="18" name="Rectangle 17">
+      <p:pic>
+        <p:nvPicPr>
+          <p:cNvPr id="21" name="Picture 20">
             <a:extLst>
               <a:ext uri="{FF2B5EF4-FFF2-40B4-BE49-F238E27FC236}">
-                <a16:creationId xmlns:a16="http://schemas.microsoft.com/office/drawing/2014/main" id="{7D78AFA8-BBD0-F351-7F62-D20C6C4C57F4}"/>
+                <a16:creationId xmlns:a16="http://schemas.microsoft.com/office/drawing/2014/main" id="{D21E7A08-CC94-0A67-FE52-96B91497A4DC}"/>
               </a:ext>
             </a:extLst>
           </p:cNvPr>
-          <p:cNvSpPr/>
+          <p:cNvPicPr>
+            <a:picLocks noChangeAspect="1"/>
+          </p:cNvPicPr>
           <p:nvPr/>
-        </p:nvSpPr>
+        </p:nvPicPr>
+        <p:blipFill>
+          <a:blip r:embed="rId3"/>
+          <a:stretch>
+            <a:fillRect/>
+          </a:stretch>
+        </p:blipFill>
         <p:spPr>
           <a:xfrm>
-            <a:off x="4828223" y="2149464"/>
-            <a:ext cx="2656115" cy="1760616"/>
+            <a:off x="7651440" y="1745182"/>
+            <a:ext cx="4262564" cy="2668463"/>
           </a:xfrm>
           <a:prstGeom prst="rect">
             <a:avLst/>
           </a:prstGeom>
         </p:spPr>
-        <p:style>
-          <a:lnRef idx="2">
-            <a:schemeClr val="accent1">
-              <a:shade val="50000"/>
-            </a:schemeClr>
-          </a:lnRef>
-          <a:fillRef idx="1">
-            <a:schemeClr val="accent1"/>
-          </a:fillRef>
-          <a:effectRef idx="0">
-            <a:schemeClr val="accent1"/>
-          </a:effectRef>
-          <a:fontRef idx="minor">
-            <a:schemeClr val="lt1"/>
-          </a:fontRef>
-        </p:style>
-        <p:txBody>
-          <a:bodyPr rtlCol="0" anchor="ctr"/>
-          <a:lstStyle/>
-          <a:p>
-            <a:pPr algn="ctr"/>
-            <a:r>
-              <a:rPr lang="en-US" dirty="0"/>
-              <a:t>Need to update with full EDA</a:t>
-            </a:r>
-          </a:p>
-        </p:txBody>
-      </p:sp>
-      <p:sp>
-        <p:nvSpPr>
-          <p:cNvPr id="19" name="Rectangle 18">
+      </p:pic>
+      <p:graphicFrame>
+        <p:nvGraphicFramePr>
+          <p:cNvPr id="22" name="Table 21">
             <a:extLst>
               <a:ext uri="{FF2B5EF4-FFF2-40B4-BE49-F238E27FC236}">
-                <a16:creationId xmlns:a16="http://schemas.microsoft.com/office/drawing/2014/main" id="{92E08F16-3A5D-3E72-62A5-C01221667805}"/>
+                <a16:creationId xmlns:a16="http://schemas.microsoft.com/office/drawing/2014/main" id="{762388D4-9617-2404-AFA9-32E4BB22E9AA}"/>
               </a:ext>
             </a:extLst>
           </p:cNvPr>
-          <p:cNvSpPr/>
+          <p:cNvGraphicFramePr>
+            <a:graphicFrameLocks noGrp="1"/>
+          </p:cNvGraphicFramePr>
           <p:nvPr/>
-        </p:nvSpPr>
-        <p:spPr>
-          <a:xfrm>
-            <a:off x="8971659" y="2149464"/>
-            <a:ext cx="2656115" cy="1760616"/>
-          </a:xfrm>
-          <a:prstGeom prst="rect">
-            <a:avLst/>
-          </a:prstGeom>
-        </p:spPr>
-        <p:style>
-          <a:lnRef idx="2">
-            <a:schemeClr val="accent1">
-              <a:shade val="50000"/>
-            </a:schemeClr>
-          </a:lnRef>
-          <a:fillRef idx="1">
-            <a:schemeClr val="accent1"/>
-          </a:fillRef>
-          <a:effectRef idx="0">
-            <a:schemeClr val="accent1"/>
-          </a:effectRef>
-          <a:fontRef idx="minor">
-            <a:schemeClr val="lt1"/>
-          </a:fontRef>
-        </p:style>
-        <p:txBody>
-          <a:bodyPr rtlCol="0" anchor="ctr"/>
-          <a:lstStyle/>
-          <a:p>
-            <a:pPr algn="ctr"/>
-            <a:r>
-              <a:rPr lang="en-US" dirty="0"/>
-              <a:t>Need to update with full EDA</a:t>
-            </a:r>
-          </a:p>
-        </p:txBody>
-      </p:sp>
+        </p:nvGraphicFramePr>
+        <p:xfrm>
+          <a:off x="4595223" y="1699026"/>
+          <a:ext cx="2895600" cy="2714625"/>
+        </p:xfrm>
+        <a:graphic>
+          <a:graphicData uri="http://schemas.openxmlformats.org/drawingml/2006/table">
+            <a:tbl>
+              <a:tblPr firstRow="1" firstCol="1" bandRow="1">
+                <a:tableStyleId>{5C22544A-7EE6-4342-B048-85BDC9FD1C3A}</a:tableStyleId>
+              </a:tblPr>
+              <a:tblGrid>
+                <a:gridCol w="1447800">
+                  <a:extLst>
+                    <a:ext uri="{9D8B030D-6E8A-4147-A177-3AD203B41FA5}">
+                      <a16:colId xmlns:a16="http://schemas.microsoft.com/office/drawing/2014/main" val="1580786733"/>
+                    </a:ext>
+                  </a:extLst>
+                </a:gridCol>
+                <a:gridCol w="1447800">
+                  <a:extLst>
+                    <a:ext uri="{9D8B030D-6E8A-4147-A177-3AD203B41FA5}">
+                      <a16:colId xmlns:a16="http://schemas.microsoft.com/office/drawing/2014/main" val="77023370"/>
+                    </a:ext>
+                  </a:extLst>
+                </a:gridCol>
+              </a:tblGrid>
+              <a:tr h="177898">
+                <a:tc>
+                  <a:txBody>
+                    <a:bodyPr/>
+                    <a:lstStyle/>
+                    <a:p>
+                      <a:pPr marL="0" marR="0">
+                        <a:lnSpc>
+                          <a:spcPct val="107000"/>
+                        </a:lnSpc>
+                        <a:spcBef>
+                          <a:spcPts val="0"/>
+                        </a:spcBef>
+                        <a:spcAft>
+                          <a:spcPts val="800"/>
+                        </a:spcAft>
+                      </a:pPr>
+                      <a:r>
+                        <a:rPr lang="en-US" sz="1100">
+                          <a:effectLst/>
+                        </a:rPr>
+                        <a:t>Feature</a:t>
+                      </a:r>
+                      <a:endParaRPr lang="en-US" sz="1100">
+                        <a:effectLst/>
+                        <a:latin typeface="Calibri" panose="020F0502020204030204" pitchFamily="34" charset="0"/>
+                        <a:ea typeface="Calibri" panose="020F0502020204030204" pitchFamily="34" charset="0"/>
+                        <a:cs typeface="Times New Roman" panose="02020603050405020304" pitchFamily="18" charset="0"/>
+                      </a:endParaRPr>
+                    </a:p>
+                  </a:txBody>
+                  <a:tcPr marL="68580" marR="68580" marT="9525" marB="0" anchor="ctr"/>
+                </a:tc>
+                <a:tc>
+                  <a:txBody>
+                    <a:bodyPr/>
+                    <a:lstStyle/>
+                    <a:p>
+                      <a:pPr marL="0" marR="0">
+                        <a:lnSpc>
+                          <a:spcPct val="107000"/>
+                        </a:lnSpc>
+                        <a:spcBef>
+                          <a:spcPts val="0"/>
+                        </a:spcBef>
+                        <a:spcAft>
+                          <a:spcPts val="800"/>
+                        </a:spcAft>
+                      </a:pPr>
+                      <a:r>
+                        <a:rPr lang="en-US" sz="1100">
+                          <a:effectLst/>
+                        </a:rPr>
+                        <a:t>Correlation with Price</a:t>
+                      </a:r>
+                      <a:endParaRPr lang="en-US" sz="1100">
+                        <a:effectLst/>
+                        <a:latin typeface="Calibri" panose="020F0502020204030204" pitchFamily="34" charset="0"/>
+                        <a:ea typeface="Calibri" panose="020F0502020204030204" pitchFamily="34" charset="0"/>
+                        <a:cs typeface="Times New Roman" panose="02020603050405020304" pitchFamily="18" charset="0"/>
+                      </a:endParaRPr>
+                    </a:p>
+                  </a:txBody>
+                  <a:tcPr marL="68580" marR="68580" marT="9525" marB="0" anchor="ctr"/>
+                </a:tc>
+                <a:extLst>
+                  <a:ext uri="{0D108BD9-81ED-4DB2-BD59-A6C34878D82A}">
+                    <a16:rowId xmlns:a16="http://schemas.microsoft.com/office/drawing/2014/main" val="4110214514"/>
+                  </a:ext>
+                </a:extLst>
+              </a:tr>
+              <a:tr h="177898">
+                <a:tc>
+                  <a:txBody>
+                    <a:bodyPr/>
+                    <a:lstStyle/>
+                    <a:p>
+                      <a:pPr marL="0" marR="0">
+                        <a:lnSpc>
+                          <a:spcPct val="107000"/>
+                        </a:lnSpc>
+                        <a:spcBef>
+                          <a:spcPts val="0"/>
+                        </a:spcBef>
+                        <a:spcAft>
+                          <a:spcPts val="800"/>
+                        </a:spcAft>
+                      </a:pPr>
+                      <a:r>
+                        <a:rPr lang="en-US" sz="1100">
+                          <a:effectLst/>
+                        </a:rPr>
+                        <a:t>total_credit_amt</a:t>
+                      </a:r>
+                      <a:endParaRPr lang="en-US" sz="1100">
+                        <a:effectLst/>
+                        <a:latin typeface="Calibri" panose="020F0502020204030204" pitchFamily="34" charset="0"/>
+                        <a:ea typeface="Calibri" panose="020F0502020204030204" pitchFamily="34" charset="0"/>
+                        <a:cs typeface="Times New Roman" panose="02020603050405020304" pitchFamily="18" charset="0"/>
+                      </a:endParaRPr>
+                    </a:p>
+                  </a:txBody>
+                  <a:tcPr marL="68580" marR="68580" marT="9525" marB="0" anchor="ctr"/>
+                </a:tc>
+                <a:tc>
+                  <a:txBody>
+                    <a:bodyPr/>
+                    <a:lstStyle/>
+                    <a:p>
+                      <a:pPr marL="0" marR="0">
+                        <a:lnSpc>
+                          <a:spcPct val="107000"/>
+                        </a:lnSpc>
+                        <a:spcBef>
+                          <a:spcPts val="0"/>
+                        </a:spcBef>
+                        <a:spcAft>
+                          <a:spcPts val="800"/>
+                        </a:spcAft>
+                      </a:pPr>
+                      <a:r>
+                        <a:rPr lang="en-US" sz="1100">
+                          <a:effectLst/>
+                        </a:rPr>
+                        <a:t>0.290</a:t>
+                      </a:r>
+                      <a:endParaRPr lang="en-US" sz="1100">
+                        <a:effectLst/>
+                        <a:latin typeface="Calibri" panose="020F0502020204030204" pitchFamily="34" charset="0"/>
+                        <a:ea typeface="Calibri" panose="020F0502020204030204" pitchFamily="34" charset="0"/>
+                        <a:cs typeface="Times New Roman" panose="02020603050405020304" pitchFamily="18" charset="0"/>
+                      </a:endParaRPr>
+                    </a:p>
+                  </a:txBody>
+                  <a:tcPr marL="68580" marR="68580" marT="9525" marB="0" anchor="ctr"/>
+                </a:tc>
+                <a:extLst>
+                  <a:ext uri="{0D108BD9-81ED-4DB2-BD59-A6C34878D82A}">
+                    <a16:rowId xmlns:a16="http://schemas.microsoft.com/office/drawing/2014/main" val="2533899980"/>
+                  </a:ext>
+                </a:extLst>
+              </a:tr>
+              <a:tr h="177898">
+                <a:tc>
+                  <a:txBody>
+                    <a:bodyPr/>
+                    <a:lstStyle/>
+                    <a:p>
+                      <a:pPr marL="0" marR="0">
+                        <a:lnSpc>
+                          <a:spcPct val="107000"/>
+                        </a:lnSpc>
+                        <a:spcBef>
+                          <a:spcPts val="0"/>
+                        </a:spcBef>
+                        <a:spcAft>
+                          <a:spcPts val="800"/>
+                        </a:spcAft>
+                      </a:pPr>
+                      <a:r>
+                        <a:rPr lang="en-US" sz="1100">
+                          <a:effectLst/>
+                        </a:rPr>
+                        <a:t>taxable_income_amt</a:t>
+                      </a:r>
+                      <a:endParaRPr lang="en-US" sz="1100">
+                        <a:effectLst/>
+                        <a:latin typeface="Calibri" panose="020F0502020204030204" pitchFamily="34" charset="0"/>
+                        <a:ea typeface="Calibri" panose="020F0502020204030204" pitchFamily="34" charset="0"/>
+                        <a:cs typeface="Times New Roman" panose="02020603050405020304" pitchFamily="18" charset="0"/>
+                      </a:endParaRPr>
+                    </a:p>
+                  </a:txBody>
+                  <a:tcPr marL="68580" marR="68580" marT="9525" marB="0" anchor="ctr"/>
+                </a:tc>
+                <a:tc>
+                  <a:txBody>
+                    <a:bodyPr/>
+                    <a:lstStyle/>
+                    <a:p>
+                      <a:pPr marL="0" marR="0">
+                        <a:lnSpc>
+                          <a:spcPct val="107000"/>
+                        </a:lnSpc>
+                        <a:spcBef>
+                          <a:spcPts val="0"/>
+                        </a:spcBef>
+                        <a:spcAft>
+                          <a:spcPts val="800"/>
+                        </a:spcAft>
+                      </a:pPr>
+                      <a:r>
+                        <a:rPr lang="en-US" sz="1100">
+                          <a:effectLst/>
+                        </a:rPr>
+                        <a:t>0.375</a:t>
+                      </a:r>
+                      <a:endParaRPr lang="en-US" sz="1100">
+                        <a:effectLst/>
+                        <a:latin typeface="Calibri" panose="020F0502020204030204" pitchFamily="34" charset="0"/>
+                        <a:ea typeface="Calibri" panose="020F0502020204030204" pitchFamily="34" charset="0"/>
+                        <a:cs typeface="Times New Roman" panose="02020603050405020304" pitchFamily="18" charset="0"/>
+                      </a:endParaRPr>
+                    </a:p>
+                  </a:txBody>
+                  <a:tcPr marL="68580" marR="68580" marT="9525" marB="0" anchor="ctr"/>
+                </a:tc>
+                <a:extLst>
+                  <a:ext uri="{0D108BD9-81ED-4DB2-BD59-A6C34878D82A}">
+                    <a16:rowId xmlns:a16="http://schemas.microsoft.com/office/drawing/2014/main" val="1808445841"/>
+                  </a:ext>
+                </a:extLst>
+              </a:tr>
+              <a:tr h="177898">
+                <a:tc>
+                  <a:txBody>
+                    <a:bodyPr/>
+                    <a:lstStyle/>
+                    <a:p>
+                      <a:pPr marL="0" marR="0">
+                        <a:lnSpc>
+                          <a:spcPct val="107000"/>
+                        </a:lnSpc>
+                        <a:spcBef>
+                          <a:spcPts val="0"/>
+                        </a:spcBef>
+                        <a:spcAft>
+                          <a:spcPts val="800"/>
+                        </a:spcAft>
+                      </a:pPr>
+                      <a:r>
+                        <a:rPr lang="en-US" sz="1100">
+                          <a:effectLst/>
+                        </a:rPr>
+                        <a:t>mortgageint_amt</a:t>
+                      </a:r>
+                      <a:endParaRPr lang="en-US" sz="1100">
+                        <a:effectLst/>
+                        <a:latin typeface="Calibri" panose="020F0502020204030204" pitchFamily="34" charset="0"/>
+                        <a:ea typeface="Calibri" panose="020F0502020204030204" pitchFamily="34" charset="0"/>
+                        <a:cs typeface="Times New Roman" panose="02020603050405020304" pitchFamily="18" charset="0"/>
+                      </a:endParaRPr>
+                    </a:p>
+                  </a:txBody>
+                  <a:tcPr marL="68580" marR="68580" marT="9525" marB="0" anchor="ctr"/>
+                </a:tc>
+                <a:tc>
+                  <a:txBody>
+                    <a:bodyPr/>
+                    <a:lstStyle/>
+                    <a:p>
+                      <a:pPr marL="0" marR="0">
+                        <a:lnSpc>
+                          <a:spcPct val="107000"/>
+                        </a:lnSpc>
+                        <a:spcBef>
+                          <a:spcPts val="0"/>
+                        </a:spcBef>
+                        <a:spcAft>
+                          <a:spcPts val="800"/>
+                        </a:spcAft>
+                      </a:pPr>
+                      <a:r>
+                        <a:rPr lang="en-US" sz="1100">
+                          <a:effectLst/>
+                        </a:rPr>
+                        <a:t>0.234</a:t>
+                      </a:r>
+                      <a:endParaRPr lang="en-US" sz="1100">
+                        <a:effectLst/>
+                        <a:latin typeface="Calibri" panose="020F0502020204030204" pitchFamily="34" charset="0"/>
+                        <a:ea typeface="Calibri" panose="020F0502020204030204" pitchFamily="34" charset="0"/>
+                        <a:cs typeface="Times New Roman" panose="02020603050405020304" pitchFamily="18" charset="0"/>
+                      </a:endParaRPr>
+                    </a:p>
+                  </a:txBody>
+                  <a:tcPr marL="68580" marR="68580" marT="9525" marB="0" anchor="ctr"/>
+                </a:tc>
+                <a:extLst>
+                  <a:ext uri="{0D108BD9-81ED-4DB2-BD59-A6C34878D82A}">
+                    <a16:rowId xmlns:a16="http://schemas.microsoft.com/office/drawing/2014/main" val="1175059380"/>
+                  </a:ext>
+                </a:extLst>
+              </a:tr>
+              <a:tr h="177898">
+                <a:tc>
+                  <a:txBody>
+                    <a:bodyPr/>
+                    <a:lstStyle/>
+                    <a:p>
+                      <a:pPr marL="0" marR="0">
+                        <a:lnSpc>
+                          <a:spcPct val="107000"/>
+                        </a:lnSpc>
+                        <a:spcBef>
+                          <a:spcPts val="0"/>
+                        </a:spcBef>
+                        <a:spcAft>
+                          <a:spcPts val="800"/>
+                        </a:spcAft>
+                      </a:pPr>
+                      <a:r>
+                        <a:rPr lang="en-US" sz="1100">
+                          <a:effectLst/>
+                        </a:rPr>
+                        <a:t>p_mortgageint_nr</a:t>
+                      </a:r>
+                      <a:endParaRPr lang="en-US" sz="1100">
+                        <a:effectLst/>
+                        <a:latin typeface="Calibri" panose="020F0502020204030204" pitchFamily="34" charset="0"/>
+                        <a:ea typeface="Calibri" panose="020F0502020204030204" pitchFamily="34" charset="0"/>
+                        <a:cs typeface="Times New Roman" panose="02020603050405020304" pitchFamily="18" charset="0"/>
+                      </a:endParaRPr>
+                    </a:p>
+                  </a:txBody>
+                  <a:tcPr marL="68580" marR="68580" marT="9525" marB="0" anchor="ctr"/>
+                </a:tc>
+                <a:tc>
+                  <a:txBody>
+                    <a:bodyPr/>
+                    <a:lstStyle/>
+                    <a:p>
+                      <a:pPr marL="0" marR="0">
+                        <a:lnSpc>
+                          <a:spcPct val="107000"/>
+                        </a:lnSpc>
+                        <a:spcBef>
+                          <a:spcPts val="0"/>
+                        </a:spcBef>
+                        <a:spcAft>
+                          <a:spcPts val="800"/>
+                        </a:spcAft>
+                      </a:pPr>
+                      <a:r>
+                        <a:rPr lang="en-US" sz="1100">
+                          <a:effectLst/>
+                        </a:rPr>
+                        <a:t>0.024</a:t>
+                      </a:r>
+                      <a:endParaRPr lang="en-US" sz="1100">
+                        <a:effectLst/>
+                        <a:latin typeface="Calibri" panose="020F0502020204030204" pitchFamily="34" charset="0"/>
+                        <a:ea typeface="Calibri" panose="020F0502020204030204" pitchFamily="34" charset="0"/>
+                        <a:cs typeface="Times New Roman" panose="02020603050405020304" pitchFamily="18" charset="0"/>
+                      </a:endParaRPr>
+                    </a:p>
+                  </a:txBody>
+                  <a:tcPr marL="68580" marR="68580" marT="9525" marB="0" anchor="ctr"/>
+                </a:tc>
+                <a:extLst>
+                  <a:ext uri="{0D108BD9-81ED-4DB2-BD59-A6C34878D82A}">
+                    <a16:rowId xmlns:a16="http://schemas.microsoft.com/office/drawing/2014/main" val="3264610848"/>
+                  </a:ext>
+                </a:extLst>
+              </a:tr>
+              <a:tr h="177898">
+                <a:tc>
+                  <a:txBody>
+                    <a:bodyPr/>
+                    <a:lstStyle/>
+                    <a:p>
+                      <a:pPr marL="0" marR="0">
+                        <a:lnSpc>
+                          <a:spcPct val="107000"/>
+                        </a:lnSpc>
+                        <a:spcBef>
+                          <a:spcPts val="0"/>
+                        </a:spcBef>
+                        <a:spcAft>
+                          <a:spcPts val="800"/>
+                        </a:spcAft>
+                      </a:pPr>
+                      <a:r>
+                        <a:rPr lang="en-US" sz="1100">
+                          <a:effectLst/>
+                        </a:rPr>
+                        <a:t>inctax_amt</a:t>
+                      </a:r>
+                      <a:endParaRPr lang="en-US" sz="1100">
+                        <a:effectLst/>
+                        <a:latin typeface="Calibri" panose="020F0502020204030204" pitchFamily="34" charset="0"/>
+                        <a:ea typeface="Calibri" panose="020F0502020204030204" pitchFamily="34" charset="0"/>
+                        <a:cs typeface="Times New Roman" panose="02020603050405020304" pitchFamily="18" charset="0"/>
+                      </a:endParaRPr>
+                    </a:p>
+                  </a:txBody>
+                  <a:tcPr marL="68580" marR="68580" marT="9525" marB="0" anchor="ctr"/>
+                </a:tc>
+                <a:tc>
+                  <a:txBody>
+                    <a:bodyPr/>
+                    <a:lstStyle/>
+                    <a:p>
+                      <a:pPr marL="0" marR="0">
+                        <a:lnSpc>
+                          <a:spcPct val="107000"/>
+                        </a:lnSpc>
+                        <a:spcBef>
+                          <a:spcPts val="0"/>
+                        </a:spcBef>
+                        <a:spcAft>
+                          <a:spcPts val="800"/>
+                        </a:spcAft>
+                      </a:pPr>
+                      <a:r>
+                        <a:rPr lang="en-US" sz="1100" dirty="0">
+                          <a:effectLst/>
+                        </a:rPr>
+                        <a:t>0.378</a:t>
+                      </a:r>
+                      <a:endParaRPr lang="en-US" sz="1100" dirty="0">
+                        <a:effectLst/>
+                        <a:latin typeface="Calibri" panose="020F0502020204030204" pitchFamily="34" charset="0"/>
+                        <a:ea typeface="Calibri" panose="020F0502020204030204" pitchFamily="34" charset="0"/>
+                        <a:cs typeface="Times New Roman" panose="02020603050405020304" pitchFamily="18" charset="0"/>
+                      </a:endParaRPr>
+                    </a:p>
+                  </a:txBody>
+                  <a:tcPr marL="68580" marR="68580" marT="9525" marB="0" anchor="ctr"/>
+                </a:tc>
+                <a:extLst>
+                  <a:ext uri="{0D108BD9-81ED-4DB2-BD59-A6C34878D82A}">
+                    <a16:rowId xmlns:a16="http://schemas.microsoft.com/office/drawing/2014/main" val="1703724021"/>
+                  </a:ext>
+                </a:extLst>
+              </a:tr>
+              <a:tr h="177898">
+                <a:tc>
+                  <a:txBody>
+                    <a:bodyPr/>
+                    <a:lstStyle/>
+                    <a:p>
+                      <a:pPr marL="0" marR="0">
+                        <a:lnSpc>
+                          <a:spcPct val="107000"/>
+                        </a:lnSpc>
+                        <a:spcBef>
+                          <a:spcPts val="0"/>
+                        </a:spcBef>
+                        <a:spcAft>
+                          <a:spcPts val="800"/>
+                        </a:spcAft>
+                      </a:pPr>
+                      <a:r>
+                        <a:rPr lang="en-US" sz="1100">
+                          <a:effectLst/>
+                        </a:rPr>
+                        <a:t>p_unemploy_nr</a:t>
+                      </a:r>
+                      <a:endParaRPr lang="en-US" sz="1100">
+                        <a:effectLst/>
+                        <a:latin typeface="Calibri" panose="020F0502020204030204" pitchFamily="34" charset="0"/>
+                        <a:ea typeface="Calibri" panose="020F0502020204030204" pitchFamily="34" charset="0"/>
+                        <a:cs typeface="Times New Roman" panose="02020603050405020304" pitchFamily="18" charset="0"/>
+                      </a:endParaRPr>
+                    </a:p>
+                  </a:txBody>
+                  <a:tcPr marL="68580" marR="68580" marT="9525" marB="0" anchor="ctr"/>
+                </a:tc>
+                <a:tc>
+                  <a:txBody>
+                    <a:bodyPr/>
+                    <a:lstStyle/>
+                    <a:p>
+                      <a:pPr marL="0" marR="0">
+                        <a:lnSpc>
+                          <a:spcPct val="107000"/>
+                        </a:lnSpc>
+                        <a:spcBef>
+                          <a:spcPts val="0"/>
+                        </a:spcBef>
+                        <a:spcAft>
+                          <a:spcPts val="800"/>
+                        </a:spcAft>
+                      </a:pPr>
+                      <a:r>
+                        <a:rPr lang="en-US" sz="1100">
+                          <a:effectLst/>
+                        </a:rPr>
+                        <a:t>-0.215</a:t>
+                      </a:r>
+                      <a:endParaRPr lang="en-US" sz="1100">
+                        <a:effectLst/>
+                        <a:latin typeface="Calibri" panose="020F0502020204030204" pitchFamily="34" charset="0"/>
+                        <a:ea typeface="Calibri" panose="020F0502020204030204" pitchFamily="34" charset="0"/>
+                        <a:cs typeface="Times New Roman" panose="02020603050405020304" pitchFamily="18" charset="0"/>
+                      </a:endParaRPr>
+                    </a:p>
+                  </a:txBody>
+                  <a:tcPr marL="68580" marR="68580" marT="9525" marB="0" anchor="ctr"/>
+                </a:tc>
+                <a:extLst>
+                  <a:ext uri="{0D108BD9-81ED-4DB2-BD59-A6C34878D82A}">
+                    <a16:rowId xmlns:a16="http://schemas.microsoft.com/office/drawing/2014/main" val="1376028326"/>
+                  </a:ext>
+                </a:extLst>
+              </a:tr>
+              <a:tr h="177898">
+                <a:tc>
+                  <a:txBody>
+                    <a:bodyPr/>
+                    <a:lstStyle/>
+                    <a:p>
+                      <a:pPr marL="0" marR="0">
+                        <a:lnSpc>
+                          <a:spcPct val="107000"/>
+                        </a:lnSpc>
+                        <a:spcBef>
+                          <a:spcPts val="0"/>
+                        </a:spcBef>
+                        <a:spcAft>
+                          <a:spcPts val="800"/>
+                        </a:spcAft>
+                      </a:pPr>
+                      <a:r>
+                        <a:rPr lang="en-US" sz="1100">
+                          <a:effectLst/>
+                        </a:rPr>
+                        <a:t>agi_amt</a:t>
+                      </a:r>
+                      <a:endParaRPr lang="en-US" sz="1100">
+                        <a:effectLst/>
+                        <a:latin typeface="Calibri" panose="020F0502020204030204" pitchFamily="34" charset="0"/>
+                        <a:ea typeface="Calibri" panose="020F0502020204030204" pitchFamily="34" charset="0"/>
+                        <a:cs typeface="Times New Roman" panose="02020603050405020304" pitchFamily="18" charset="0"/>
+                      </a:endParaRPr>
+                    </a:p>
+                  </a:txBody>
+                  <a:tcPr marL="68580" marR="68580" marT="9525" marB="0" anchor="ctr"/>
+                </a:tc>
+                <a:tc>
+                  <a:txBody>
+                    <a:bodyPr/>
+                    <a:lstStyle/>
+                    <a:p>
+                      <a:pPr marL="0" marR="0">
+                        <a:lnSpc>
+                          <a:spcPct val="107000"/>
+                        </a:lnSpc>
+                        <a:spcBef>
+                          <a:spcPts val="0"/>
+                        </a:spcBef>
+                        <a:spcAft>
+                          <a:spcPts val="800"/>
+                        </a:spcAft>
+                      </a:pPr>
+                      <a:r>
+                        <a:rPr lang="en-US" sz="1100">
+                          <a:effectLst/>
+                        </a:rPr>
+                        <a:t>0.372</a:t>
+                      </a:r>
+                      <a:endParaRPr lang="en-US" sz="1100">
+                        <a:effectLst/>
+                        <a:latin typeface="Calibri" panose="020F0502020204030204" pitchFamily="34" charset="0"/>
+                        <a:ea typeface="Calibri" panose="020F0502020204030204" pitchFamily="34" charset="0"/>
+                        <a:cs typeface="Times New Roman" panose="02020603050405020304" pitchFamily="18" charset="0"/>
+                      </a:endParaRPr>
+                    </a:p>
+                  </a:txBody>
+                  <a:tcPr marL="68580" marR="68580" marT="9525" marB="0" anchor="ctr"/>
+                </a:tc>
+                <a:extLst>
+                  <a:ext uri="{0D108BD9-81ED-4DB2-BD59-A6C34878D82A}">
+                    <a16:rowId xmlns:a16="http://schemas.microsoft.com/office/drawing/2014/main" val="2048139425"/>
+                  </a:ext>
+                </a:extLst>
+              </a:tr>
+              <a:tr h="177898">
+                <a:tc>
+                  <a:txBody>
+                    <a:bodyPr/>
+                    <a:lstStyle/>
+                    <a:p>
+                      <a:pPr marL="0" marR="0">
+                        <a:lnSpc>
+                          <a:spcPct val="107000"/>
+                        </a:lnSpc>
+                        <a:spcBef>
+                          <a:spcPts val="0"/>
+                        </a:spcBef>
+                        <a:spcAft>
+                          <a:spcPts val="800"/>
+                        </a:spcAft>
+                      </a:pPr>
+                      <a:r>
+                        <a:rPr lang="en-US" sz="1100">
+                          <a:effectLst/>
+                        </a:rPr>
+                        <a:t>num_dependents</a:t>
+                      </a:r>
+                      <a:endParaRPr lang="en-US" sz="1100">
+                        <a:effectLst/>
+                        <a:latin typeface="Calibri" panose="020F0502020204030204" pitchFamily="34" charset="0"/>
+                        <a:ea typeface="Calibri" panose="020F0502020204030204" pitchFamily="34" charset="0"/>
+                        <a:cs typeface="Times New Roman" panose="02020603050405020304" pitchFamily="18" charset="0"/>
+                      </a:endParaRPr>
+                    </a:p>
+                  </a:txBody>
+                  <a:tcPr marL="68580" marR="68580" marT="9525" marB="0" anchor="ctr"/>
+                </a:tc>
+                <a:tc>
+                  <a:txBody>
+                    <a:bodyPr/>
+                    <a:lstStyle/>
+                    <a:p>
+                      <a:pPr marL="0" marR="0">
+                        <a:lnSpc>
+                          <a:spcPct val="107000"/>
+                        </a:lnSpc>
+                        <a:spcBef>
+                          <a:spcPts val="0"/>
+                        </a:spcBef>
+                        <a:spcAft>
+                          <a:spcPts val="800"/>
+                        </a:spcAft>
+                      </a:pPr>
+                      <a:r>
+                        <a:rPr lang="en-US" sz="1100">
+                          <a:effectLst/>
+                        </a:rPr>
+                        <a:t>-0.179</a:t>
+                      </a:r>
+                      <a:endParaRPr lang="en-US" sz="1100">
+                        <a:effectLst/>
+                        <a:latin typeface="Calibri" panose="020F0502020204030204" pitchFamily="34" charset="0"/>
+                        <a:ea typeface="Calibri" panose="020F0502020204030204" pitchFamily="34" charset="0"/>
+                        <a:cs typeface="Times New Roman" panose="02020603050405020304" pitchFamily="18" charset="0"/>
+                      </a:endParaRPr>
+                    </a:p>
+                  </a:txBody>
+                  <a:tcPr marL="68580" marR="68580" marT="9525" marB="0" anchor="ctr"/>
+                </a:tc>
+                <a:extLst>
+                  <a:ext uri="{0D108BD9-81ED-4DB2-BD59-A6C34878D82A}">
+                    <a16:rowId xmlns:a16="http://schemas.microsoft.com/office/drawing/2014/main" val="1909454832"/>
+                  </a:ext>
+                </a:extLst>
+              </a:tr>
+              <a:tr h="177898">
+                <a:tc>
+                  <a:txBody>
+                    <a:bodyPr/>
+                    <a:lstStyle/>
+                    <a:p>
+                      <a:pPr marL="0" marR="0">
+                        <a:lnSpc>
+                          <a:spcPct val="107000"/>
+                        </a:lnSpc>
+                        <a:spcBef>
+                          <a:spcPts val="0"/>
+                        </a:spcBef>
+                        <a:spcAft>
+                          <a:spcPts val="800"/>
+                        </a:spcAft>
+                      </a:pPr>
+                      <a:r>
+                        <a:rPr lang="en-US" sz="1100">
+                          <a:effectLst/>
+                        </a:rPr>
+                        <a:t>p_re_taxes_nr</a:t>
+                      </a:r>
+                      <a:endParaRPr lang="en-US" sz="1100">
+                        <a:effectLst/>
+                        <a:latin typeface="Calibri" panose="020F0502020204030204" pitchFamily="34" charset="0"/>
+                        <a:ea typeface="Calibri" panose="020F0502020204030204" pitchFamily="34" charset="0"/>
+                        <a:cs typeface="Times New Roman" panose="02020603050405020304" pitchFamily="18" charset="0"/>
+                      </a:endParaRPr>
+                    </a:p>
+                  </a:txBody>
+                  <a:tcPr marL="68580" marR="68580" marT="9525" marB="0" anchor="ctr"/>
+                </a:tc>
+                <a:tc>
+                  <a:txBody>
+                    <a:bodyPr/>
+                    <a:lstStyle/>
+                    <a:p>
+                      <a:pPr marL="0" marR="0">
+                        <a:lnSpc>
+                          <a:spcPct val="107000"/>
+                        </a:lnSpc>
+                        <a:spcBef>
+                          <a:spcPts val="0"/>
+                        </a:spcBef>
+                        <a:spcAft>
+                          <a:spcPts val="800"/>
+                        </a:spcAft>
+                      </a:pPr>
+                      <a:r>
+                        <a:rPr lang="en-US" sz="1100">
+                          <a:effectLst/>
+                        </a:rPr>
+                        <a:t>0.046</a:t>
+                      </a:r>
+                      <a:endParaRPr lang="en-US" sz="1100">
+                        <a:effectLst/>
+                        <a:latin typeface="Calibri" panose="020F0502020204030204" pitchFamily="34" charset="0"/>
+                        <a:ea typeface="Calibri" panose="020F0502020204030204" pitchFamily="34" charset="0"/>
+                        <a:cs typeface="Times New Roman" panose="02020603050405020304" pitchFamily="18" charset="0"/>
+                      </a:endParaRPr>
+                    </a:p>
+                  </a:txBody>
+                  <a:tcPr marL="68580" marR="68580" marT="9525" marB="0" anchor="ctr"/>
+                </a:tc>
+                <a:extLst>
+                  <a:ext uri="{0D108BD9-81ED-4DB2-BD59-A6C34878D82A}">
+                    <a16:rowId xmlns:a16="http://schemas.microsoft.com/office/drawing/2014/main" val="867211640"/>
+                  </a:ext>
+                </a:extLst>
+              </a:tr>
+              <a:tr h="177898">
+                <a:tc>
+                  <a:txBody>
+                    <a:bodyPr/>
+                    <a:lstStyle/>
+                    <a:p>
+                      <a:pPr marL="0" marR="0">
+                        <a:lnSpc>
+                          <a:spcPct val="107000"/>
+                        </a:lnSpc>
+                        <a:spcBef>
+                          <a:spcPts val="0"/>
+                        </a:spcBef>
+                        <a:spcAft>
+                          <a:spcPts val="800"/>
+                        </a:spcAft>
+                      </a:pPr>
+                      <a:r>
+                        <a:rPr lang="en-US" sz="1100">
+                          <a:effectLst/>
+                        </a:rPr>
+                        <a:t>agi_bucket</a:t>
+                      </a:r>
+                      <a:endParaRPr lang="en-US" sz="1100">
+                        <a:effectLst/>
+                        <a:latin typeface="Calibri" panose="020F0502020204030204" pitchFamily="34" charset="0"/>
+                        <a:ea typeface="Calibri" panose="020F0502020204030204" pitchFamily="34" charset="0"/>
+                        <a:cs typeface="Times New Roman" panose="02020603050405020304" pitchFamily="18" charset="0"/>
+                      </a:endParaRPr>
+                    </a:p>
+                  </a:txBody>
+                  <a:tcPr marL="68580" marR="68580" marT="9525" marB="0" anchor="ctr"/>
+                </a:tc>
+                <a:tc>
+                  <a:txBody>
+                    <a:bodyPr/>
+                    <a:lstStyle/>
+                    <a:p>
+                      <a:pPr marL="0" marR="0">
+                        <a:lnSpc>
+                          <a:spcPct val="107000"/>
+                        </a:lnSpc>
+                        <a:spcBef>
+                          <a:spcPts val="0"/>
+                        </a:spcBef>
+                        <a:spcAft>
+                          <a:spcPts val="800"/>
+                        </a:spcAft>
+                      </a:pPr>
+                      <a:r>
+                        <a:rPr lang="en-US" sz="1100">
+                          <a:effectLst/>
+                        </a:rPr>
+                        <a:t>0.278</a:t>
+                      </a:r>
+                      <a:endParaRPr lang="en-US" sz="1100">
+                        <a:effectLst/>
+                        <a:latin typeface="Calibri" panose="020F0502020204030204" pitchFamily="34" charset="0"/>
+                        <a:ea typeface="Calibri" panose="020F0502020204030204" pitchFamily="34" charset="0"/>
+                        <a:cs typeface="Times New Roman" panose="02020603050405020304" pitchFamily="18" charset="0"/>
+                      </a:endParaRPr>
+                    </a:p>
+                  </a:txBody>
+                  <a:tcPr marL="68580" marR="68580" marT="9525" marB="0" anchor="ctr"/>
+                </a:tc>
+                <a:extLst>
+                  <a:ext uri="{0D108BD9-81ED-4DB2-BD59-A6C34878D82A}">
+                    <a16:rowId xmlns:a16="http://schemas.microsoft.com/office/drawing/2014/main" val="445709430"/>
+                  </a:ext>
+                </a:extLst>
+              </a:tr>
+              <a:tr h="177898">
+                <a:tc>
+                  <a:txBody>
+                    <a:bodyPr/>
+                    <a:lstStyle/>
+                    <a:p>
+                      <a:pPr marL="0" marR="0">
+                        <a:lnSpc>
+                          <a:spcPct val="107000"/>
+                        </a:lnSpc>
+                        <a:spcBef>
+                          <a:spcPts val="0"/>
+                        </a:spcBef>
+                        <a:spcAft>
+                          <a:spcPts val="800"/>
+                        </a:spcAft>
+                      </a:pPr>
+                      <a:r>
+                        <a:rPr lang="en-US" sz="1100">
+                          <a:effectLst/>
+                        </a:rPr>
+                        <a:t>bed</a:t>
+                      </a:r>
+                      <a:endParaRPr lang="en-US" sz="1100">
+                        <a:effectLst/>
+                        <a:latin typeface="Calibri" panose="020F0502020204030204" pitchFamily="34" charset="0"/>
+                        <a:ea typeface="Calibri" panose="020F0502020204030204" pitchFamily="34" charset="0"/>
+                        <a:cs typeface="Times New Roman" panose="02020603050405020304" pitchFamily="18" charset="0"/>
+                      </a:endParaRPr>
+                    </a:p>
+                  </a:txBody>
+                  <a:tcPr marL="68580" marR="68580" marT="9525" marB="0" anchor="ctr"/>
+                </a:tc>
+                <a:tc>
+                  <a:txBody>
+                    <a:bodyPr/>
+                    <a:lstStyle/>
+                    <a:p>
+                      <a:pPr marL="0" marR="0">
+                        <a:lnSpc>
+                          <a:spcPct val="107000"/>
+                        </a:lnSpc>
+                        <a:spcBef>
+                          <a:spcPts val="0"/>
+                        </a:spcBef>
+                        <a:spcAft>
+                          <a:spcPts val="800"/>
+                        </a:spcAft>
+                      </a:pPr>
+                      <a:r>
+                        <a:rPr lang="en-US" sz="1100">
+                          <a:effectLst/>
+                        </a:rPr>
+                        <a:t>0.218</a:t>
+                      </a:r>
+                      <a:endParaRPr lang="en-US" sz="1100">
+                        <a:effectLst/>
+                        <a:latin typeface="Calibri" panose="020F0502020204030204" pitchFamily="34" charset="0"/>
+                        <a:ea typeface="Calibri" panose="020F0502020204030204" pitchFamily="34" charset="0"/>
+                        <a:cs typeface="Times New Roman" panose="02020603050405020304" pitchFamily="18" charset="0"/>
+                      </a:endParaRPr>
+                    </a:p>
+                  </a:txBody>
+                  <a:tcPr marL="68580" marR="68580" marT="9525" marB="0" anchor="ctr"/>
+                </a:tc>
+                <a:extLst>
+                  <a:ext uri="{0D108BD9-81ED-4DB2-BD59-A6C34878D82A}">
+                    <a16:rowId xmlns:a16="http://schemas.microsoft.com/office/drawing/2014/main" val="2897392378"/>
+                  </a:ext>
+                </a:extLst>
+              </a:tr>
+              <a:tr h="177898">
+                <a:tc>
+                  <a:txBody>
+                    <a:bodyPr/>
+                    <a:lstStyle/>
+                    <a:p>
+                      <a:pPr marL="0" marR="0">
+                        <a:lnSpc>
+                          <a:spcPct val="107000"/>
+                        </a:lnSpc>
+                        <a:spcBef>
+                          <a:spcPts val="0"/>
+                        </a:spcBef>
+                        <a:spcAft>
+                          <a:spcPts val="800"/>
+                        </a:spcAft>
+                      </a:pPr>
+                      <a:r>
+                        <a:rPr lang="en-US" sz="1100">
+                          <a:effectLst/>
+                        </a:rPr>
+                        <a:t>house_size</a:t>
+                      </a:r>
+                      <a:endParaRPr lang="en-US" sz="1100">
+                        <a:effectLst/>
+                        <a:latin typeface="Calibri" panose="020F0502020204030204" pitchFamily="34" charset="0"/>
+                        <a:ea typeface="Calibri" panose="020F0502020204030204" pitchFamily="34" charset="0"/>
+                        <a:cs typeface="Times New Roman" panose="02020603050405020304" pitchFamily="18" charset="0"/>
+                      </a:endParaRPr>
+                    </a:p>
+                  </a:txBody>
+                  <a:tcPr marL="68580" marR="68580" marT="9525" marB="0" anchor="ctr"/>
+                </a:tc>
+                <a:tc>
+                  <a:txBody>
+                    <a:bodyPr/>
+                    <a:lstStyle/>
+                    <a:p>
+                      <a:pPr marL="0" marR="0">
+                        <a:lnSpc>
+                          <a:spcPct val="107000"/>
+                        </a:lnSpc>
+                        <a:spcBef>
+                          <a:spcPts val="0"/>
+                        </a:spcBef>
+                        <a:spcAft>
+                          <a:spcPts val="800"/>
+                        </a:spcAft>
+                      </a:pPr>
+                      <a:r>
+                        <a:rPr lang="en-US" sz="1100">
+                          <a:effectLst/>
+                        </a:rPr>
+                        <a:t>0.395</a:t>
+                      </a:r>
+                      <a:endParaRPr lang="en-US" sz="1100">
+                        <a:effectLst/>
+                        <a:latin typeface="Calibri" panose="020F0502020204030204" pitchFamily="34" charset="0"/>
+                        <a:ea typeface="Calibri" panose="020F0502020204030204" pitchFamily="34" charset="0"/>
+                        <a:cs typeface="Times New Roman" panose="02020603050405020304" pitchFamily="18" charset="0"/>
+                      </a:endParaRPr>
+                    </a:p>
+                  </a:txBody>
+                  <a:tcPr marL="68580" marR="68580" marT="9525" marB="0" anchor="ctr"/>
+                </a:tc>
+                <a:extLst>
+                  <a:ext uri="{0D108BD9-81ED-4DB2-BD59-A6C34878D82A}">
+                    <a16:rowId xmlns:a16="http://schemas.microsoft.com/office/drawing/2014/main" val="2649938384"/>
+                  </a:ext>
+                </a:extLst>
+              </a:tr>
+              <a:tr h="177898">
+                <a:tc>
+                  <a:txBody>
+                    <a:bodyPr/>
+                    <a:lstStyle/>
+                    <a:p>
+                      <a:pPr marL="0" marR="0">
+                        <a:lnSpc>
+                          <a:spcPct val="107000"/>
+                        </a:lnSpc>
+                        <a:spcBef>
+                          <a:spcPts val="0"/>
+                        </a:spcBef>
+                        <a:spcAft>
+                          <a:spcPts val="800"/>
+                        </a:spcAft>
+                      </a:pPr>
+                      <a:r>
+                        <a:rPr lang="en-US" sz="1100">
+                          <a:effectLst/>
+                        </a:rPr>
+                        <a:t>house_acre_lot</a:t>
+                      </a:r>
+                      <a:endParaRPr lang="en-US" sz="1100">
+                        <a:effectLst/>
+                        <a:latin typeface="Calibri" panose="020F0502020204030204" pitchFamily="34" charset="0"/>
+                        <a:ea typeface="Calibri" panose="020F0502020204030204" pitchFamily="34" charset="0"/>
+                        <a:cs typeface="Times New Roman" panose="02020603050405020304" pitchFamily="18" charset="0"/>
+                      </a:endParaRPr>
+                    </a:p>
+                  </a:txBody>
+                  <a:tcPr marL="68580" marR="68580" marT="9525" marB="0" anchor="ctr"/>
+                </a:tc>
+                <a:tc>
+                  <a:txBody>
+                    <a:bodyPr/>
+                    <a:lstStyle/>
+                    <a:p>
+                      <a:pPr marL="0" marR="0">
+                        <a:lnSpc>
+                          <a:spcPct val="107000"/>
+                        </a:lnSpc>
+                        <a:spcBef>
+                          <a:spcPts val="0"/>
+                        </a:spcBef>
+                        <a:spcAft>
+                          <a:spcPts val="800"/>
+                        </a:spcAft>
+                      </a:pPr>
+                      <a:r>
+                        <a:rPr lang="en-US" sz="1100">
+                          <a:effectLst/>
+                        </a:rPr>
+                        <a:t>0.030</a:t>
+                      </a:r>
+                      <a:endParaRPr lang="en-US" sz="1100">
+                        <a:effectLst/>
+                        <a:latin typeface="Calibri" panose="020F0502020204030204" pitchFamily="34" charset="0"/>
+                        <a:ea typeface="Calibri" panose="020F0502020204030204" pitchFamily="34" charset="0"/>
+                        <a:cs typeface="Times New Roman" panose="02020603050405020304" pitchFamily="18" charset="0"/>
+                      </a:endParaRPr>
+                    </a:p>
+                  </a:txBody>
+                  <a:tcPr marL="68580" marR="68580" marT="9525" marB="0" anchor="ctr"/>
+                </a:tc>
+                <a:extLst>
+                  <a:ext uri="{0D108BD9-81ED-4DB2-BD59-A6C34878D82A}">
+                    <a16:rowId xmlns:a16="http://schemas.microsoft.com/office/drawing/2014/main" val="3723889635"/>
+                  </a:ext>
+                </a:extLst>
+              </a:tr>
+              <a:tr h="177898">
+                <a:tc>
+                  <a:txBody>
+                    <a:bodyPr/>
+                    <a:lstStyle/>
+                    <a:p>
+                      <a:pPr marL="0" marR="0">
+                        <a:lnSpc>
+                          <a:spcPct val="107000"/>
+                        </a:lnSpc>
+                        <a:spcBef>
+                          <a:spcPts val="0"/>
+                        </a:spcBef>
+                        <a:spcAft>
+                          <a:spcPts val="800"/>
+                        </a:spcAft>
+                      </a:pPr>
+                      <a:r>
+                        <a:rPr lang="en-US" sz="1100">
+                          <a:effectLst/>
+                        </a:rPr>
+                        <a:t>bath</a:t>
+                      </a:r>
+                      <a:endParaRPr lang="en-US" sz="1100">
+                        <a:effectLst/>
+                        <a:latin typeface="Calibri" panose="020F0502020204030204" pitchFamily="34" charset="0"/>
+                        <a:ea typeface="Calibri" panose="020F0502020204030204" pitchFamily="34" charset="0"/>
+                        <a:cs typeface="Times New Roman" panose="02020603050405020304" pitchFamily="18" charset="0"/>
+                      </a:endParaRPr>
+                    </a:p>
+                  </a:txBody>
+                  <a:tcPr marL="68580" marR="68580" marT="9525" marB="0" anchor="ctr"/>
+                </a:tc>
+                <a:tc>
+                  <a:txBody>
+                    <a:bodyPr/>
+                    <a:lstStyle/>
+                    <a:p>
+                      <a:pPr marL="0" marR="0">
+                        <a:lnSpc>
+                          <a:spcPct val="107000"/>
+                        </a:lnSpc>
+                        <a:spcBef>
+                          <a:spcPts val="0"/>
+                        </a:spcBef>
+                        <a:spcAft>
+                          <a:spcPts val="800"/>
+                        </a:spcAft>
+                      </a:pPr>
+                      <a:r>
+                        <a:rPr lang="en-US" sz="1100" dirty="0">
+                          <a:effectLst/>
+                        </a:rPr>
+                        <a:t>0.490</a:t>
+                      </a:r>
+                      <a:endParaRPr lang="en-US" sz="1100" dirty="0">
+                        <a:effectLst/>
+                        <a:latin typeface="Calibri" panose="020F0502020204030204" pitchFamily="34" charset="0"/>
+                        <a:ea typeface="Calibri" panose="020F0502020204030204" pitchFamily="34" charset="0"/>
+                        <a:cs typeface="Times New Roman" panose="02020603050405020304" pitchFamily="18" charset="0"/>
+                      </a:endParaRPr>
+                    </a:p>
+                  </a:txBody>
+                  <a:tcPr marL="68580" marR="68580" marT="9525" marB="0" anchor="ctr"/>
+                </a:tc>
+                <a:extLst>
+                  <a:ext uri="{0D108BD9-81ED-4DB2-BD59-A6C34878D82A}">
+                    <a16:rowId xmlns:a16="http://schemas.microsoft.com/office/drawing/2014/main" val="2031659125"/>
+                  </a:ext>
+                </a:extLst>
+              </a:tr>
+            </a:tbl>
+          </a:graphicData>
+        </a:graphic>
+      </p:graphicFrame>
     </p:spTree>
     <p:extLst>
       <p:ext uri="{BB962C8B-B14F-4D97-AF65-F5344CB8AC3E}">
-        <p14:creationId xmlns:p14="http://schemas.microsoft.com/office/powerpoint/2010/main" val="210063243"/>
+        <p14:creationId xmlns:p14="http://schemas.microsoft.com/office/powerpoint/2010/main" val="1096723522"/>
       </p:ext>
     </p:extLst>
   </p:cSld>
@@ -10523,7 +9537,7 @@
         <p:spPr>
           <a:xfrm>
             <a:off x="4483364" y="3022600"/>
-            <a:ext cx="3056466" cy="3416320"/>
+            <a:ext cx="3056466" cy="3170099"/>
           </a:xfrm>
           <a:prstGeom prst="rect">
             <a:avLst/>
@@ -10544,11 +9558,19 @@
               <a:buChar char="•"/>
             </a:pPr>
             <a:r>
+              <a:rPr lang="en-US" sz="1600" dirty="0">
+                <a:latin typeface="Calibri" panose="020F0502020204030204" pitchFamily="34" charset="0"/>
+                <a:cs typeface="Calibri" panose="020F0502020204030204" pitchFamily="34" charset="0"/>
+              </a:rPr>
+              <a:t>R</a:t>
+            </a:r>
+            <a:r>
               <a:rPr lang="en-US" sz="1600" b="0" i="0" dirty="0">
                 <a:effectLst/>
-                <a:latin typeface="Arial" panose="020B0604020202020204" pitchFamily="34" charset="0"/>
+                <a:latin typeface="Calibri" panose="020F0502020204030204" pitchFamily="34" charset="0"/>
+                <a:cs typeface="Calibri" panose="020F0502020204030204" pitchFamily="34" charset="0"/>
               </a:rPr>
-              <a:t>Set seed and read in packages</a:t>
+              <a:t>ead in R packages</a:t>
             </a:r>
           </a:p>
           <a:p>
@@ -10562,7 +9584,8 @@
             <a:r>
               <a:rPr lang="en-US" sz="1600" b="0" i="0" dirty="0">
                 <a:effectLst/>
-                <a:latin typeface="Arial" panose="020B0604020202020204" pitchFamily="34" charset="0"/>
+                <a:latin typeface="Calibri" panose="020F0502020204030204" pitchFamily="34" charset="0"/>
+                <a:cs typeface="Calibri" panose="020F0502020204030204" pitchFamily="34" charset="0"/>
               </a:rPr>
               <a:t>Read in data and remove unnecessary columns</a:t>
             </a:r>
@@ -10578,7 +9601,8 @@
             <a:r>
               <a:rPr lang="en-US" sz="1600" b="0" i="0" dirty="0">
                 <a:effectLst/>
-                <a:latin typeface="Arial" panose="020B0604020202020204" pitchFamily="34" charset="0"/>
+                <a:latin typeface="Calibri" panose="020F0502020204030204" pitchFamily="34" charset="0"/>
+                <a:cs typeface="Calibri" panose="020F0502020204030204" pitchFamily="34" charset="0"/>
               </a:rPr>
               <a:t>Make dummy variables out of the State names </a:t>
             </a:r>
@@ -10594,7 +9618,8 @@
             <a:r>
               <a:rPr lang="en-US" sz="1600" b="0" i="0" dirty="0">
                 <a:effectLst/>
-                <a:latin typeface="Arial" panose="020B0604020202020204" pitchFamily="34" charset="0"/>
+                <a:latin typeface="Calibri" panose="020F0502020204030204" pitchFamily="34" charset="0"/>
+                <a:cs typeface="Calibri" panose="020F0502020204030204" pitchFamily="34" charset="0"/>
               </a:rPr>
               <a:t>Scale all non-binary numeric columns</a:t>
             </a:r>
@@ -10610,14 +9635,21 @@
             <a:r>
               <a:rPr lang="en-US" sz="1600" b="0" i="0" dirty="0">
                 <a:effectLst/>
-                <a:latin typeface="Arial" panose="020B0604020202020204" pitchFamily="34" charset="0"/>
+                <a:latin typeface="Calibri" panose="020F0502020204030204" pitchFamily="34" charset="0"/>
+                <a:cs typeface="Calibri" panose="020F0502020204030204" pitchFamily="34" charset="0"/>
               </a:rPr>
               <a:t>Split into training and test sets (80/20 split)</a:t>
             </a:r>
             <a:br>
-              <a:rPr lang="en-US" sz="1600" dirty="0"/>
+              <a:rPr lang="en-US" sz="1600" dirty="0">
+                <a:latin typeface="Calibri" panose="020F0502020204030204" pitchFamily="34" charset="0"/>
+                <a:cs typeface="Calibri" panose="020F0502020204030204" pitchFamily="34" charset="0"/>
+              </a:rPr>
             </a:br>
-            <a:endParaRPr lang="en-US" sz="1600" dirty="0"/>
+            <a:endParaRPr lang="en-US" sz="1600" dirty="0">
+              <a:latin typeface="Calibri" panose="020F0502020204030204" pitchFamily="34" charset="0"/>
+              <a:cs typeface="Calibri" panose="020F0502020204030204" pitchFamily="34" charset="0"/>
+            </a:endParaRPr>
           </a:p>
         </p:txBody>
       </p:sp>
@@ -10697,7 +9729,7 @@
         <p:spPr>
           <a:xfrm>
             <a:off x="8159882" y="3022600"/>
-            <a:ext cx="3056466" cy="2769989"/>
+            <a:ext cx="3056466" cy="3662541"/>
           </a:xfrm>
           <a:prstGeom prst="rect">
             <a:avLst/>
@@ -10758,6 +9790,24 @@
             </a:pPr>
             <a:r>
               <a:rPr lang="en-US" sz="1600" dirty="0"/>
+              <a:t>Hyperparameter tuning for LASSO, Random Forest, and </a:t>
+            </a:r>
+            <a:r>
+              <a:rPr lang="en-US" sz="1600" dirty="0" err="1"/>
+              <a:t>XGBoost</a:t>
+            </a:r>
+            <a:endParaRPr lang="en-US" sz="1600" dirty="0"/>
+          </a:p>
+          <a:p>
+            <a:pPr marL="342900" indent="-342900">
+              <a:spcAft>
+                <a:spcPts val="1200"/>
+              </a:spcAft>
+              <a:buFont typeface="+mj-lt"/>
+              <a:buAutoNum type="arabicPeriod"/>
+            </a:pPr>
+            <a:r>
+              <a:rPr lang="en-US" sz="1600" dirty="0"/>
               <a:t>Evaluate R</a:t>
             </a:r>
             <a:r>
@@ -10775,7 +9825,7 @@
     </p:spTree>
     <p:extLst>
       <p:ext uri="{BB962C8B-B14F-4D97-AF65-F5344CB8AC3E}">
-        <p14:creationId xmlns:p14="http://schemas.microsoft.com/office/powerpoint/2010/main" val="3037045334"/>
+        <p14:creationId xmlns:p14="http://schemas.microsoft.com/office/powerpoint/2010/main" val="2506704226"/>
       </p:ext>
     </p:extLst>
   </p:cSld>
@@ -11943,13 +10993,7 @@
           <p:cNvGraphicFramePr>
             <a:graphicFrameLocks noGrp="1"/>
           </p:cNvGraphicFramePr>
-          <p:nvPr>
-            <p:extLst>
-              <p:ext uri="{D42A27DB-BD31-4B8C-83A1-F6EECF244321}">
-                <p14:modId xmlns:p14="http://schemas.microsoft.com/office/powerpoint/2010/main" val="432537692"/>
-              </p:ext>
-            </p:extLst>
-          </p:nvPr>
+          <p:nvPr/>
         </p:nvGraphicFramePr>
         <p:xfrm>
           <a:off x="702733" y="2743252"/>
@@ -13205,7 +12249,7 @@
     </p:spTree>
     <p:extLst>
       <p:ext uri="{BB962C8B-B14F-4D97-AF65-F5344CB8AC3E}">
-        <p14:creationId xmlns:p14="http://schemas.microsoft.com/office/powerpoint/2010/main" val="2533049593"/>
+        <p14:creationId xmlns:p14="http://schemas.microsoft.com/office/powerpoint/2010/main" val="892450011"/>
       </p:ext>
     </p:extLst>
   </p:cSld>
@@ -14143,13 +13187,7 @@
           <p:cNvGraphicFramePr>
             <a:graphicFrameLocks noGrp="1"/>
           </p:cNvGraphicFramePr>
-          <p:nvPr>
-            <p:extLst>
-              <p:ext uri="{D42A27DB-BD31-4B8C-83A1-F6EECF244321}">
-                <p14:modId xmlns:p14="http://schemas.microsoft.com/office/powerpoint/2010/main" val="2011870693"/>
-              </p:ext>
-            </p:extLst>
-          </p:nvPr>
+          <p:nvPr/>
         </p:nvGraphicFramePr>
         <p:xfrm>
           <a:off x="922865" y="2033171"/>
@@ -16680,7 +15718,7 @@
     </p:spTree>
     <p:extLst>
       <p:ext uri="{BB962C8B-B14F-4D97-AF65-F5344CB8AC3E}">
-        <p14:creationId xmlns:p14="http://schemas.microsoft.com/office/powerpoint/2010/main" val="3024598509"/>
+        <p14:creationId xmlns:p14="http://schemas.microsoft.com/office/powerpoint/2010/main" val="3068883376"/>
       </p:ext>
     </p:extLst>
   </p:cSld>
@@ -21736,13 +20774,7 @@
           <p:cNvGraphicFramePr>
             <a:graphicFrameLocks noGrp="1"/>
           </p:cNvGraphicFramePr>
-          <p:nvPr>
-            <p:extLst>
-              <p:ext uri="{D42A27DB-BD31-4B8C-83A1-F6EECF244321}">
-                <p14:modId xmlns:p14="http://schemas.microsoft.com/office/powerpoint/2010/main" val="941199588"/>
-              </p:ext>
-            </p:extLst>
-          </p:nvPr>
+          <p:nvPr/>
         </p:nvGraphicFramePr>
         <p:xfrm>
           <a:off x="4994597" y="2008609"/>
@@ -25771,6 +24803,428 @@
   <p:clrMapOvr>
     <a:masterClrMapping/>
   </p:clrMapOvr>
+  <p:timing>
+    <p:tnLst>
+      <p:par>
+        <p:cTn id="1" dur="indefinite" restart="never" nodeType="tmRoot">
+          <p:childTnLst>
+            <p:seq concurrent="1" nextAc="seek">
+              <p:cTn id="2" dur="indefinite" nodeType="mainSeq">
+                <p:childTnLst>
+                  <p:par>
+                    <p:cTn id="3" fill="hold">
+                      <p:stCondLst>
+                        <p:cond delay="indefinite"/>
+                      </p:stCondLst>
+                      <p:childTnLst>
+                        <p:par>
+                          <p:cTn id="4" fill="hold">
+                            <p:stCondLst>
+                              <p:cond delay="0"/>
+                            </p:stCondLst>
+                            <p:childTnLst>
+                              <p:par>
+                                <p:cTn id="5" presetID="1" presetClass="entr" presetSubtype="0" fill="hold" nodeType="clickEffect">
+                                  <p:stCondLst>
+                                    <p:cond delay="0"/>
+                                  </p:stCondLst>
+                                  <p:childTnLst>
+                                    <p:set>
+                                      <p:cBhvr>
+                                        <p:cTn id="6" dur="1" fill="hold">
+                                          <p:stCondLst>
+                                            <p:cond delay="0"/>
+                                          </p:stCondLst>
+                                        </p:cTn>
+                                        <p:tgtEl>
+                                          <p:spTgt spid="6">
+                                            <p:txEl>
+                                              <p:pRg st="0" end="0"/>
+                                            </p:txEl>
+                                          </p:spTgt>
+                                        </p:tgtEl>
+                                        <p:attrNameLst>
+                                          <p:attrName>style.visibility</p:attrName>
+                                        </p:attrNameLst>
+                                      </p:cBhvr>
+                                      <p:to>
+                                        <p:strVal val="visible"/>
+                                      </p:to>
+                                    </p:set>
+                                  </p:childTnLst>
+                                </p:cTn>
+                              </p:par>
+                            </p:childTnLst>
+                          </p:cTn>
+                        </p:par>
+                      </p:childTnLst>
+                    </p:cTn>
+                  </p:par>
+                  <p:par>
+                    <p:cTn id="7" fill="hold">
+                      <p:stCondLst>
+                        <p:cond delay="indefinite"/>
+                      </p:stCondLst>
+                      <p:childTnLst>
+                        <p:par>
+                          <p:cTn id="8" fill="hold">
+                            <p:stCondLst>
+                              <p:cond delay="0"/>
+                            </p:stCondLst>
+                            <p:childTnLst>
+                              <p:par>
+                                <p:cTn id="9" presetID="1" presetClass="entr" presetSubtype="0" fill="hold" nodeType="clickEffect">
+                                  <p:stCondLst>
+                                    <p:cond delay="0"/>
+                                  </p:stCondLst>
+                                  <p:childTnLst>
+                                    <p:set>
+                                      <p:cBhvr>
+                                        <p:cTn id="10" dur="1" fill="hold">
+                                          <p:stCondLst>
+                                            <p:cond delay="0"/>
+                                          </p:stCondLst>
+                                        </p:cTn>
+                                        <p:tgtEl>
+                                          <p:spTgt spid="6">
+                                            <p:txEl>
+                                              <p:pRg st="1" end="1"/>
+                                            </p:txEl>
+                                          </p:spTgt>
+                                        </p:tgtEl>
+                                        <p:attrNameLst>
+                                          <p:attrName>style.visibility</p:attrName>
+                                        </p:attrNameLst>
+                                      </p:cBhvr>
+                                      <p:to>
+                                        <p:strVal val="visible"/>
+                                      </p:to>
+                                    </p:set>
+                                  </p:childTnLst>
+                                </p:cTn>
+                              </p:par>
+                            </p:childTnLst>
+                          </p:cTn>
+                        </p:par>
+                      </p:childTnLst>
+                    </p:cTn>
+                  </p:par>
+                  <p:par>
+                    <p:cTn id="11" fill="hold">
+                      <p:stCondLst>
+                        <p:cond delay="indefinite"/>
+                      </p:stCondLst>
+                      <p:childTnLst>
+                        <p:par>
+                          <p:cTn id="12" fill="hold">
+                            <p:stCondLst>
+                              <p:cond delay="0"/>
+                            </p:stCondLst>
+                            <p:childTnLst>
+                              <p:par>
+                                <p:cTn id="13" presetID="1" presetClass="entr" presetSubtype="0" fill="hold" nodeType="clickEffect">
+                                  <p:stCondLst>
+                                    <p:cond delay="0"/>
+                                  </p:stCondLst>
+                                  <p:childTnLst>
+                                    <p:set>
+                                      <p:cBhvr>
+                                        <p:cTn id="14" dur="1" fill="hold">
+                                          <p:stCondLst>
+                                            <p:cond delay="0"/>
+                                          </p:stCondLst>
+                                        </p:cTn>
+                                        <p:tgtEl>
+                                          <p:spTgt spid="6">
+                                            <p:txEl>
+                                              <p:pRg st="2" end="2"/>
+                                            </p:txEl>
+                                          </p:spTgt>
+                                        </p:tgtEl>
+                                        <p:attrNameLst>
+                                          <p:attrName>style.visibility</p:attrName>
+                                        </p:attrNameLst>
+                                      </p:cBhvr>
+                                      <p:to>
+                                        <p:strVal val="visible"/>
+                                      </p:to>
+                                    </p:set>
+                                  </p:childTnLst>
+                                </p:cTn>
+                              </p:par>
+                            </p:childTnLst>
+                          </p:cTn>
+                        </p:par>
+                      </p:childTnLst>
+                    </p:cTn>
+                  </p:par>
+                  <p:par>
+                    <p:cTn id="15" fill="hold">
+                      <p:stCondLst>
+                        <p:cond delay="indefinite"/>
+                      </p:stCondLst>
+                      <p:childTnLst>
+                        <p:par>
+                          <p:cTn id="16" fill="hold">
+                            <p:stCondLst>
+                              <p:cond delay="0"/>
+                            </p:stCondLst>
+                            <p:childTnLst>
+                              <p:par>
+                                <p:cTn id="17" presetID="1" presetClass="entr" presetSubtype="0" fill="hold" nodeType="clickEffect">
+                                  <p:stCondLst>
+                                    <p:cond delay="0"/>
+                                  </p:stCondLst>
+                                  <p:childTnLst>
+                                    <p:set>
+                                      <p:cBhvr>
+                                        <p:cTn id="18" dur="1" fill="hold">
+                                          <p:stCondLst>
+                                            <p:cond delay="0"/>
+                                          </p:stCondLst>
+                                        </p:cTn>
+                                        <p:tgtEl>
+                                          <p:spTgt spid="6">
+                                            <p:txEl>
+                                              <p:pRg st="3" end="3"/>
+                                            </p:txEl>
+                                          </p:spTgt>
+                                        </p:tgtEl>
+                                        <p:attrNameLst>
+                                          <p:attrName>style.visibility</p:attrName>
+                                        </p:attrNameLst>
+                                      </p:cBhvr>
+                                      <p:to>
+                                        <p:strVal val="visible"/>
+                                      </p:to>
+                                    </p:set>
+                                  </p:childTnLst>
+                                </p:cTn>
+                              </p:par>
+                            </p:childTnLst>
+                          </p:cTn>
+                        </p:par>
+                      </p:childTnLst>
+                    </p:cTn>
+                  </p:par>
+                  <p:par>
+                    <p:cTn id="19" fill="hold">
+                      <p:stCondLst>
+                        <p:cond delay="indefinite"/>
+                      </p:stCondLst>
+                      <p:childTnLst>
+                        <p:par>
+                          <p:cTn id="20" fill="hold">
+                            <p:stCondLst>
+                              <p:cond delay="0"/>
+                            </p:stCondLst>
+                            <p:childTnLst>
+                              <p:par>
+                                <p:cTn id="21" presetID="1" presetClass="entr" presetSubtype="0" fill="hold" nodeType="clickEffect">
+                                  <p:stCondLst>
+                                    <p:cond delay="0"/>
+                                  </p:stCondLst>
+                                  <p:childTnLst>
+                                    <p:set>
+                                      <p:cBhvr>
+                                        <p:cTn id="22" dur="1" fill="hold">
+                                          <p:stCondLst>
+                                            <p:cond delay="0"/>
+                                          </p:stCondLst>
+                                        </p:cTn>
+                                        <p:tgtEl>
+                                          <p:spTgt spid="6">
+                                            <p:txEl>
+                                              <p:pRg st="4" end="4"/>
+                                            </p:txEl>
+                                          </p:spTgt>
+                                        </p:tgtEl>
+                                        <p:attrNameLst>
+                                          <p:attrName>style.visibility</p:attrName>
+                                        </p:attrNameLst>
+                                      </p:cBhvr>
+                                      <p:to>
+                                        <p:strVal val="visible"/>
+                                      </p:to>
+                                    </p:set>
+                                  </p:childTnLst>
+                                </p:cTn>
+                              </p:par>
+                            </p:childTnLst>
+                          </p:cTn>
+                        </p:par>
+                      </p:childTnLst>
+                    </p:cTn>
+                  </p:par>
+                  <p:par>
+                    <p:cTn id="23" fill="hold">
+                      <p:stCondLst>
+                        <p:cond delay="indefinite"/>
+                      </p:stCondLst>
+                      <p:childTnLst>
+                        <p:par>
+                          <p:cTn id="24" fill="hold">
+                            <p:stCondLst>
+                              <p:cond delay="0"/>
+                            </p:stCondLst>
+                            <p:childTnLst>
+                              <p:par>
+                                <p:cTn id="25" presetID="1" presetClass="entr" presetSubtype="0" fill="hold" nodeType="clickEffect">
+                                  <p:stCondLst>
+                                    <p:cond delay="0"/>
+                                  </p:stCondLst>
+                                  <p:childTnLst>
+                                    <p:set>
+                                      <p:cBhvr>
+                                        <p:cTn id="26" dur="1" fill="hold">
+                                          <p:stCondLst>
+                                            <p:cond delay="0"/>
+                                          </p:stCondLst>
+                                        </p:cTn>
+                                        <p:tgtEl>
+                                          <p:spTgt spid="6">
+                                            <p:txEl>
+                                              <p:pRg st="5" end="5"/>
+                                            </p:txEl>
+                                          </p:spTgt>
+                                        </p:tgtEl>
+                                        <p:attrNameLst>
+                                          <p:attrName>style.visibility</p:attrName>
+                                        </p:attrNameLst>
+                                      </p:cBhvr>
+                                      <p:to>
+                                        <p:strVal val="visible"/>
+                                      </p:to>
+                                    </p:set>
+                                  </p:childTnLst>
+                                </p:cTn>
+                              </p:par>
+                            </p:childTnLst>
+                          </p:cTn>
+                        </p:par>
+                      </p:childTnLst>
+                    </p:cTn>
+                  </p:par>
+                  <p:par>
+                    <p:cTn id="27" fill="hold">
+                      <p:stCondLst>
+                        <p:cond delay="indefinite"/>
+                      </p:stCondLst>
+                      <p:childTnLst>
+                        <p:par>
+                          <p:cTn id="28" fill="hold">
+                            <p:stCondLst>
+                              <p:cond delay="0"/>
+                            </p:stCondLst>
+                            <p:childTnLst>
+                              <p:par>
+                                <p:cTn id="29" presetID="1" presetClass="entr" presetSubtype="0" fill="hold" nodeType="clickEffect">
+                                  <p:stCondLst>
+                                    <p:cond delay="0"/>
+                                  </p:stCondLst>
+                                  <p:childTnLst>
+                                    <p:set>
+                                      <p:cBhvr>
+                                        <p:cTn id="30" dur="1" fill="hold">
+                                          <p:stCondLst>
+                                            <p:cond delay="0"/>
+                                          </p:stCondLst>
+                                        </p:cTn>
+                                        <p:tgtEl>
+                                          <p:spTgt spid="6">
+                                            <p:txEl>
+                                              <p:pRg st="6" end="6"/>
+                                            </p:txEl>
+                                          </p:spTgt>
+                                        </p:tgtEl>
+                                        <p:attrNameLst>
+                                          <p:attrName>style.visibility</p:attrName>
+                                        </p:attrNameLst>
+                                      </p:cBhvr>
+                                      <p:to>
+                                        <p:strVal val="visible"/>
+                                      </p:to>
+                                    </p:set>
+                                  </p:childTnLst>
+                                </p:cTn>
+                              </p:par>
+                            </p:childTnLst>
+                          </p:cTn>
+                        </p:par>
+                      </p:childTnLst>
+                    </p:cTn>
+                  </p:par>
+                  <p:par>
+                    <p:cTn id="31" fill="hold">
+                      <p:stCondLst>
+                        <p:cond delay="indefinite"/>
+                      </p:stCondLst>
+                      <p:childTnLst>
+                        <p:par>
+                          <p:cTn id="32" fill="hold">
+                            <p:stCondLst>
+                              <p:cond delay="0"/>
+                            </p:stCondLst>
+                            <p:childTnLst>
+                              <p:par>
+                                <p:cTn id="33" presetID="1" presetClass="entr" presetSubtype="0" fill="hold" nodeType="clickEffect">
+                                  <p:stCondLst>
+                                    <p:cond delay="0"/>
+                                  </p:stCondLst>
+                                  <p:childTnLst>
+                                    <p:set>
+                                      <p:cBhvr>
+                                        <p:cTn id="34" dur="1" fill="hold">
+                                          <p:stCondLst>
+                                            <p:cond delay="0"/>
+                                          </p:stCondLst>
+                                        </p:cTn>
+                                        <p:tgtEl>
+                                          <p:spTgt spid="6">
+                                            <p:txEl>
+                                              <p:pRg st="7" end="7"/>
+                                            </p:txEl>
+                                          </p:spTgt>
+                                        </p:tgtEl>
+                                        <p:attrNameLst>
+                                          <p:attrName>style.visibility</p:attrName>
+                                        </p:attrNameLst>
+                                      </p:cBhvr>
+                                      <p:to>
+                                        <p:strVal val="visible"/>
+                                      </p:to>
+                                    </p:set>
+                                  </p:childTnLst>
+                                </p:cTn>
+                              </p:par>
+                            </p:childTnLst>
+                          </p:cTn>
+                        </p:par>
+                      </p:childTnLst>
+                    </p:cTn>
+                  </p:par>
+                </p:childTnLst>
+              </p:cTn>
+              <p:prevCondLst>
+                <p:cond evt="onPrev" delay="0">
+                  <p:tgtEl>
+                    <p:sldTgt/>
+                  </p:tgtEl>
+                </p:cond>
+              </p:prevCondLst>
+              <p:nextCondLst>
+                <p:cond evt="onNext" delay="0">
+                  <p:tgtEl>
+                    <p:sldTgt/>
+                  </p:tgtEl>
+                </p:cond>
+              </p:nextCondLst>
+            </p:seq>
+          </p:childTnLst>
+        </p:cTn>
+      </p:par>
+    </p:tnLst>
+  </p:timing>
 </p:sld>
 </file>
 
@@ -26606,7 +26060,7 @@
         <p:spPr>
           <a:xfrm>
             <a:off x="838199" y="3164946"/>
-            <a:ext cx="4817533" cy="1985159"/>
+            <a:ext cx="4817533" cy="2231380"/>
           </a:xfrm>
           <a:prstGeom prst="rect">
             <a:avLst/>
@@ -26628,15 +26082,27 @@
             </a:pPr>
             <a:r>
               <a:rPr lang="en-US" sz="1600" dirty="0"/>
-              <a:t>In the `</a:t>
+              <a:t>For missing `</a:t>
             </a:r>
             <a:r>
               <a:rPr lang="en-US" sz="1600" b="1" dirty="0" err="1"/>
               <a:t>acre_lot</a:t>
             </a:r>
             <a:r>
+              <a:rPr lang="en-US" sz="1600" b="1" dirty="0"/>
+              <a:t>` </a:t>
+            </a:r>
+            <a:r>
               <a:rPr lang="en-US" sz="1600" dirty="0"/>
-              <a:t>` field, we assigned a value of 0 to all records representing apartments or condos</a:t>
+              <a:t>data, we used the listing `</a:t>
+            </a:r>
+            <a:r>
+              <a:rPr lang="en-US" sz="1600" b="1" dirty="0"/>
+              <a:t>address</a:t>
+            </a:r>
+            <a:r>
+              <a:rPr lang="en-US" sz="1600" dirty="0"/>
+              <a:t>` to identify and assign values of 0 for apartments and condos</a:t>
             </a:r>
           </a:p>
           <a:p>
@@ -26689,7 +26155,7 @@
         </p:nvSpPr>
         <p:spPr>
           <a:xfrm>
-            <a:off x="838199" y="5548843"/>
+            <a:off x="838199" y="5806297"/>
             <a:ext cx="2142067" cy="707886"/>
           </a:xfrm>
           <a:prstGeom prst="rect">
@@ -26740,7 +26206,7 @@
         </p:nvSpPr>
         <p:spPr>
           <a:xfrm>
-            <a:off x="3246965" y="5548843"/>
+            <a:off x="3246965" y="5806297"/>
             <a:ext cx="2142067" cy="707886"/>
           </a:xfrm>
           <a:prstGeom prst="rect">
@@ -26843,17 +26309,11 @@
           <p:cNvGraphicFramePr>
             <a:graphicFrameLocks noGrp="1"/>
           </p:cNvGraphicFramePr>
-          <p:nvPr>
-            <p:extLst>
-              <p:ext uri="{D42A27DB-BD31-4B8C-83A1-F6EECF244321}">
-                <p14:modId xmlns:p14="http://schemas.microsoft.com/office/powerpoint/2010/main" val="3313921841"/>
-              </p:ext>
-            </p:extLst>
-          </p:nvPr>
+          <p:nvPr/>
         </p:nvGraphicFramePr>
         <p:xfrm>
           <a:off x="6493932" y="3158566"/>
-          <a:ext cx="4809066" cy="1934928"/>
+          <a:ext cx="4809066" cy="1612440"/>
         </p:xfrm>
         <a:graphic>
           <a:graphicData uri="http://schemas.openxmlformats.org/drawingml/2006/table">
@@ -27139,127 +26599,6 @@
                     <a:lstStyle/>
                     <a:p>
                       <a:r>
-                        <a:rPr lang="en-US" sz="1400" dirty="0">
-                          <a:solidFill>
-                            <a:sysClr val="windowText" lastClr="000000"/>
-                          </a:solidFill>
-                        </a:rPr>
-                        <a:t>address</a:t>
-                      </a:r>
-                    </a:p>
-                  </a:txBody>
-                  <a:tcPr anchor="ctr">
-                    <a:lnL w="12700" cap="flat" cmpd="sng" algn="ctr">
-                      <a:solidFill>
-                        <a:schemeClr val="tx1"/>
-                      </a:solidFill>
-                      <a:prstDash val="solid"/>
-                      <a:round/>
-                      <a:headEnd type="none" w="med" len="med"/>
-                      <a:tailEnd type="none" w="med" len="med"/>
-                    </a:lnL>
-                    <a:lnR w="12700" cmpd="sng">
-                      <a:noFill/>
-                    </a:lnR>
-                    <a:lnT w="12700" cap="flat" cmpd="sng" algn="ctr">
-                      <a:solidFill>
-                        <a:schemeClr val="tx1"/>
-                      </a:solidFill>
-                      <a:prstDash val="sysDot"/>
-                      <a:round/>
-                      <a:headEnd type="none" w="med" len="med"/>
-                      <a:tailEnd type="none" w="med" len="med"/>
-                    </a:lnT>
-                    <a:lnB w="12700" cap="flat" cmpd="sng" algn="ctr">
-                      <a:solidFill>
-                        <a:schemeClr val="tx1"/>
-                      </a:solidFill>
-                      <a:prstDash val="sysDot"/>
-                      <a:round/>
-                      <a:headEnd type="none" w="med" len="med"/>
-                      <a:tailEnd type="none" w="med" len="med"/>
-                    </a:lnB>
-                    <a:lnTlToBr w="12700" cmpd="sng">
-                      <a:noFill/>
-                      <a:prstDash val="solid"/>
-                    </a:lnTlToBr>
-                    <a:lnBlToTr w="12700" cmpd="sng">
-                      <a:noFill/>
-                      <a:prstDash val="solid"/>
-                    </a:lnBlToTr>
-                    <a:noFill/>
-                  </a:tcPr>
-                </a:tc>
-                <a:tc>
-                  <a:txBody>
-                    <a:bodyPr/>
-                    <a:lstStyle/>
-                    <a:p>
-                      <a:r>
-                        <a:rPr lang="en-US" sz="1400" dirty="0">
-                          <a:solidFill>
-                            <a:sysClr val="windowText" lastClr="000000"/>
-                          </a:solidFill>
-                        </a:rPr>
-                        <a:t>234 (3%)</a:t>
-                      </a:r>
-                    </a:p>
-                  </a:txBody>
-                  <a:tcPr anchor="ctr">
-                    <a:lnL w="12700" cmpd="sng">
-                      <a:noFill/>
-                    </a:lnL>
-                    <a:lnR w="12700" cap="flat" cmpd="sng" algn="ctr">
-                      <a:solidFill>
-                        <a:schemeClr val="tx1"/>
-                      </a:solidFill>
-                      <a:prstDash val="solid"/>
-                      <a:round/>
-                      <a:headEnd type="none" w="med" len="med"/>
-                      <a:tailEnd type="none" w="med" len="med"/>
-                    </a:lnR>
-                    <a:lnT w="12700" cap="flat" cmpd="sng" algn="ctr">
-                      <a:solidFill>
-                        <a:schemeClr val="tx1"/>
-                      </a:solidFill>
-                      <a:prstDash val="sysDot"/>
-                      <a:round/>
-                      <a:headEnd type="none" w="med" len="med"/>
-                      <a:tailEnd type="none" w="med" len="med"/>
-                    </a:lnT>
-                    <a:lnB w="12700" cap="flat" cmpd="sng" algn="ctr">
-                      <a:solidFill>
-                        <a:schemeClr val="tx1"/>
-                      </a:solidFill>
-                      <a:prstDash val="sysDot"/>
-                      <a:round/>
-                      <a:headEnd type="none" w="med" len="med"/>
-                      <a:tailEnd type="none" w="med" len="med"/>
-                    </a:lnB>
-                    <a:lnTlToBr w="12700" cmpd="sng">
-                      <a:noFill/>
-                      <a:prstDash val="solid"/>
-                    </a:lnTlToBr>
-                    <a:lnBlToTr w="12700" cmpd="sng">
-                      <a:noFill/>
-                      <a:prstDash val="solid"/>
-                    </a:lnBlToTr>
-                    <a:noFill/>
-                  </a:tcPr>
-                </a:tc>
-                <a:extLst>
-                  <a:ext uri="{0D108BD9-81ED-4DB2-BD59-A6C34878D82A}">
-                    <a16:rowId xmlns:a16="http://schemas.microsoft.com/office/drawing/2014/main" val="3564904217"/>
-                  </a:ext>
-                </a:extLst>
-              </a:tr>
-              <a:tr h="322488">
-                <a:tc>
-                  <a:txBody>
-                    <a:bodyPr/>
-                    <a:lstStyle/>
-                    <a:p>
-                      <a:r>
                         <a:rPr lang="en-US" sz="1400" dirty="0" err="1">
                           <a:solidFill>
                             <a:sysClr val="windowText" lastClr="000000"/>
@@ -27639,7 +26978,7 @@
         </p:nvSpPr>
         <p:spPr>
           <a:xfrm>
-            <a:off x="7930621" y="5548843"/>
+            <a:off x="7912866" y="5091598"/>
             <a:ext cx="2142067" cy="538609"/>
           </a:xfrm>
           <a:prstGeom prst="rect">
@@ -27656,7 +26995,7 @@
             <a:pPr algn="ctr"/>
             <a:r>
               <a:rPr lang="en-US" dirty="0"/>
-              <a:t>2,563 (33%) Records</a:t>
+              <a:t>2,329 (30%) Records</a:t>
             </a:r>
           </a:p>
           <a:p>
@@ -27678,6 +27017,346 @@
   <p:clrMapOvr>
     <a:masterClrMapping/>
   </p:clrMapOvr>
+  <p:timing>
+    <p:tnLst>
+      <p:par>
+        <p:cTn id="1" dur="indefinite" restart="never" nodeType="tmRoot">
+          <p:childTnLst>
+            <p:seq concurrent="1" nextAc="seek">
+              <p:cTn id="2" dur="indefinite" nodeType="mainSeq">
+                <p:childTnLst>
+                  <p:par>
+                    <p:cTn id="3" fill="hold">
+                      <p:stCondLst>
+                        <p:cond delay="indefinite"/>
+                      </p:stCondLst>
+                      <p:childTnLst>
+                        <p:par>
+                          <p:cTn id="4" fill="hold">
+                            <p:stCondLst>
+                              <p:cond delay="0"/>
+                            </p:stCondLst>
+                            <p:childTnLst>
+                              <p:par>
+                                <p:cTn id="5" presetID="1" presetClass="entr" presetSubtype="0" fill="hold" nodeType="clickEffect">
+                                  <p:stCondLst>
+                                    <p:cond delay="0"/>
+                                  </p:stCondLst>
+                                  <p:childTnLst>
+                                    <p:set>
+                                      <p:cBhvr>
+                                        <p:cTn id="6" dur="1" fill="hold">
+                                          <p:stCondLst>
+                                            <p:cond delay="0"/>
+                                          </p:stCondLst>
+                                        </p:cTn>
+                                        <p:tgtEl>
+                                          <p:spTgt spid="18">
+                                            <p:txEl>
+                                              <p:pRg st="0" end="0"/>
+                                            </p:txEl>
+                                          </p:spTgt>
+                                        </p:tgtEl>
+                                        <p:attrNameLst>
+                                          <p:attrName>style.visibility</p:attrName>
+                                        </p:attrNameLst>
+                                      </p:cBhvr>
+                                      <p:to>
+                                        <p:strVal val="visible"/>
+                                      </p:to>
+                                    </p:set>
+                                  </p:childTnLst>
+                                </p:cTn>
+                              </p:par>
+                              <p:par>
+                                <p:cTn id="7" presetID="1" presetClass="entr" presetSubtype="0" fill="hold" nodeType="withEffect">
+                                  <p:stCondLst>
+                                    <p:cond delay="0"/>
+                                  </p:stCondLst>
+                                  <p:childTnLst>
+                                    <p:set>
+                                      <p:cBhvr>
+                                        <p:cTn id="8" dur="1" fill="hold">
+                                          <p:stCondLst>
+                                            <p:cond delay="0"/>
+                                          </p:stCondLst>
+                                        </p:cTn>
+                                        <p:tgtEl>
+                                          <p:spTgt spid="18">
+                                            <p:txEl>
+                                              <p:pRg st="1" end="1"/>
+                                            </p:txEl>
+                                          </p:spTgt>
+                                        </p:tgtEl>
+                                        <p:attrNameLst>
+                                          <p:attrName>style.visibility</p:attrName>
+                                        </p:attrNameLst>
+                                      </p:cBhvr>
+                                      <p:to>
+                                        <p:strVal val="visible"/>
+                                      </p:to>
+                                    </p:set>
+                                  </p:childTnLst>
+                                </p:cTn>
+                              </p:par>
+                              <p:par>
+                                <p:cTn id="9" presetID="1" presetClass="entr" presetSubtype="0" fill="hold" grpId="0" nodeType="withEffect">
+                                  <p:stCondLst>
+                                    <p:cond delay="0"/>
+                                  </p:stCondLst>
+                                  <p:childTnLst>
+                                    <p:set>
+                                      <p:cBhvr>
+                                        <p:cTn id="10" dur="1" fill="hold">
+                                          <p:stCondLst>
+                                            <p:cond delay="0"/>
+                                          </p:stCondLst>
+                                        </p:cTn>
+                                        <p:tgtEl>
+                                          <p:spTgt spid="20"/>
+                                        </p:tgtEl>
+                                        <p:attrNameLst>
+                                          <p:attrName>style.visibility</p:attrName>
+                                        </p:attrNameLst>
+                                      </p:cBhvr>
+                                      <p:to>
+                                        <p:strVal val="visible"/>
+                                      </p:to>
+                                    </p:set>
+                                  </p:childTnLst>
+                                </p:cTn>
+                              </p:par>
+                            </p:childTnLst>
+                          </p:cTn>
+                        </p:par>
+                      </p:childTnLst>
+                    </p:cTn>
+                  </p:par>
+                  <p:par>
+                    <p:cTn id="11" fill="hold">
+                      <p:stCondLst>
+                        <p:cond delay="indefinite"/>
+                      </p:stCondLst>
+                      <p:childTnLst>
+                        <p:par>
+                          <p:cTn id="12" fill="hold">
+                            <p:stCondLst>
+                              <p:cond delay="0"/>
+                            </p:stCondLst>
+                            <p:childTnLst>
+                              <p:par>
+                                <p:cTn id="13" presetID="1" presetClass="entr" presetSubtype="0" fill="hold" nodeType="clickEffect">
+                                  <p:stCondLst>
+                                    <p:cond delay="0"/>
+                                  </p:stCondLst>
+                                  <p:childTnLst>
+                                    <p:set>
+                                      <p:cBhvr>
+                                        <p:cTn id="14" dur="1" fill="hold">
+                                          <p:stCondLst>
+                                            <p:cond delay="0"/>
+                                          </p:stCondLst>
+                                        </p:cTn>
+                                        <p:tgtEl>
+                                          <p:spTgt spid="18">
+                                            <p:txEl>
+                                              <p:pRg st="2" end="2"/>
+                                            </p:txEl>
+                                          </p:spTgt>
+                                        </p:tgtEl>
+                                        <p:attrNameLst>
+                                          <p:attrName>style.visibility</p:attrName>
+                                        </p:attrNameLst>
+                                      </p:cBhvr>
+                                      <p:to>
+                                        <p:strVal val="visible"/>
+                                      </p:to>
+                                    </p:set>
+                                  </p:childTnLst>
+                                </p:cTn>
+                              </p:par>
+                              <p:par>
+                                <p:cTn id="15" presetID="1" presetClass="entr" presetSubtype="0" fill="hold" nodeType="withEffect">
+                                  <p:stCondLst>
+                                    <p:cond delay="0"/>
+                                  </p:stCondLst>
+                                  <p:childTnLst>
+                                    <p:set>
+                                      <p:cBhvr>
+                                        <p:cTn id="16" dur="1" fill="hold">
+                                          <p:stCondLst>
+                                            <p:cond delay="0"/>
+                                          </p:stCondLst>
+                                        </p:cTn>
+                                        <p:tgtEl>
+                                          <p:spTgt spid="21">
+                                            <p:txEl>
+                                              <p:pRg st="0" end="0"/>
+                                            </p:txEl>
+                                          </p:spTgt>
+                                        </p:tgtEl>
+                                        <p:attrNameLst>
+                                          <p:attrName>style.visibility</p:attrName>
+                                        </p:attrNameLst>
+                                      </p:cBhvr>
+                                      <p:to>
+                                        <p:strVal val="visible"/>
+                                      </p:to>
+                                    </p:set>
+                                  </p:childTnLst>
+                                </p:cTn>
+                              </p:par>
+                              <p:par>
+                                <p:cTn id="17" presetID="1" presetClass="entr" presetSubtype="0" fill="hold" nodeType="withEffect">
+                                  <p:stCondLst>
+                                    <p:cond delay="0"/>
+                                  </p:stCondLst>
+                                  <p:childTnLst>
+                                    <p:set>
+                                      <p:cBhvr>
+                                        <p:cTn id="18" dur="1" fill="hold">
+                                          <p:stCondLst>
+                                            <p:cond delay="0"/>
+                                          </p:stCondLst>
+                                        </p:cTn>
+                                        <p:tgtEl>
+                                          <p:spTgt spid="21">
+                                            <p:txEl>
+                                              <p:pRg st="1" end="1"/>
+                                            </p:txEl>
+                                          </p:spTgt>
+                                        </p:tgtEl>
+                                        <p:attrNameLst>
+                                          <p:attrName>style.visibility</p:attrName>
+                                        </p:attrNameLst>
+                                      </p:cBhvr>
+                                      <p:to>
+                                        <p:strVal val="visible"/>
+                                      </p:to>
+                                    </p:set>
+                                  </p:childTnLst>
+                                </p:cTn>
+                              </p:par>
+                            </p:childTnLst>
+                          </p:cTn>
+                        </p:par>
+                      </p:childTnLst>
+                    </p:cTn>
+                  </p:par>
+                  <p:par>
+                    <p:cTn id="19" fill="hold">
+                      <p:stCondLst>
+                        <p:cond delay="indefinite"/>
+                      </p:stCondLst>
+                      <p:childTnLst>
+                        <p:par>
+                          <p:cTn id="20" fill="hold">
+                            <p:stCondLst>
+                              <p:cond delay="0"/>
+                            </p:stCondLst>
+                            <p:childTnLst>
+                              <p:par>
+                                <p:cTn id="21" presetID="10" presetClass="entr" presetSubtype="0" fill="hold" nodeType="clickEffect">
+                                  <p:stCondLst>
+                                    <p:cond delay="0"/>
+                                  </p:stCondLst>
+                                  <p:childTnLst>
+                                    <p:set>
+                                      <p:cBhvr>
+                                        <p:cTn id="22" dur="1" fill="hold">
+                                          <p:stCondLst>
+                                            <p:cond delay="0"/>
+                                          </p:stCondLst>
+                                        </p:cTn>
+                                        <p:tgtEl>
+                                          <p:spTgt spid="26"/>
+                                        </p:tgtEl>
+                                        <p:attrNameLst>
+                                          <p:attrName>style.visibility</p:attrName>
+                                        </p:attrNameLst>
+                                      </p:cBhvr>
+                                      <p:to>
+                                        <p:strVal val="visible"/>
+                                      </p:to>
+                                    </p:set>
+                                    <p:animEffect transition="in" filter="fade">
+                                      <p:cBhvr>
+                                        <p:cTn id="23" dur="500"/>
+                                        <p:tgtEl>
+                                          <p:spTgt spid="26"/>
+                                        </p:tgtEl>
+                                      </p:cBhvr>
+                                    </p:animEffect>
+                                  </p:childTnLst>
+                                </p:cTn>
+                              </p:par>
+                              <p:par>
+                                <p:cTn id="24" presetID="10" presetClass="entr" presetSubtype="0" fill="hold" grpId="0" nodeType="withEffect">
+                                  <p:stCondLst>
+                                    <p:cond delay="0"/>
+                                  </p:stCondLst>
+                                  <p:childTnLst>
+                                    <p:set>
+                                      <p:cBhvr>
+                                        <p:cTn id="25" dur="1" fill="hold">
+                                          <p:stCondLst>
+                                            <p:cond delay="0"/>
+                                          </p:stCondLst>
+                                        </p:cTn>
+                                        <p:tgtEl>
+                                          <p:spTgt spid="27"/>
+                                        </p:tgtEl>
+                                        <p:attrNameLst>
+                                          <p:attrName>style.visibility</p:attrName>
+                                        </p:attrNameLst>
+                                      </p:cBhvr>
+                                      <p:to>
+                                        <p:strVal val="visible"/>
+                                      </p:to>
+                                    </p:set>
+                                    <p:animEffect transition="in" filter="fade">
+                                      <p:cBhvr>
+                                        <p:cTn id="26" dur="500"/>
+                                        <p:tgtEl>
+                                          <p:spTgt spid="27"/>
+                                        </p:tgtEl>
+                                      </p:cBhvr>
+                                    </p:animEffect>
+                                  </p:childTnLst>
+                                </p:cTn>
+                              </p:par>
+                            </p:childTnLst>
+                          </p:cTn>
+                        </p:par>
+                      </p:childTnLst>
+                    </p:cTn>
+                  </p:par>
+                </p:childTnLst>
+              </p:cTn>
+              <p:prevCondLst>
+                <p:cond evt="onPrev" delay="0">
+                  <p:tgtEl>
+                    <p:sldTgt/>
+                  </p:tgtEl>
+                </p:cond>
+              </p:prevCondLst>
+              <p:nextCondLst>
+                <p:cond evt="onNext" delay="0">
+                  <p:tgtEl>
+                    <p:sldTgt/>
+                  </p:tgtEl>
+                </p:cond>
+              </p:nextCondLst>
+            </p:seq>
+          </p:childTnLst>
+        </p:cTn>
+      </p:par>
+    </p:tnLst>
+    <p:bldLst>
+      <p:bldP spid="20" grpId="0"/>
+      <p:bldP spid="27" grpId="0"/>
+    </p:bldLst>
+  </p:timing>
 </p:sld>
 </file>
 

--- a/Final Presentation Slides/team48finalpresentation.pptx
+++ b/Final Presentation Slides/team48finalpresentation.pptx
@@ -214,7 +214,7 @@
           <a:p>
             <a:fld id="{D854E5A2-560F-5042-B033-2870576C7FEE}" type="datetimeFigureOut">
               <a:rPr lang="en-US" smtClean="0"/>
-              <a:t>11/15/22</a:t>
+              <a:t>11/16/22</a:t>
             </a:fld>
             <a:endParaRPr lang="en-US"/>
           </a:p>
@@ -796,7 +796,7 @@
           <a:p>
             <a:fld id="{9893EBB2-0F16-174A-81ED-0C7E96A52E91}" type="datetimeFigureOut">
               <a:rPr lang="en-US" smtClean="0"/>
-              <a:t>11/15/22</a:t>
+              <a:t>11/16/22</a:t>
             </a:fld>
             <a:endParaRPr lang="en-US"/>
           </a:p>
@@ -994,7 +994,7 @@
           <a:p>
             <a:fld id="{9893EBB2-0F16-174A-81ED-0C7E96A52E91}" type="datetimeFigureOut">
               <a:rPr lang="en-US" smtClean="0"/>
-              <a:t>11/15/22</a:t>
+              <a:t>11/16/22</a:t>
             </a:fld>
             <a:endParaRPr lang="en-US"/>
           </a:p>
@@ -1202,7 +1202,7 @@
           <a:p>
             <a:fld id="{9893EBB2-0F16-174A-81ED-0C7E96A52E91}" type="datetimeFigureOut">
               <a:rPr lang="en-US" smtClean="0"/>
-              <a:t>11/15/22</a:t>
+              <a:t>11/16/22</a:t>
             </a:fld>
             <a:endParaRPr lang="en-US"/>
           </a:p>
@@ -1455,7 +1455,7 @@
           <a:p>
             <a:fld id="{9893EBB2-0F16-174A-81ED-0C7E96A52E91}" type="datetimeFigureOut">
               <a:rPr lang="en-US" smtClean="0"/>
-              <a:t>11/15/22</a:t>
+              <a:t>11/16/22</a:t>
             </a:fld>
             <a:endParaRPr lang="en-US"/>
           </a:p>
@@ -1730,7 +1730,7 @@
           <a:p>
             <a:fld id="{9893EBB2-0F16-174A-81ED-0C7E96A52E91}" type="datetimeFigureOut">
               <a:rPr lang="en-US" smtClean="0"/>
-              <a:t>11/15/22</a:t>
+              <a:t>11/16/22</a:t>
             </a:fld>
             <a:endParaRPr lang="en-US"/>
           </a:p>
@@ -2050,7 +2050,7 @@
           <a:p>
             <a:fld id="{9893EBB2-0F16-174A-81ED-0C7E96A52E91}" type="datetimeFigureOut">
               <a:rPr lang="en-US" smtClean="0"/>
-              <a:t>11/15/22</a:t>
+              <a:t>11/16/22</a:t>
             </a:fld>
             <a:endParaRPr lang="en-US"/>
           </a:p>
@@ -2462,7 +2462,7 @@
           <a:p>
             <a:fld id="{9893EBB2-0F16-174A-81ED-0C7E96A52E91}" type="datetimeFigureOut">
               <a:rPr lang="en-US" smtClean="0"/>
-              <a:t>11/15/22</a:t>
+              <a:t>11/16/22</a:t>
             </a:fld>
             <a:endParaRPr lang="en-US"/>
           </a:p>
@@ -2603,7 +2603,7 @@
           <a:p>
             <a:fld id="{9893EBB2-0F16-174A-81ED-0C7E96A52E91}" type="datetimeFigureOut">
               <a:rPr lang="en-US" smtClean="0"/>
-              <a:t>11/15/22</a:t>
+              <a:t>11/16/22</a:t>
             </a:fld>
             <a:endParaRPr lang="en-US"/>
           </a:p>
@@ -2716,7 +2716,7 @@
           <a:p>
             <a:fld id="{9893EBB2-0F16-174A-81ED-0C7E96A52E91}" type="datetimeFigureOut">
               <a:rPr lang="en-US" smtClean="0"/>
-              <a:t>11/15/22</a:t>
+              <a:t>11/16/22</a:t>
             </a:fld>
             <a:endParaRPr lang="en-US"/>
           </a:p>
@@ -3027,7 +3027,7 @@
           <a:p>
             <a:fld id="{9893EBB2-0F16-174A-81ED-0C7E96A52E91}" type="datetimeFigureOut">
               <a:rPr lang="en-US" smtClean="0"/>
-              <a:t>11/15/22</a:t>
+              <a:t>11/16/22</a:t>
             </a:fld>
             <a:endParaRPr lang="en-US"/>
           </a:p>
@@ -3315,7 +3315,7 @@
           <a:p>
             <a:fld id="{9893EBB2-0F16-174A-81ED-0C7E96A52E91}" type="datetimeFigureOut">
               <a:rPr lang="en-US" smtClean="0"/>
-              <a:t>11/15/22</a:t>
+              <a:t>11/16/22</a:t>
             </a:fld>
             <a:endParaRPr lang="en-US"/>
           </a:p>
@@ -3556,7 +3556,7 @@
           <a:p>
             <a:fld id="{9893EBB2-0F16-174A-81ED-0C7E96A52E91}" type="datetimeFigureOut">
               <a:rPr lang="en-US" smtClean="0"/>
-              <a:t>11/15/22</a:t>
+              <a:t>11/16/22</a:t>
             </a:fld>
             <a:endParaRPr lang="en-US"/>
           </a:p>
@@ -6199,7 +6199,7 @@
                 <a:ea typeface="MS Mincho" panose="02020609040205080304" pitchFamily="49" charset="-128"/>
                 <a:cs typeface="Times New Roman" panose="02020603050405020304" pitchFamily="18" charset="0"/>
               </a:rPr>
-              <a:t>Univariate analysis revealed outliers in the price field which we will further investigate</a:t>
+              <a:t>Univariate analysis revealed outliers in the price field</a:t>
             </a:r>
           </a:p>
         </p:txBody>
@@ -7732,12 +7732,12 @@
                         </a:spcAft>
                       </a:pPr>
                       <a:r>
-                        <a:rPr lang="en-US" sz="1100">
+                        <a:rPr lang="en-US" sz="1100" dirty="0" err="1">
                           <a:effectLst/>
                         </a:rPr>
                         <a:t>p_mortgageint_nr</a:t>
                       </a:r>
-                      <a:endParaRPr lang="en-US" sz="1100">
+                      <a:endParaRPr lang="en-US" sz="1100" dirty="0">
                         <a:effectLst/>
                         <a:latin typeface="Calibri" panose="020F0502020204030204" pitchFamily="34" charset="0"/>
                         <a:ea typeface="Calibri" panose="020F0502020204030204" pitchFamily="34" charset="0"/>
